--- a/src/Nethermind/Workshop.pptx
+++ b/src/Nethermind/Workshop.pptx
@@ -5,7 +5,7 @@
     <p:sldMasterId id="2147483660" r:id="rId1"/>
   </p:sldMasterIdLst>
   <p:notesMasterIdLst>
-    <p:notesMasterId r:id="rId87"/>
+    <p:notesMasterId r:id="rId88"/>
   </p:notesMasterIdLst>
   <p:sldIdLst>
     <p:sldId id="321" r:id="rId2"/>
@@ -53,46 +53,47 @@
     <p:sldId id="400" r:id="rId44"/>
     <p:sldId id="433" r:id="rId45"/>
     <p:sldId id="404" r:id="rId46"/>
-    <p:sldId id="402" r:id="rId47"/>
-    <p:sldId id="401" r:id="rId48"/>
-    <p:sldId id="414" r:id="rId49"/>
-    <p:sldId id="403" r:id="rId50"/>
-    <p:sldId id="405" r:id="rId51"/>
-    <p:sldId id="406" r:id="rId52"/>
-    <p:sldId id="441" r:id="rId53"/>
-    <p:sldId id="370" r:id="rId54"/>
-    <p:sldId id="371" r:id="rId55"/>
-    <p:sldId id="372" r:id="rId56"/>
-    <p:sldId id="427" r:id="rId57"/>
-    <p:sldId id="426" r:id="rId58"/>
-    <p:sldId id="434" r:id="rId59"/>
-    <p:sldId id="387" r:id="rId60"/>
-    <p:sldId id="373" r:id="rId61"/>
-    <p:sldId id="376" r:id="rId62"/>
-    <p:sldId id="398" r:id="rId63"/>
-    <p:sldId id="399" r:id="rId64"/>
-    <p:sldId id="437" r:id="rId65"/>
-    <p:sldId id="436" r:id="rId66"/>
-    <p:sldId id="442" r:id="rId67"/>
-    <p:sldId id="439" r:id="rId68"/>
-    <p:sldId id="378" r:id="rId69"/>
-    <p:sldId id="435" r:id="rId70"/>
-    <p:sldId id="380" r:id="rId71"/>
-    <p:sldId id="381" r:id="rId72"/>
-    <p:sldId id="390" r:id="rId73"/>
-    <p:sldId id="407" r:id="rId74"/>
-    <p:sldId id="391" r:id="rId75"/>
-    <p:sldId id="423" r:id="rId76"/>
-    <p:sldId id="392" r:id="rId77"/>
-    <p:sldId id="393" r:id="rId78"/>
-    <p:sldId id="397" r:id="rId79"/>
-    <p:sldId id="394" r:id="rId80"/>
-    <p:sldId id="395" r:id="rId81"/>
-    <p:sldId id="428" r:id="rId82"/>
-    <p:sldId id="429" r:id="rId83"/>
-    <p:sldId id="432" r:id="rId84"/>
-    <p:sldId id="430" r:id="rId85"/>
-    <p:sldId id="431" r:id="rId86"/>
+    <p:sldId id="443" r:id="rId47"/>
+    <p:sldId id="402" r:id="rId48"/>
+    <p:sldId id="401" r:id="rId49"/>
+    <p:sldId id="414" r:id="rId50"/>
+    <p:sldId id="403" r:id="rId51"/>
+    <p:sldId id="405" r:id="rId52"/>
+    <p:sldId id="406" r:id="rId53"/>
+    <p:sldId id="441" r:id="rId54"/>
+    <p:sldId id="370" r:id="rId55"/>
+    <p:sldId id="371" r:id="rId56"/>
+    <p:sldId id="372" r:id="rId57"/>
+    <p:sldId id="427" r:id="rId58"/>
+    <p:sldId id="426" r:id="rId59"/>
+    <p:sldId id="434" r:id="rId60"/>
+    <p:sldId id="387" r:id="rId61"/>
+    <p:sldId id="373" r:id="rId62"/>
+    <p:sldId id="376" r:id="rId63"/>
+    <p:sldId id="398" r:id="rId64"/>
+    <p:sldId id="399" r:id="rId65"/>
+    <p:sldId id="437" r:id="rId66"/>
+    <p:sldId id="436" r:id="rId67"/>
+    <p:sldId id="442" r:id="rId68"/>
+    <p:sldId id="439" r:id="rId69"/>
+    <p:sldId id="378" r:id="rId70"/>
+    <p:sldId id="435" r:id="rId71"/>
+    <p:sldId id="380" r:id="rId72"/>
+    <p:sldId id="381" r:id="rId73"/>
+    <p:sldId id="390" r:id="rId74"/>
+    <p:sldId id="407" r:id="rId75"/>
+    <p:sldId id="391" r:id="rId76"/>
+    <p:sldId id="423" r:id="rId77"/>
+    <p:sldId id="392" r:id="rId78"/>
+    <p:sldId id="393" r:id="rId79"/>
+    <p:sldId id="397" r:id="rId80"/>
+    <p:sldId id="394" r:id="rId81"/>
+    <p:sldId id="395" r:id="rId82"/>
+    <p:sldId id="428" r:id="rId83"/>
+    <p:sldId id="429" r:id="rId84"/>
+    <p:sldId id="432" r:id="rId85"/>
+    <p:sldId id="430" r:id="rId86"/>
+    <p:sldId id="431" r:id="rId87"/>
   </p:sldIdLst>
   <p:sldSz cx="18288000" cy="10285413"/>
   <p:notesSz cx="6858000" cy="9144000"/>
@@ -8882,9 +8883,12 @@
           </a:bodyPr>
           <a:lstStyle/>
           <a:p>
-            <a:endParaRPr lang="en-GB" sz="2400" dirty="0">
-              <a:latin typeface="Asap" panose="020F0504030102060203" pitchFamily="34" charset="0"/>
-            </a:endParaRPr>
+            <a:r>
+              <a:rPr lang="en-GB" sz="2400" dirty="0">
+                <a:latin typeface="Asap" panose="020F0504030102060203" pitchFamily="34" charset="0"/>
+              </a:rPr>
+              <a:t>full archive : fast sync</a:t>
+            </a:r>
           </a:p>
         </p:txBody>
       </p:sp>
@@ -9501,9 +9505,12 @@
           </a:bodyPr>
           <a:lstStyle/>
           <a:p>
-            <a:endParaRPr lang="en-GB" sz="2400" dirty="0">
-              <a:latin typeface="Asap" panose="020F0504030102060203" pitchFamily="34" charset="0"/>
-            </a:endParaRPr>
+            <a:r>
+              <a:rPr lang="en-GB" sz="3200" dirty="0">
+                <a:latin typeface="Asap" panose="020F0504030102060203" pitchFamily="34" charset="0"/>
+              </a:rPr>
+              <a:t>stack size</a:t>
+            </a:r>
           </a:p>
         </p:txBody>
       </p:sp>
@@ -10367,7 +10374,7 @@
               <a:rPr lang="en-GB" sz="2400" dirty="0">
                 <a:latin typeface="Asap" panose="020F0504030102060203" pitchFamily="34" charset="0"/>
               </a:rPr>
-              <a:t>env :  stack : memory : return data</a:t>
+              <a:t>env :  stack : memory : return data : call depth</a:t>
             </a:r>
           </a:p>
         </p:txBody>
@@ -15379,52 +15386,602 @@
               <a:rPr lang="en-GB" dirty="0">
                 <a:latin typeface="Asap" panose="020F0504030102060203" pitchFamily="34" charset="0"/>
               </a:rPr>
-              <a:t>transfer</a:t>
+              <a:t>eth units</a:t>
             </a:r>
           </a:p>
         </p:txBody>
       </p:sp>
       <p:sp>
         <p:nvSpPr>
-          <p:cNvPr id="4" name="Subtitle 3">
+          <p:cNvPr id="8" name="Rectangle 1">
             <a:extLst>
               <a:ext uri="{FF2B5EF4-FFF2-40B4-BE49-F238E27FC236}">
-                <a16:creationId xmlns:a16="http://schemas.microsoft.com/office/drawing/2014/main" id="{9DC3C257-BFA8-4755-A47E-DEB0CDBC03F6}"/>
+                <a16:creationId xmlns:a16="http://schemas.microsoft.com/office/drawing/2014/main" id="{676DF716-3562-486C-B20C-3B43A86BAA23}"/>
               </a:ext>
             </a:extLst>
           </p:cNvPr>
           <p:cNvSpPr>
-            <a:spLocks noGrp="1"/>
+            <a:spLocks noChangeArrowheads="1"/>
           </p:cNvSpPr>
-          <p:nvPr>
-            <p:ph type="subTitle" idx="1"/>
-          </p:nvPr>
+          <p:nvPr/>
         </p:nvSpPr>
-        <p:spPr>
-          <a:xfrm>
-            <a:off x="2286000" y="5402223"/>
-            <a:ext cx="13716000" cy="2483260"/>
-          </a:xfrm>
+        <p:spPr bwMode="auto">
+          <a:xfrm>
+            <a:off x="6169468" y="5437313"/>
+            <a:ext cx="5949064" cy="2246769"/>
+          </a:xfrm>
+          <a:prstGeom prst="rect">
+            <a:avLst/>
+          </a:prstGeom>
+          <a:solidFill>
+            <a:srgbClr val="FFFFFF"/>
+          </a:solidFill>
+          <a:ln>
+            <a:noFill/>
+          </a:ln>
+          <a:effectLst/>
+          <a:extLst>
+            <a:ext uri="{91240B29-F687-4F45-9708-019B960494DF}">
+              <a14:hiddenLine xmlns:a14="http://schemas.microsoft.com/office/drawing/2010/main" w="9525">
+                <a:solidFill>
+                  <a:schemeClr val="tx1"/>
+                </a:solidFill>
+                <a:miter lim="800000"/>
+                <a:headEnd/>
+                <a:tailEnd/>
+              </a14:hiddenLine>
+            </a:ext>
+            <a:ext uri="{AF507438-7753-43E0-B8FC-AC1667EBCBE1}">
+              <a14:hiddenEffects xmlns:a14="http://schemas.microsoft.com/office/drawing/2010/main">
+                <a:effectLst>
+                  <a:outerShdw dist="35921" dir="2700000" algn="ctr" rotWithShape="0">
+                    <a:schemeClr val="bg2"/>
+                  </a:outerShdw>
+                </a:effectLst>
+              </a14:hiddenEffects>
+            </a:ext>
+          </a:extLst>
         </p:spPr>
         <p:txBody>
-          <a:bodyPr>
-            <a:normAutofit/>
+          <a:bodyPr vert="horz" wrap="none" lIns="91440" tIns="45720" rIns="91440" bIns="45720" numCol="1" anchor="ctr" anchorCtr="0" compatLnSpc="1">
+            <a:prstTxWarp prst="textNoShape">
+              <a:avLst/>
+            </a:prstTxWarp>
+            <a:spAutoFit/>
           </a:bodyPr>
           <a:lstStyle/>
           <a:p>
-            <a:r>
-              <a:rPr lang="en-GB" sz="2400" dirty="0">
-                <a:latin typeface="Asap" panose="020F0504030102060203" pitchFamily="34" charset="0"/>
-              </a:rPr>
-              <a:t>21000</a:t>
-            </a:r>
+            <a:pPr marL="0" marR="0" lvl="0" indent="0" algn="l" defTabSz="914400" rtl="0" eaLnBrk="0" fontAlgn="base" latinLnBrk="0" hangingPunct="0">
+              <a:lnSpc>
+                <a:spcPct val="100000"/>
+              </a:lnSpc>
+              <a:spcBef>
+                <a:spcPct val="0"/>
+              </a:spcBef>
+              <a:spcAft>
+                <a:spcPct val="0"/>
+              </a:spcAft>
+              <a:buClrTx/>
+              <a:buSzTx/>
+              <a:buFontTx/>
+              <a:buNone/>
+              <a:tabLst/>
+            </a:pPr>
+            <a:r>
+              <a:rPr kumimoji="0" lang="en-US" altLang="en-US" sz="1400" b="0" i="0" u="none" strike="noStrike" cap="none" normalizeH="0" baseline="0" dirty="0">
+                <a:ln>
+                  <a:noFill/>
+                </a:ln>
+                <a:solidFill>
+                  <a:srgbClr val="0000FF"/>
+                </a:solidFill>
+                <a:effectLst/>
+                <a:latin typeface="Consolas" panose="020B0609020204030204" pitchFamily="49" charset="0"/>
+              </a:rPr>
+              <a:t>public static class </a:t>
+            </a:r>
+            <a:r>
+              <a:rPr kumimoji="0" lang="en-US" altLang="en-US" sz="1400" b="0" i="0" u="none" strike="noStrike" cap="none" normalizeH="0" baseline="0" dirty="0">
+                <a:ln>
+                  <a:noFill/>
+                </a:ln>
+                <a:solidFill>
+                  <a:srgbClr val="2B91AF"/>
+                </a:solidFill>
+                <a:effectLst/>
+                <a:latin typeface="Consolas" panose="020B0609020204030204" pitchFamily="49" charset="0"/>
+              </a:rPr>
+              <a:t>Unit</a:t>
+            </a:r>
+            <a:br>
+              <a:rPr kumimoji="0" lang="en-US" altLang="en-US" sz="1400" b="0" i="0" u="none" strike="noStrike" cap="none" normalizeH="0" baseline="0" dirty="0">
+                <a:ln>
+                  <a:noFill/>
+                </a:ln>
+                <a:solidFill>
+                  <a:srgbClr val="2B91AF"/>
+                </a:solidFill>
+                <a:effectLst/>
+                <a:latin typeface="Consolas" panose="020B0609020204030204" pitchFamily="49" charset="0"/>
+              </a:rPr>
+            </a:br>
+            <a:r>
+              <a:rPr kumimoji="0" lang="en-US" altLang="en-US" sz="1400" b="0" i="0" u="none" strike="noStrike" cap="none" normalizeH="0" baseline="0" dirty="0">
+                <a:ln>
+                  <a:noFill/>
+                </a:ln>
+                <a:solidFill>
+                  <a:srgbClr val="000000"/>
+                </a:solidFill>
+                <a:effectLst/>
+                <a:latin typeface="Consolas" panose="020B0609020204030204" pitchFamily="49" charset="0"/>
+              </a:rPr>
+              <a:t>{</a:t>
+            </a:r>
+            <a:br>
+              <a:rPr kumimoji="0" lang="en-US" altLang="en-US" sz="1400" b="0" i="0" u="none" strike="noStrike" cap="none" normalizeH="0" baseline="0" dirty="0">
+                <a:ln>
+                  <a:noFill/>
+                </a:ln>
+                <a:solidFill>
+                  <a:srgbClr val="000000"/>
+                </a:solidFill>
+                <a:effectLst/>
+                <a:latin typeface="Consolas" panose="020B0609020204030204" pitchFamily="49" charset="0"/>
+              </a:rPr>
+            </a:br>
+            <a:r>
+              <a:rPr kumimoji="0" lang="en-US" altLang="en-US" sz="1400" b="0" i="0" u="none" strike="noStrike" cap="none" normalizeH="0" baseline="0" dirty="0">
+                <a:ln>
+                  <a:noFill/>
+                </a:ln>
+                <a:solidFill>
+                  <a:srgbClr val="000000"/>
+                </a:solidFill>
+                <a:effectLst/>
+                <a:latin typeface="Consolas" panose="020B0609020204030204" pitchFamily="49" charset="0"/>
+              </a:rPr>
+              <a:t>    </a:t>
+            </a:r>
+            <a:r>
+              <a:rPr kumimoji="0" lang="en-US" altLang="en-US" sz="1400" b="0" i="0" u="none" strike="noStrike" cap="none" normalizeH="0" baseline="0" dirty="0">
+                <a:ln>
+                  <a:noFill/>
+                </a:ln>
+                <a:solidFill>
+                  <a:srgbClr val="0000FF"/>
+                </a:solidFill>
+                <a:effectLst/>
+                <a:latin typeface="Consolas" panose="020B0609020204030204" pitchFamily="49" charset="0"/>
+              </a:rPr>
+              <a:t>public static </a:t>
+            </a:r>
+            <a:r>
+              <a:rPr kumimoji="0" lang="en-US" altLang="en-US" sz="1400" b="0" i="0" u="none" strike="noStrike" cap="none" normalizeH="0" baseline="0" dirty="0">
+                <a:ln>
+                  <a:noFill/>
+                </a:ln>
+                <a:solidFill>
+                  <a:srgbClr val="2B91AF"/>
+                </a:solidFill>
+                <a:effectLst/>
+                <a:latin typeface="Consolas" panose="020B0609020204030204" pitchFamily="49" charset="0"/>
+              </a:rPr>
+              <a:t>BigInteger </a:t>
+            </a:r>
+            <a:r>
+              <a:rPr kumimoji="0" lang="en-US" altLang="en-US" sz="1400" b="0" i="0" u="none" strike="noStrike" cap="none" normalizeH="0" baseline="0" dirty="0">
+                <a:ln>
+                  <a:noFill/>
+                </a:ln>
+                <a:solidFill>
+                  <a:srgbClr val="000000"/>
+                </a:solidFill>
+                <a:effectLst/>
+                <a:latin typeface="Consolas" panose="020B0609020204030204" pitchFamily="49" charset="0"/>
+              </a:rPr>
+              <a:t>Wei    =                   1;</a:t>
+            </a:r>
+            <a:br>
+              <a:rPr kumimoji="0" lang="en-US" altLang="en-US" sz="1400" b="0" i="0" u="none" strike="noStrike" cap="none" normalizeH="0" baseline="0" dirty="0">
+                <a:ln>
+                  <a:noFill/>
+                </a:ln>
+                <a:solidFill>
+                  <a:srgbClr val="000000"/>
+                </a:solidFill>
+                <a:effectLst/>
+                <a:latin typeface="Consolas" panose="020B0609020204030204" pitchFamily="49" charset="0"/>
+              </a:rPr>
+            </a:br>
+            <a:r>
+              <a:rPr kumimoji="0" lang="en-US" altLang="en-US" sz="1400" b="0" i="0" u="none" strike="noStrike" cap="none" normalizeH="0" baseline="0" dirty="0">
+                <a:ln>
+                  <a:noFill/>
+                </a:ln>
+                <a:solidFill>
+                  <a:srgbClr val="000000"/>
+                </a:solidFill>
+                <a:effectLst/>
+                <a:latin typeface="Consolas" panose="020B0609020204030204" pitchFamily="49" charset="0"/>
+              </a:rPr>
+              <a:t>    </a:t>
+            </a:r>
+            <a:r>
+              <a:rPr kumimoji="0" lang="en-US" altLang="en-US" sz="1400" b="0" i="0" u="none" strike="noStrike" cap="none" normalizeH="0" baseline="0" dirty="0">
+                <a:ln>
+                  <a:noFill/>
+                </a:ln>
+                <a:solidFill>
+                  <a:srgbClr val="0000FF"/>
+                </a:solidFill>
+                <a:effectLst/>
+                <a:latin typeface="Consolas" panose="020B0609020204030204" pitchFamily="49" charset="0"/>
+              </a:rPr>
+              <a:t>public static </a:t>
+            </a:r>
+            <a:r>
+              <a:rPr kumimoji="0" lang="en-US" altLang="en-US" sz="1400" b="0" i="0" u="none" strike="noStrike" cap="none" normalizeH="0" baseline="0" dirty="0">
+                <a:ln>
+                  <a:noFill/>
+                </a:ln>
+                <a:solidFill>
+                  <a:srgbClr val="2B91AF"/>
+                </a:solidFill>
+                <a:effectLst/>
+                <a:latin typeface="Consolas" panose="020B0609020204030204" pitchFamily="49" charset="0"/>
+              </a:rPr>
+              <a:t>BigInteger </a:t>
+            </a:r>
+            <a:r>
+              <a:rPr kumimoji="0" lang="en-US" altLang="en-US" sz="1400" b="0" i="0" u="none" strike="noStrike" cap="none" normalizeH="0" baseline="0" dirty="0">
+                <a:ln>
+                  <a:noFill/>
+                </a:ln>
+                <a:solidFill>
+                  <a:srgbClr val="000000"/>
+                </a:solidFill>
+                <a:effectLst/>
+                <a:latin typeface="Consolas" panose="020B0609020204030204" pitchFamily="49" charset="0"/>
+              </a:rPr>
+              <a:t>GWei   =          1000000000;</a:t>
+            </a:r>
+            <a:br>
+              <a:rPr kumimoji="0" lang="en-US" altLang="en-US" sz="1400" b="0" i="0" u="none" strike="noStrike" cap="none" normalizeH="0" baseline="0" dirty="0">
+                <a:ln>
+                  <a:noFill/>
+                </a:ln>
+                <a:solidFill>
+                  <a:srgbClr val="000000"/>
+                </a:solidFill>
+                <a:effectLst/>
+                <a:latin typeface="Consolas" panose="020B0609020204030204" pitchFamily="49" charset="0"/>
+              </a:rPr>
+            </a:br>
+            <a:r>
+              <a:rPr kumimoji="0" lang="en-US" altLang="en-US" sz="1400" b="0" i="0" u="none" strike="noStrike" cap="none" normalizeH="0" baseline="0" dirty="0">
+                <a:ln>
+                  <a:noFill/>
+                </a:ln>
+                <a:solidFill>
+                  <a:srgbClr val="000000"/>
+                </a:solidFill>
+                <a:effectLst/>
+                <a:latin typeface="Consolas" panose="020B0609020204030204" pitchFamily="49" charset="0"/>
+              </a:rPr>
+              <a:t>    </a:t>
+            </a:r>
+            <a:r>
+              <a:rPr kumimoji="0" lang="en-US" altLang="en-US" sz="1400" b="0" i="0" u="none" strike="noStrike" cap="none" normalizeH="0" baseline="0" dirty="0">
+                <a:ln>
+                  <a:noFill/>
+                </a:ln>
+                <a:solidFill>
+                  <a:srgbClr val="0000FF"/>
+                </a:solidFill>
+                <a:effectLst/>
+                <a:latin typeface="Consolas" panose="020B0609020204030204" pitchFamily="49" charset="0"/>
+              </a:rPr>
+              <a:t>public static </a:t>
+            </a:r>
+            <a:r>
+              <a:rPr kumimoji="0" lang="en-US" altLang="en-US" sz="1400" b="0" i="0" u="none" strike="noStrike" cap="none" normalizeH="0" baseline="0" dirty="0">
+                <a:ln>
+                  <a:noFill/>
+                </a:ln>
+                <a:solidFill>
+                  <a:srgbClr val="2B91AF"/>
+                </a:solidFill>
+                <a:effectLst/>
+                <a:latin typeface="Consolas" panose="020B0609020204030204" pitchFamily="49" charset="0"/>
+              </a:rPr>
+              <a:t>BigInteger </a:t>
+            </a:r>
+            <a:r>
+              <a:rPr kumimoji="0" lang="en-US" altLang="en-US" sz="1400" b="0" i="0" u="none" strike="noStrike" cap="none" normalizeH="0" baseline="0" dirty="0">
+                <a:ln>
+                  <a:noFill/>
+                </a:ln>
+                <a:solidFill>
+                  <a:srgbClr val="000000"/>
+                </a:solidFill>
+                <a:effectLst/>
+                <a:latin typeface="Consolas" panose="020B0609020204030204" pitchFamily="49" charset="0"/>
+              </a:rPr>
+              <a:t>Szabo  =       1000000000000;</a:t>
+            </a:r>
+            <a:br>
+              <a:rPr kumimoji="0" lang="en-US" altLang="en-US" sz="1400" b="0" i="0" u="none" strike="noStrike" cap="none" normalizeH="0" baseline="0" dirty="0">
+                <a:ln>
+                  <a:noFill/>
+                </a:ln>
+                <a:solidFill>
+                  <a:srgbClr val="000000"/>
+                </a:solidFill>
+                <a:effectLst/>
+                <a:latin typeface="Consolas" panose="020B0609020204030204" pitchFamily="49" charset="0"/>
+              </a:rPr>
+            </a:br>
+            <a:r>
+              <a:rPr kumimoji="0" lang="en-US" altLang="en-US" sz="1400" b="0" i="0" u="none" strike="noStrike" cap="none" normalizeH="0" baseline="0" dirty="0">
+                <a:ln>
+                  <a:noFill/>
+                </a:ln>
+                <a:solidFill>
+                  <a:srgbClr val="000000"/>
+                </a:solidFill>
+                <a:effectLst/>
+                <a:latin typeface="Consolas" panose="020B0609020204030204" pitchFamily="49" charset="0"/>
+              </a:rPr>
+              <a:t>    </a:t>
+            </a:r>
+            <a:r>
+              <a:rPr kumimoji="0" lang="en-US" altLang="en-US" sz="1400" b="0" i="0" u="none" strike="noStrike" cap="none" normalizeH="0" baseline="0" dirty="0">
+                <a:ln>
+                  <a:noFill/>
+                </a:ln>
+                <a:solidFill>
+                  <a:srgbClr val="0000FF"/>
+                </a:solidFill>
+                <a:effectLst/>
+                <a:latin typeface="Consolas" panose="020B0609020204030204" pitchFamily="49" charset="0"/>
+              </a:rPr>
+              <a:t>public static </a:t>
+            </a:r>
+            <a:r>
+              <a:rPr kumimoji="0" lang="en-US" altLang="en-US" sz="1400" b="0" i="0" u="none" strike="noStrike" cap="none" normalizeH="0" baseline="0" dirty="0">
+                <a:ln>
+                  <a:noFill/>
+                </a:ln>
+                <a:solidFill>
+                  <a:srgbClr val="2B91AF"/>
+                </a:solidFill>
+                <a:effectLst/>
+                <a:latin typeface="Consolas" panose="020B0609020204030204" pitchFamily="49" charset="0"/>
+              </a:rPr>
+              <a:t>BigInteger </a:t>
+            </a:r>
+            <a:r>
+              <a:rPr kumimoji="0" lang="en-US" altLang="en-US" sz="1400" b="0" i="0" u="none" strike="noStrike" cap="none" normalizeH="0" baseline="0" dirty="0">
+                <a:ln>
+                  <a:noFill/>
+                </a:ln>
+                <a:solidFill>
+                  <a:srgbClr val="000000"/>
+                </a:solidFill>
+                <a:effectLst/>
+                <a:latin typeface="Consolas" panose="020B0609020204030204" pitchFamily="49" charset="0"/>
+              </a:rPr>
+              <a:t>Finney =    1000000000000000;</a:t>
+            </a:r>
+            <a:br>
+              <a:rPr kumimoji="0" lang="en-US" altLang="en-US" sz="1400" b="0" i="0" u="none" strike="noStrike" cap="none" normalizeH="0" baseline="0" dirty="0">
+                <a:ln>
+                  <a:noFill/>
+                </a:ln>
+                <a:solidFill>
+                  <a:srgbClr val="000000"/>
+                </a:solidFill>
+                <a:effectLst/>
+                <a:latin typeface="Consolas" panose="020B0609020204030204" pitchFamily="49" charset="0"/>
+              </a:rPr>
+            </a:br>
+            <a:r>
+              <a:rPr kumimoji="0" lang="en-US" altLang="en-US" sz="1400" b="0" i="0" u="none" strike="noStrike" cap="none" normalizeH="0" baseline="0" dirty="0">
+                <a:ln>
+                  <a:noFill/>
+                </a:ln>
+                <a:solidFill>
+                  <a:srgbClr val="000000"/>
+                </a:solidFill>
+                <a:effectLst/>
+                <a:latin typeface="Consolas" panose="020B0609020204030204" pitchFamily="49" charset="0"/>
+              </a:rPr>
+              <a:t>    </a:t>
+            </a:r>
+            <a:r>
+              <a:rPr kumimoji="0" lang="en-US" altLang="en-US" sz="1400" b="0" i="0" u="none" strike="noStrike" cap="none" normalizeH="0" baseline="0" dirty="0">
+                <a:ln>
+                  <a:noFill/>
+                </a:ln>
+                <a:solidFill>
+                  <a:srgbClr val="0000FF"/>
+                </a:solidFill>
+                <a:effectLst/>
+                <a:latin typeface="Consolas" panose="020B0609020204030204" pitchFamily="49" charset="0"/>
+              </a:rPr>
+              <a:t>public static </a:t>
+            </a:r>
+            <a:r>
+              <a:rPr kumimoji="0" lang="en-US" altLang="en-US" sz="1400" b="0" i="0" u="none" strike="noStrike" cap="none" normalizeH="0" baseline="0" dirty="0">
+                <a:ln>
+                  <a:noFill/>
+                </a:ln>
+                <a:solidFill>
+                  <a:srgbClr val="2B91AF"/>
+                </a:solidFill>
+                <a:effectLst/>
+                <a:latin typeface="Consolas" panose="020B0609020204030204" pitchFamily="49" charset="0"/>
+              </a:rPr>
+              <a:t>BigInteger </a:t>
+            </a:r>
+            <a:r>
+              <a:rPr kumimoji="0" lang="en-US" altLang="en-US" sz="1400" b="0" i="0" u="none" strike="noStrike" cap="none" normalizeH="0" baseline="0" dirty="0">
+                <a:ln>
+                  <a:noFill/>
+                </a:ln>
+                <a:solidFill>
+                  <a:srgbClr val="000000"/>
+                </a:solidFill>
+                <a:effectLst/>
+                <a:latin typeface="Consolas" panose="020B0609020204030204" pitchFamily="49" charset="0"/>
+              </a:rPr>
+              <a:t>Ether  = 1000000000000000000;</a:t>
+            </a:r>
+            <a:br>
+              <a:rPr kumimoji="0" lang="en-US" altLang="en-US" sz="1400" b="0" i="0" u="none" strike="noStrike" cap="none" normalizeH="0" baseline="0" dirty="0">
+                <a:ln>
+                  <a:noFill/>
+                </a:ln>
+                <a:solidFill>
+                  <a:srgbClr val="000000"/>
+                </a:solidFill>
+                <a:effectLst/>
+                <a:latin typeface="Consolas" panose="020B0609020204030204" pitchFamily="49" charset="0"/>
+              </a:rPr>
+            </a:br>
+            <a:r>
+              <a:rPr kumimoji="0" lang="en-US" altLang="en-US" sz="1400" b="0" i="0" u="none" strike="noStrike" cap="none" normalizeH="0" baseline="0" dirty="0">
+                <a:ln>
+                  <a:noFill/>
+                </a:ln>
+                <a:solidFill>
+                  <a:srgbClr val="000000"/>
+                </a:solidFill>
+                <a:effectLst/>
+                <a:latin typeface="Consolas" panose="020B0609020204030204" pitchFamily="49" charset="0"/>
+              </a:rPr>
+              <a:t>    </a:t>
+            </a:r>
+            <a:br>
+              <a:rPr kumimoji="0" lang="en-US" altLang="en-US" sz="1400" b="0" i="0" u="none" strike="noStrike" cap="none" normalizeH="0" baseline="0" dirty="0">
+                <a:ln>
+                  <a:noFill/>
+                </a:ln>
+                <a:solidFill>
+                  <a:srgbClr val="000000"/>
+                </a:solidFill>
+                <a:effectLst/>
+                <a:latin typeface="Consolas" panose="020B0609020204030204" pitchFamily="49" charset="0"/>
+              </a:rPr>
+            </a:br>
+            <a:r>
+              <a:rPr kumimoji="0" lang="en-US" altLang="en-US" sz="1400" b="0" i="0" u="none" strike="noStrike" cap="none" normalizeH="0" baseline="0" dirty="0">
+                <a:ln>
+                  <a:noFill/>
+                </a:ln>
+                <a:solidFill>
+                  <a:srgbClr val="000000"/>
+                </a:solidFill>
+                <a:effectLst/>
+                <a:latin typeface="Consolas" panose="020B0609020204030204" pitchFamily="49" charset="0"/>
+              </a:rPr>
+              <a:t>    </a:t>
+            </a:r>
+            <a:r>
+              <a:rPr kumimoji="0" lang="en-US" altLang="en-US" sz="1400" b="0" i="0" u="none" strike="noStrike" cap="none" normalizeH="0" baseline="0" dirty="0">
+                <a:ln>
+                  <a:noFill/>
+                </a:ln>
+                <a:solidFill>
+                  <a:srgbClr val="0000FF"/>
+                </a:solidFill>
+                <a:effectLst/>
+                <a:latin typeface="Consolas" panose="020B0609020204030204" pitchFamily="49" charset="0"/>
+              </a:rPr>
+              <a:t>public const string </a:t>
+            </a:r>
+            <a:r>
+              <a:rPr kumimoji="0" lang="en-US" altLang="en-US" sz="1400" b="0" i="0" u="none" strike="noStrike" cap="none" normalizeH="0" baseline="0" dirty="0">
+                <a:ln>
+                  <a:noFill/>
+                </a:ln>
+                <a:solidFill>
+                  <a:srgbClr val="000000"/>
+                </a:solidFill>
+                <a:effectLst/>
+                <a:latin typeface="Consolas" panose="020B0609020204030204" pitchFamily="49" charset="0"/>
+              </a:rPr>
+              <a:t>EthSymbol = </a:t>
+            </a:r>
+            <a:r>
+              <a:rPr kumimoji="0" lang="en-US" altLang="en-US" sz="1400" b="0" i="0" u="none" strike="noStrike" cap="none" normalizeH="0" baseline="0" dirty="0">
+                <a:ln>
+                  <a:noFill/>
+                </a:ln>
+                <a:solidFill>
+                  <a:srgbClr val="A31515"/>
+                </a:solidFill>
+                <a:effectLst/>
+                <a:latin typeface="Consolas" panose="020B0609020204030204" pitchFamily="49" charset="0"/>
+              </a:rPr>
+              <a:t>"Ξ"</a:t>
+            </a:r>
+            <a:r>
+              <a:rPr kumimoji="0" lang="en-US" altLang="en-US" sz="1400" b="0" i="0" u="none" strike="noStrike" cap="none" normalizeH="0" baseline="0" dirty="0">
+                <a:ln>
+                  <a:noFill/>
+                </a:ln>
+                <a:solidFill>
+                  <a:srgbClr val="000000"/>
+                </a:solidFill>
+                <a:effectLst/>
+                <a:latin typeface="Consolas" panose="020B0609020204030204" pitchFamily="49" charset="0"/>
+              </a:rPr>
+              <a:t>;</a:t>
+            </a:r>
+            <a:br>
+              <a:rPr kumimoji="0" lang="en-US" altLang="en-US" sz="1400" b="0" i="0" u="none" strike="noStrike" cap="none" normalizeH="0" baseline="0" dirty="0">
+                <a:ln>
+                  <a:noFill/>
+                </a:ln>
+                <a:solidFill>
+                  <a:srgbClr val="000000"/>
+                </a:solidFill>
+                <a:effectLst/>
+                <a:latin typeface="Consolas" panose="020B0609020204030204" pitchFamily="49" charset="0"/>
+              </a:rPr>
+            </a:br>
+            <a:r>
+              <a:rPr kumimoji="0" lang="en-US" altLang="en-US" sz="1400" b="0" i="0" u="none" strike="noStrike" cap="none" normalizeH="0" baseline="0" dirty="0">
+                <a:ln>
+                  <a:noFill/>
+                </a:ln>
+                <a:solidFill>
+                  <a:srgbClr val="000000"/>
+                </a:solidFill>
+                <a:effectLst/>
+                <a:latin typeface="Consolas" panose="020B0609020204030204" pitchFamily="49" charset="0"/>
+              </a:rPr>
+              <a:t>}</a:t>
+            </a:r>
+            <a:endParaRPr kumimoji="0" lang="en-US" altLang="en-US" sz="1400" b="0" i="0" u="none" strike="noStrike" cap="none" normalizeH="0" baseline="0" dirty="0">
+              <a:ln>
+                <a:noFill/>
+              </a:ln>
+              <a:solidFill>
+                <a:schemeClr val="tx1"/>
+              </a:solidFill>
+              <a:effectLst/>
+              <a:latin typeface="Arial" panose="020B0604020202020204" pitchFamily="34" charset="0"/>
+            </a:endParaRPr>
           </a:p>
         </p:txBody>
       </p:sp>
     </p:spTree>
     <p:extLst>
       <p:ext uri="{BB962C8B-B14F-4D97-AF65-F5344CB8AC3E}">
-        <p14:creationId xmlns:p14="http://schemas.microsoft.com/office/powerpoint/2010/main" val="4222848703"/>
+        <p14:creationId xmlns:p14="http://schemas.microsoft.com/office/powerpoint/2010/main" val="3730161092"/>
       </p:ext>
     </p:extLst>
   </p:cSld>
@@ -15596,7 +16153,7 @@
               <a:rPr lang="en-GB" dirty="0">
                 <a:latin typeface="Asap" panose="020F0504030102060203" pitchFamily="34" charset="0"/>
               </a:rPr>
-              <a:t>contract creation</a:t>
+              <a:t>transfer</a:t>
             </a:r>
           </a:p>
         </p:txBody>
@@ -15625,15 +16182,55 @@
         </p:spPr>
         <p:txBody>
           <a:bodyPr>
-            <a:normAutofit/>
+            <a:normAutofit fontScale="92500" lnSpcReduction="20000"/>
           </a:bodyPr>
           <a:lstStyle/>
           <a:p>
             <a:r>
-              <a:rPr lang="en-GB" sz="3200" dirty="0">
+              <a:rPr lang="en-GB" sz="2400" dirty="0">
                 <a:latin typeface="Asap" panose="020F0504030102060203" pitchFamily="34" charset="0"/>
               </a:rPr>
-              <a:t>init : code deposit</a:t>
+              <a:t>21000 gas</a:t>
+            </a:r>
+          </a:p>
+          <a:p>
+            <a:r>
+              <a:rPr lang="en-GB" sz="2400" dirty="0">
+                <a:latin typeface="Asap" panose="020F0504030102060203" pitchFamily="34" charset="0"/>
+              </a:rPr>
+              <a:t>---</a:t>
+            </a:r>
+          </a:p>
+          <a:p>
+            <a:r>
+              <a:rPr lang="en-GB" sz="2400" dirty="0">
+                <a:latin typeface="Asap" panose="020F0504030102060203" pitchFamily="34" charset="0"/>
+              </a:rPr>
+              <a:t>at 20 GWei</a:t>
+            </a:r>
+          </a:p>
+          <a:p>
+            <a:r>
+              <a:rPr lang="en-GB" sz="2400" dirty="0">
+                <a:latin typeface="Asap" panose="020F0504030102060203" pitchFamily="34" charset="0"/>
+              </a:rPr>
+              <a:t>and ETHUSD at 400</a:t>
+            </a:r>
+          </a:p>
+          <a:p>
+            <a:r>
+              <a:rPr lang="en-GB" sz="2400" dirty="0">
+                <a:latin typeface="Asap" panose="020F0504030102060203" pitchFamily="34" charset="0"/>
+              </a:rPr>
+              <a:t>---</a:t>
+            </a:r>
+          </a:p>
+          <a:p>
+            <a:r>
+              <a:rPr lang="en-GB" sz="2400" dirty="0">
+                <a:latin typeface="Asap" panose="020F0504030102060203" pitchFamily="34" charset="0"/>
+              </a:rPr>
+              <a:t>transfer cost?</a:t>
             </a:r>
           </a:p>
         </p:txBody>
@@ -15641,7 +16238,7 @@
     </p:spTree>
     <p:extLst>
       <p:ext uri="{BB962C8B-B14F-4D97-AF65-F5344CB8AC3E}">
-        <p14:creationId xmlns:p14="http://schemas.microsoft.com/office/powerpoint/2010/main" val="3012712534"/>
+        <p14:creationId xmlns:p14="http://schemas.microsoft.com/office/powerpoint/2010/main" val="4222848703"/>
       </p:ext>
     </p:extLst>
   </p:cSld>
@@ -15813,7 +16410,7 @@
               <a:rPr lang="en-GB" dirty="0">
                 <a:latin typeface="Asap" panose="020F0504030102060203" pitchFamily="34" charset="0"/>
               </a:rPr>
-              <a:t>refunds</a:t>
+              <a:t>contract creation</a:t>
             </a:r>
           </a:p>
         </p:txBody>
@@ -15847,10 +16444,10 @@
           <a:lstStyle/>
           <a:p>
             <a:r>
-              <a:rPr lang="en-GB" sz="2400" dirty="0">
+              <a:rPr lang="en-GB" sz="3200" dirty="0">
                 <a:latin typeface="Asap" panose="020F0504030102060203" pitchFamily="34" charset="0"/>
               </a:rPr>
-              <a:t>destroy : sclear</a:t>
+              <a:t>init : code deposit</a:t>
             </a:r>
           </a:p>
         </p:txBody>
@@ -15858,7 +16455,7 @@
     </p:spTree>
     <p:extLst>
       <p:ext uri="{BB962C8B-B14F-4D97-AF65-F5344CB8AC3E}">
-        <p14:creationId xmlns:p14="http://schemas.microsoft.com/office/powerpoint/2010/main" val="2578174529"/>
+        <p14:creationId xmlns:p14="http://schemas.microsoft.com/office/powerpoint/2010/main" val="3012712534"/>
       </p:ext>
     </p:extLst>
   </p:cSld>
@@ -16030,7 +16627,7 @@
               <a:rPr lang="en-GB" dirty="0">
                 <a:latin typeface="Asap" panose="020F0504030102060203" pitchFamily="34" charset="0"/>
               </a:rPr>
-              <a:t>call</a:t>
+              <a:t>refunds</a:t>
             </a:r>
           </a:p>
         </p:txBody>
@@ -16064,10 +16661,10 @@
           <a:lstStyle/>
           <a:p>
             <a:r>
-              <a:rPr lang="en-GB" sz="3200" dirty="0">
+              <a:rPr lang="en-GB" sz="2400" dirty="0">
                 <a:latin typeface="Asap" panose="020F0504030102060203" pitchFamily="34" charset="0"/>
               </a:rPr>
-              <a:t>data</a:t>
+              <a:t>destroy : sclear</a:t>
             </a:r>
           </a:p>
         </p:txBody>
@@ -16075,7 +16672,7 @@
     </p:spTree>
     <p:extLst>
       <p:ext uri="{BB962C8B-B14F-4D97-AF65-F5344CB8AC3E}">
-        <p14:creationId xmlns:p14="http://schemas.microsoft.com/office/powerpoint/2010/main" val="1595889592"/>
+        <p14:creationId xmlns:p14="http://schemas.microsoft.com/office/powerpoint/2010/main" val="2578174529"/>
       </p:ext>
     </p:extLst>
   </p:cSld>
@@ -16271,7 +16868,7 @@
         <p:spPr/>
         <p:txBody>
           <a:bodyPr>
-            <a:normAutofit fontScale="85000" lnSpcReduction="20000"/>
+            <a:normAutofit fontScale="70000" lnSpcReduction="20000"/>
           </a:bodyPr>
           <a:lstStyle/>
           <a:p>
@@ -16302,17 +16899,42 @@
             <a:r>
               <a:rPr lang="en-GB" sz="2600" dirty="0">
                 <a:latin typeface="Asap" panose="020F0504030102060203" pitchFamily="34" charset="0"/>
+                <a:hlinkClick r:id="rId6"/>
               </a:rPr>
               <a:t>http://www.secg.org/sec1-v2.pdf</a:t>
             </a:r>
+            <a:endParaRPr lang="en-GB" sz="2600" dirty="0">
+              <a:latin typeface="Asap" panose="020F0504030102060203" pitchFamily="34" charset="0"/>
+            </a:endParaRPr>
           </a:p>
           <a:p>
             <a:r>
               <a:rPr lang="en-GB" sz="2600" dirty="0">
                 <a:latin typeface="Asap" panose="020F0504030102060203" pitchFamily="34" charset="0"/>
+                <a:hlinkClick r:id="rId7"/>
+              </a:rPr>
+              <a:t>https://hackernoon.com/what-is-the-math-behind-elliptic-curve-cryptography-f61b25253da3</a:t>
+            </a:r>
+            <a:endParaRPr lang="en-GB" sz="2600" dirty="0">
+              <a:latin typeface="Asap" panose="020F0504030102060203" pitchFamily="34" charset="0"/>
+            </a:endParaRPr>
+          </a:p>
+          <a:p>
+            <a:r>
+              <a:rPr lang="en-GB" sz="2600" dirty="0">
+                <a:latin typeface="Asap" panose="020F0504030102060203" pitchFamily="34" charset="0"/>
+                <a:hlinkClick r:id="rId8"/>
               </a:rPr>
               <a:t>https://medium.com/@VitalikButerin/exploring-elliptic-curve-pairings-c73c1864e627</a:t>
             </a:r>
+            <a:endParaRPr lang="en-GB" sz="2600" dirty="0">
+              <a:latin typeface="Asap" panose="020F0504030102060203" pitchFamily="34" charset="0"/>
+            </a:endParaRPr>
+          </a:p>
+          <a:p>
+            <a:endParaRPr lang="en-GB" sz="2600" dirty="0">
+              <a:latin typeface="Asap" panose="020F0504030102060203" pitchFamily="34" charset="0"/>
+            </a:endParaRPr>
           </a:p>
           <a:p>
             <a:endParaRPr lang="en-GB" dirty="0">
@@ -16501,7 +17123,7 @@
               <a:rPr lang="en-GB" dirty="0">
                 <a:latin typeface="Asap" panose="020F0504030102060203" pitchFamily="34" charset="0"/>
               </a:rPr>
-              <a:t>logs</a:t>
+              <a:t>call</a:t>
             </a:r>
           </a:p>
         </p:txBody>
@@ -16534,16 +17156,19 @@
           </a:bodyPr>
           <a:lstStyle/>
           <a:p>
-            <a:endParaRPr lang="en-GB" sz="2400" dirty="0">
-              <a:latin typeface="Asap" panose="020F0504030102060203" pitchFamily="34" charset="0"/>
-            </a:endParaRPr>
+            <a:r>
+              <a:rPr lang="en-GB" sz="3200" dirty="0">
+                <a:latin typeface="Asap" panose="020F0504030102060203" pitchFamily="34" charset="0"/>
+              </a:rPr>
+              <a:t>data</a:t>
+            </a:r>
           </a:p>
         </p:txBody>
       </p:sp>
     </p:spTree>
     <p:extLst>
       <p:ext uri="{BB962C8B-B14F-4D97-AF65-F5344CB8AC3E}">
-        <p14:creationId xmlns:p14="http://schemas.microsoft.com/office/powerpoint/2010/main" val="2236928304"/>
+        <p14:creationId xmlns:p14="http://schemas.microsoft.com/office/powerpoint/2010/main" val="1595889592"/>
       </p:ext>
     </p:extLst>
   </p:cSld>
@@ -16715,7 +17340,7 @@
               <a:rPr lang="en-GB" dirty="0">
                 <a:latin typeface="Asap" panose="020F0504030102060203" pitchFamily="34" charset="0"/>
               </a:rPr>
-              <a:t>bloom</a:t>
+              <a:t>logs</a:t>
             </a:r>
           </a:p>
         </p:txBody>
@@ -16757,7 +17382,7 @@
     </p:spTree>
     <p:extLst>
       <p:ext uri="{BB962C8B-B14F-4D97-AF65-F5344CB8AC3E}">
-        <p14:creationId xmlns:p14="http://schemas.microsoft.com/office/powerpoint/2010/main" val="4052612840"/>
+        <p14:creationId xmlns:p14="http://schemas.microsoft.com/office/powerpoint/2010/main" val="2236928304"/>
       </p:ext>
     </p:extLst>
   </p:cSld>
@@ -16920,61 +17545,58 @@
             <p:ph type="ctrTitle"/>
           </p:nvPr>
         </p:nvSpPr>
-        <p:spPr>
-          <a:xfrm>
-            <a:off x="2286000" y="1683285"/>
-            <a:ext cx="13716000" cy="1288515"/>
+        <p:spPr/>
+        <p:txBody>
+          <a:bodyPr/>
+          <a:lstStyle/>
+          <a:p>
+            <a:r>
+              <a:rPr lang="en-GB" dirty="0">
+                <a:latin typeface="Asap" panose="020F0504030102060203" pitchFamily="34" charset="0"/>
+              </a:rPr>
+              <a:t>bloom</a:t>
+            </a:r>
+          </a:p>
+        </p:txBody>
+      </p:sp>
+      <p:sp>
+        <p:nvSpPr>
+          <p:cNvPr id="4" name="Subtitle 3">
+            <a:extLst>
+              <a:ext uri="{FF2B5EF4-FFF2-40B4-BE49-F238E27FC236}">
+                <a16:creationId xmlns:a16="http://schemas.microsoft.com/office/drawing/2014/main" id="{9DC3C257-BFA8-4755-A47E-DEB0CDBC03F6}"/>
+              </a:ext>
+            </a:extLst>
+          </p:cNvPr>
+          <p:cNvSpPr>
+            <a:spLocks noGrp="1"/>
+          </p:cNvSpPr>
+          <p:nvPr>
+            <p:ph type="subTitle" idx="1"/>
+          </p:nvPr>
+        </p:nvSpPr>
+        <p:spPr>
+          <a:xfrm>
+            <a:off x="2286000" y="5402223"/>
+            <a:ext cx="13716000" cy="2483260"/>
           </a:xfrm>
         </p:spPr>
         <p:txBody>
           <a:bodyPr>
-            <a:normAutofit fontScale="90000"/>
+            <a:normAutofit/>
           </a:bodyPr>
           <a:lstStyle/>
           <a:p>
-            <a:r>
-              <a:rPr lang="en-GB" dirty="0">
-                <a:latin typeface="Asap" panose="020F0504030102060203" pitchFamily="34" charset="0"/>
-              </a:rPr>
-              <a:t>exercise</a:t>
-            </a:r>
+            <a:endParaRPr lang="en-GB" sz="2400" dirty="0">
+              <a:latin typeface="Asap" panose="020F0504030102060203" pitchFamily="34" charset="0"/>
+            </a:endParaRPr>
           </a:p>
         </p:txBody>
       </p:sp>
-      <p:pic>
-        <p:nvPicPr>
-          <p:cNvPr id="11" name="Picture 10">
-            <a:extLst>
-              <a:ext uri="{FF2B5EF4-FFF2-40B4-BE49-F238E27FC236}">
-                <a16:creationId xmlns:a16="http://schemas.microsoft.com/office/drawing/2014/main" id="{2A12230E-D641-4A6D-91B7-BE2659F6932F}"/>
-              </a:ext>
-            </a:extLst>
-          </p:cNvPr>
-          <p:cNvPicPr>
-            <a:picLocks noChangeAspect="1"/>
-          </p:cNvPicPr>
-          <p:nvPr/>
-        </p:nvPicPr>
-        <p:blipFill>
-          <a:blip r:embed="rId6"/>
-          <a:stretch>
-            <a:fillRect/>
-          </a:stretch>
-        </p:blipFill>
-        <p:spPr>
-          <a:xfrm>
-            <a:off x="4075834" y="2991903"/>
-            <a:ext cx="9886950" cy="5610225"/>
-          </a:xfrm>
-          <a:prstGeom prst="rect">
-            <a:avLst/>
-          </a:prstGeom>
-        </p:spPr>
-      </p:pic>
     </p:spTree>
     <p:extLst>
       <p:ext uri="{BB962C8B-B14F-4D97-AF65-F5344CB8AC3E}">
-        <p14:creationId xmlns:p14="http://schemas.microsoft.com/office/powerpoint/2010/main" val="423896868"/>
+        <p14:creationId xmlns:p14="http://schemas.microsoft.com/office/powerpoint/2010/main" val="4052612840"/>
       </p:ext>
     </p:extLst>
   </p:cSld>
@@ -17139,40 +17761,59 @@
         </p:nvSpPr>
         <p:spPr>
           <a:xfrm>
-            <a:off x="2286000" y="1658444"/>
-            <a:ext cx="13716000" cy="3580847"/>
+            <a:off x="2286000" y="1683285"/>
+            <a:ext cx="13716000" cy="1288515"/>
           </a:xfrm>
         </p:spPr>
         <p:txBody>
           <a:bodyPr>
-            <a:normAutofit/>
+            <a:normAutofit fontScale="90000"/>
           </a:bodyPr>
           <a:lstStyle/>
           <a:p>
             <a:r>
-              <a:rPr lang="en-GB" sz="6600" dirty="0">
+              <a:rPr lang="en-GB" dirty="0">
                 <a:latin typeface="Asap" panose="020F0504030102060203" pitchFamily="34" charset="0"/>
               </a:rPr>
-              <a:t>part 5: blockchain building blocks</a:t>
-            </a:r>
-            <a:br>
-              <a:rPr lang="en-GB" sz="6600" dirty="0">
-                <a:latin typeface="Asap" panose="020F0504030102060203" pitchFamily="34" charset="0"/>
-              </a:rPr>
-            </a:br>
-            <a:r>
-              <a:rPr lang="en-GB" sz="1400" dirty="0">
-                <a:latin typeface="Asap" panose="020F0504030102060203" pitchFamily="34" charset="0"/>
-              </a:rPr>
-              <a:t>with screenshots from etherscan.io</a:t>
+              <a:t>exercise</a:t>
             </a:r>
           </a:p>
         </p:txBody>
       </p:sp>
+      <p:pic>
+        <p:nvPicPr>
+          <p:cNvPr id="11" name="Picture 10">
+            <a:extLst>
+              <a:ext uri="{FF2B5EF4-FFF2-40B4-BE49-F238E27FC236}">
+                <a16:creationId xmlns:a16="http://schemas.microsoft.com/office/drawing/2014/main" id="{2A12230E-D641-4A6D-91B7-BE2659F6932F}"/>
+              </a:ext>
+            </a:extLst>
+          </p:cNvPr>
+          <p:cNvPicPr>
+            <a:picLocks noChangeAspect="1"/>
+          </p:cNvPicPr>
+          <p:nvPr/>
+        </p:nvPicPr>
+        <p:blipFill>
+          <a:blip r:embed="rId6"/>
+          <a:stretch>
+            <a:fillRect/>
+          </a:stretch>
+        </p:blipFill>
+        <p:spPr>
+          <a:xfrm>
+            <a:off x="4075834" y="2991903"/>
+            <a:ext cx="9886950" cy="5610225"/>
+          </a:xfrm>
+          <a:prstGeom prst="rect">
+            <a:avLst/>
+          </a:prstGeom>
+        </p:spPr>
+      </p:pic>
     </p:spTree>
     <p:extLst>
       <p:ext uri="{BB962C8B-B14F-4D97-AF65-F5344CB8AC3E}">
-        <p14:creationId xmlns:p14="http://schemas.microsoft.com/office/powerpoint/2010/main" val="2791665508"/>
+        <p14:creationId xmlns:p14="http://schemas.microsoft.com/office/powerpoint/2010/main" val="423896868"/>
       </p:ext>
     </p:extLst>
   </p:cSld>
@@ -17337,57 +17978,40 @@
         </p:nvSpPr>
         <p:spPr>
           <a:xfrm>
-            <a:off x="2286000" y="1683286"/>
-            <a:ext cx="13716000" cy="1664612"/>
+            <a:off x="2286000" y="1658444"/>
+            <a:ext cx="13716000" cy="3580847"/>
           </a:xfrm>
         </p:spPr>
         <p:txBody>
-          <a:bodyPr/>
+          <a:bodyPr>
+            <a:normAutofit/>
+          </a:bodyPr>
           <a:lstStyle/>
           <a:p>
             <a:r>
-              <a:rPr lang="en-GB" dirty="0">
+              <a:rPr lang="en-GB" sz="6600" dirty="0">
                 <a:latin typeface="Asap" panose="020F0504030102060203" pitchFamily="34" charset="0"/>
               </a:rPr>
-              <a:t>block</a:t>
+              <a:t>part 5: blockchain building blocks</a:t>
+            </a:r>
+            <a:br>
+              <a:rPr lang="en-GB" sz="6600" dirty="0">
+                <a:latin typeface="Asap" panose="020F0504030102060203" pitchFamily="34" charset="0"/>
+              </a:rPr>
+            </a:br>
+            <a:r>
+              <a:rPr lang="en-GB" sz="1400" dirty="0">
+                <a:latin typeface="Asap" panose="020F0504030102060203" pitchFamily="34" charset="0"/>
+              </a:rPr>
+              <a:t>with screenshots from etherscan.io</a:t>
             </a:r>
           </a:p>
         </p:txBody>
       </p:sp>
-      <p:pic>
-        <p:nvPicPr>
-          <p:cNvPr id="8" name="Picture 7">
-            <a:extLst>
-              <a:ext uri="{FF2B5EF4-FFF2-40B4-BE49-F238E27FC236}">
-                <a16:creationId xmlns:a16="http://schemas.microsoft.com/office/drawing/2014/main" id="{97E2427C-55C2-4253-A8D3-5402A1B05498}"/>
-              </a:ext>
-            </a:extLst>
-          </p:cNvPr>
-          <p:cNvPicPr>
-            <a:picLocks noChangeAspect="1"/>
-          </p:cNvPicPr>
-          <p:nvPr/>
-        </p:nvPicPr>
-        <p:blipFill>
-          <a:blip r:embed="rId6"/>
-          <a:stretch>
-            <a:fillRect/>
-          </a:stretch>
-        </p:blipFill>
-        <p:spPr>
-          <a:xfrm>
-            <a:off x="4507963" y="3274730"/>
-            <a:ext cx="9410193" cy="5283626"/>
-          </a:xfrm>
-          <a:prstGeom prst="rect">
-            <a:avLst/>
-          </a:prstGeom>
-        </p:spPr>
-      </p:pic>
     </p:spTree>
     <p:extLst>
       <p:ext uri="{BB962C8B-B14F-4D97-AF65-F5344CB8AC3E}">
-        <p14:creationId xmlns:p14="http://schemas.microsoft.com/office/powerpoint/2010/main" val="1031186816"/>
+        <p14:creationId xmlns:p14="http://schemas.microsoft.com/office/powerpoint/2010/main" val="2791665508"/>
       </p:ext>
     </p:extLst>
   </p:cSld>
@@ -17550,7 +18174,12 @@
             <p:ph type="ctrTitle"/>
           </p:nvPr>
         </p:nvSpPr>
-        <p:spPr/>
+        <p:spPr>
+          <a:xfrm>
+            <a:off x="2286000" y="1683286"/>
+            <a:ext cx="13716000" cy="1664612"/>
+          </a:xfrm>
+        </p:spPr>
         <p:txBody>
           <a:bodyPr/>
           <a:lstStyle/>
@@ -17559,49 +18188,45 @@
               <a:rPr lang="en-GB" dirty="0">
                 <a:latin typeface="Asap" panose="020F0504030102060203" pitchFamily="34" charset="0"/>
               </a:rPr>
-              <a:t>block header</a:t>
+              <a:t>block</a:t>
             </a:r>
           </a:p>
         </p:txBody>
       </p:sp>
-      <p:sp>
-        <p:nvSpPr>
-          <p:cNvPr id="4" name="Subtitle 3">
+      <p:pic>
+        <p:nvPicPr>
+          <p:cNvPr id="8" name="Picture 7">
             <a:extLst>
               <a:ext uri="{FF2B5EF4-FFF2-40B4-BE49-F238E27FC236}">
-                <a16:creationId xmlns:a16="http://schemas.microsoft.com/office/drawing/2014/main" id="{9DC3C257-BFA8-4755-A47E-DEB0CDBC03F6}"/>
+                <a16:creationId xmlns:a16="http://schemas.microsoft.com/office/drawing/2014/main" id="{97E2427C-55C2-4253-A8D3-5402A1B05498}"/>
               </a:ext>
             </a:extLst>
           </p:cNvPr>
-          <p:cNvSpPr>
-            <a:spLocks noGrp="1"/>
-          </p:cNvSpPr>
-          <p:nvPr>
-            <p:ph type="subTitle" idx="1"/>
-          </p:nvPr>
-        </p:nvSpPr>
-        <p:spPr>
-          <a:xfrm>
-            <a:off x="2286000" y="5402223"/>
-            <a:ext cx="13716000" cy="2483260"/>
-          </a:xfrm>
-        </p:spPr>
-        <p:txBody>
-          <a:bodyPr>
-            <a:normAutofit/>
-          </a:bodyPr>
-          <a:lstStyle/>
-          <a:p>
-            <a:endParaRPr lang="en-GB" sz="2400" dirty="0">
-              <a:latin typeface="Asap" panose="020F0504030102060203" pitchFamily="34" charset="0"/>
-            </a:endParaRPr>
-          </a:p>
-        </p:txBody>
-      </p:sp>
+          <p:cNvPicPr>
+            <a:picLocks noChangeAspect="1"/>
+          </p:cNvPicPr>
+          <p:nvPr/>
+        </p:nvPicPr>
+        <p:blipFill>
+          <a:blip r:embed="rId6"/>
+          <a:stretch>
+            <a:fillRect/>
+          </a:stretch>
+        </p:blipFill>
+        <p:spPr>
+          <a:xfrm>
+            <a:off x="4507963" y="3274730"/>
+            <a:ext cx="9410193" cy="5283626"/>
+          </a:xfrm>
+          <a:prstGeom prst="rect">
+            <a:avLst/>
+          </a:prstGeom>
+        </p:spPr>
+      </p:pic>
     </p:spTree>
     <p:extLst>
       <p:ext uri="{BB962C8B-B14F-4D97-AF65-F5344CB8AC3E}">
-        <p14:creationId xmlns:p14="http://schemas.microsoft.com/office/powerpoint/2010/main" val="2961341612"/>
+        <p14:creationId xmlns:p14="http://schemas.microsoft.com/office/powerpoint/2010/main" val="1031186816"/>
       </p:ext>
     </p:extLst>
   </p:cSld>
@@ -17764,12 +18389,7 @@
             <p:ph type="ctrTitle"/>
           </p:nvPr>
         </p:nvSpPr>
-        <p:spPr>
-          <a:xfrm>
-            <a:off x="2286000" y="1683286"/>
-            <a:ext cx="13716000" cy="1664612"/>
-          </a:xfrm>
-        </p:spPr>
+        <p:spPr/>
         <p:txBody>
           <a:bodyPr/>
           <a:lstStyle/>
@@ -17778,75 +18398,49 @@
               <a:rPr lang="en-GB" dirty="0">
                 <a:latin typeface="Asap" panose="020F0504030102060203" pitchFamily="34" charset="0"/>
               </a:rPr>
-              <a:t>block parent</a:t>
+              <a:t>block header</a:t>
             </a:r>
           </a:p>
         </p:txBody>
       </p:sp>
-      <p:pic>
-        <p:nvPicPr>
-          <p:cNvPr id="4" name="Picture 3">
+      <p:sp>
+        <p:nvSpPr>
+          <p:cNvPr id="4" name="Subtitle 3">
             <a:extLst>
               <a:ext uri="{FF2B5EF4-FFF2-40B4-BE49-F238E27FC236}">
-                <a16:creationId xmlns:a16="http://schemas.microsoft.com/office/drawing/2014/main" id="{EEA6F8FB-F4F9-4BA9-AFC9-72175ADF17FF}"/>
+                <a16:creationId xmlns:a16="http://schemas.microsoft.com/office/drawing/2014/main" id="{9DC3C257-BFA8-4755-A47E-DEB0CDBC03F6}"/>
               </a:ext>
             </a:extLst>
           </p:cNvPr>
-          <p:cNvPicPr>
-            <a:picLocks noChangeAspect="1"/>
-          </p:cNvPicPr>
-          <p:nvPr/>
-        </p:nvPicPr>
-        <p:blipFill>
-          <a:blip r:embed="rId6"/>
-          <a:stretch>
-            <a:fillRect/>
-          </a:stretch>
-        </p:blipFill>
-        <p:spPr>
-          <a:xfrm>
-            <a:off x="930074" y="3280721"/>
-            <a:ext cx="9487400" cy="5321406"/>
-          </a:xfrm>
-          <a:prstGeom prst="rect">
-            <a:avLst/>
-          </a:prstGeom>
-        </p:spPr>
-      </p:pic>
-      <p:pic>
-        <p:nvPicPr>
-          <p:cNvPr id="9" name="Picture 8">
-            <a:extLst>
-              <a:ext uri="{FF2B5EF4-FFF2-40B4-BE49-F238E27FC236}">
-                <a16:creationId xmlns:a16="http://schemas.microsoft.com/office/drawing/2014/main" id="{7107D56A-B7D7-4DB3-A772-17AF264E2992}"/>
-              </a:ext>
-            </a:extLst>
-          </p:cNvPr>
-          <p:cNvPicPr>
-            <a:picLocks noChangeAspect="1"/>
-          </p:cNvPicPr>
-          <p:nvPr/>
-        </p:nvPicPr>
-        <p:blipFill>
-          <a:blip r:embed="rId7"/>
-          <a:stretch>
-            <a:fillRect/>
-          </a:stretch>
-        </p:blipFill>
-        <p:spPr>
-          <a:xfrm>
-            <a:off x="7308948" y="3266800"/>
-            <a:ext cx="9477480" cy="5321406"/>
-          </a:xfrm>
-          <a:prstGeom prst="rect">
-            <a:avLst/>
-          </a:prstGeom>
-        </p:spPr>
-      </p:pic>
+          <p:cNvSpPr>
+            <a:spLocks noGrp="1"/>
+          </p:cNvSpPr>
+          <p:nvPr>
+            <p:ph type="subTitle" idx="1"/>
+          </p:nvPr>
+        </p:nvSpPr>
+        <p:spPr>
+          <a:xfrm>
+            <a:off x="2286000" y="5402223"/>
+            <a:ext cx="13716000" cy="2483260"/>
+          </a:xfrm>
+        </p:spPr>
+        <p:txBody>
+          <a:bodyPr>
+            <a:normAutofit/>
+          </a:bodyPr>
+          <a:lstStyle/>
+          <a:p>
+            <a:endParaRPr lang="en-GB" sz="2400" dirty="0">
+              <a:latin typeface="Asap" panose="020F0504030102060203" pitchFamily="34" charset="0"/>
+            </a:endParaRPr>
+          </a:p>
+        </p:txBody>
+      </p:sp>
     </p:spTree>
     <p:extLst>
       <p:ext uri="{BB962C8B-B14F-4D97-AF65-F5344CB8AC3E}">
-        <p14:creationId xmlns:p14="http://schemas.microsoft.com/office/powerpoint/2010/main" val="1034174834"/>
+        <p14:creationId xmlns:p14="http://schemas.microsoft.com/office/powerpoint/2010/main" val="2961341612"/>
       </p:ext>
     </p:extLst>
   </p:cSld>
@@ -18023,17 +18617,47 @@
               <a:rPr lang="en-GB" dirty="0">
                 <a:latin typeface="Asap" panose="020F0504030102060203" pitchFamily="34" charset="0"/>
               </a:rPr>
-              <a:t>genesis block</a:t>
+              <a:t>block parent</a:t>
             </a:r>
           </a:p>
         </p:txBody>
       </p:sp>
       <p:pic>
         <p:nvPicPr>
+          <p:cNvPr id="4" name="Picture 3">
+            <a:extLst>
+              <a:ext uri="{FF2B5EF4-FFF2-40B4-BE49-F238E27FC236}">
+                <a16:creationId xmlns:a16="http://schemas.microsoft.com/office/drawing/2014/main" id="{EEA6F8FB-F4F9-4BA9-AFC9-72175ADF17FF}"/>
+              </a:ext>
+            </a:extLst>
+          </p:cNvPr>
+          <p:cNvPicPr>
+            <a:picLocks noChangeAspect="1"/>
+          </p:cNvPicPr>
+          <p:nvPr/>
+        </p:nvPicPr>
+        <p:blipFill>
+          <a:blip r:embed="rId6"/>
+          <a:stretch>
+            <a:fillRect/>
+          </a:stretch>
+        </p:blipFill>
+        <p:spPr>
+          <a:xfrm>
+            <a:off x="930074" y="3280721"/>
+            <a:ext cx="9487400" cy="5321406"/>
+          </a:xfrm>
+          <a:prstGeom prst="rect">
+            <a:avLst/>
+          </a:prstGeom>
+        </p:spPr>
+      </p:pic>
+      <p:pic>
+        <p:nvPicPr>
           <p:cNvPr id="9" name="Picture 8">
             <a:extLst>
               <a:ext uri="{FF2B5EF4-FFF2-40B4-BE49-F238E27FC236}">
-                <a16:creationId xmlns:a16="http://schemas.microsoft.com/office/drawing/2014/main" id="{05DAB061-FB8D-493D-8107-3CD1C99E67BC}"/>
+                <a16:creationId xmlns:a16="http://schemas.microsoft.com/office/drawing/2014/main" id="{7107D56A-B7D7-4DB3-A772-17AF264E2992}"/>
               </a:ext>
             </a:extLst>
           </p:cNvPr>
@@ -18043,15 +18667,15 @@
           <p:nvPr/>
         </p:nvPicPr>
         <p:blipFill>
-          <a:blip r:embed="rId6"/>
-          <a:stretch>
-            <a:fillRect/>
-          </a:stretch>
-        </p:blipFill>
-        <p:spPr>
-          <a:xfrm>
-            <a:off x="4580875" y="3519197"/>
-            <a:ext cx="8885743" cy="5001098"/>
+          <a:blip r:embed="rId7"/>
+          <a:stretch>
+            <a:fillRect/>
+          </a:stretch>
+        </p:blipFill>
+        <p:spPr>
+          <a:xfrm>
+            <a:off x="7308948" y="3266800"/>
+            <a:ext cx="9477480" cy="5321406"/>
           </a:xfrm>
           <a:prstGeom prst="rect">
             <a:avLst/>
@@ -18061,7 +18685,7 @@
     </p:spTree>
     <p:extLst>
       <p:ext uri="{BB962C8B-B14F-4D97-AF65-F5344CB8AC3E}">
-        <p14:creationId xmlns:p14="http://schemas.microsoft.com/office/powerpoint/2010/main" val="2394508761"/>
+        <p14:creationId xmlns:p14="http://schemas.microsoft.com/office/powerpoint/2010/main" val="1034174834"/>
       </p:ext>
     </p:extLst>
   </p:cSld>
@@ -18224,7 +18848,12 @@
             <p:ph type="ctrTitle"/>
           </p:nvPr>
         </p:nvSpPr>
-        <p:spPr/>
+        <p:spPr>
+          <a:xfrm>
+            <a:off x="2286000" y="1683286"/>
+            <a:ext cx="13716000" cy="1664612"/>
+          </a:xfrm>
+        </p:spPr>
         <p:txBody>
           <a:bodyPr/>
           <a:lstStyle/>
@@ -18233,52 +18862,45 @@
               <a:rPr lang="en-GB" dirty="0">
                 <a:latin typeface="Asap" panose="020F0504030102060203" pitchFamily="34" charset="0"/>
               </a:rPr>
-              <a:t>allocs</a:t>
+              <a:t>genesis block</a:t>
             </a:r>
           </a:p>
         </p:txBody>
       </p:sp>
-      <p:sp>
-        <p:nvSpPr>
-          <p:cNvPr id="4" name="Subtitle 3">
+      <p:pic>
+        <p:nvPicPr>
+          <p:cNvPr id="9" name="Picture 8">
             <a:extLst>
               <a:ext uri="{FF2B5EF4-FFF2-40B4-BE49-F238E27FC236}">
-                <a16:creationId xmlns:a16="http://schemas.microsoft.com/office/drawing/2014/main" id="{9DC3C257-BFA8-4755-A47E-DEB0CDBC03F6}"/>
+                <a16:creationId xmlns:a16="http://schemas.microsoft.com/office/drawing/2014/main" id="{05DAB061-FB8D-493D-8107-3CD1C99E67BC}"/>
               </a:ext>
             </a:extLst>
           </p:cNvPr>
-          <p:cNvSpPr>
-            <a:spLocks noGrp="1"/>
-          </p:cNvSpPr>
-          <p:nvPr>
-            <p:ph type="subTitle" idx="1"/>
-          </p:nvPr>
-        </p:nvSpPr>
-        <p:spPr>
-          <a:xfrm>
-            <a:off x="2286000" y="5402223"/>
-            <a:ext cx="13716000" cy="2483260"/>
-          </a:xfrm>
-        </p:spPr>
-        <p:txBody>
-          <a:bodyPr>
-            <a:normAutofit/>
-          </a:bodyPr>
-          <a:lstStyle/>
-          <a:p>
-            <a:r>
-              <a:rPr lang="en-GB" sz="2400" dirty="0">
-                <a:latin typeface="Asap" panose="020F0504030102060203" pitchFamily="34" charset="0"/>
-              </a:rPr>
-              <a:t>genesis block preallocations</a:t>
-            </a:r>
-          </a:p>
-        </p:txBody>
-      </p:sp>
+          <p:cNvPicPr>
+            <a:picLocks noChangeAspect="1"/>
+          </p:cNvPicPr>
+          <p:nvPr/>
+        </p:nvPicPr>
+        <p:blipFill>
+          <a:blip r:embed="rId6"/>
+          <a:stretch>
+            <a:fillRect/>
+          </a:stretch>
+        </p:blipFill>
+        <p:spPr>
+          <a:xfrm>
+            <a:off x="4580875" y="3519197"/>
+            <a:ext cx="8885743" cy="5001098"/>
+          </a:xfrm>
+          <a:prstGeom prst="rect">
+            <a:avLst/>
+          </a:prstGeom>
+        </p:spPr>
+      </p:pic>
     </p:spTree>
     <p:extLst>
       <p:ext uri="{BB962C8B-B14F-4D97-AF65-F5344CB8AC3E}">
-        <p14:creationId xmlns:p14="http://schemas.microsoft.com/office/powerpoint/2010/main" val="3190059908"/>
+        <p14:creationId xmlns:p14="http://schemas.microsoft.com/office/powerpoint/2010/main" val="2394508761"/>
       </p:ext>
     </p:extLst>
   </p:cSld>
@@ -18450,7 +19072,7 @@
               <a:rPr lang="en-GB" dirty="0">
                 <a:latin typeface="Asap" panose="020F0504030102060203" pitchFamily="34" charset="0"/>
               </a:rPr>
-              <a:t>difficulty</a:t>
+              <a:t>allocs</a:t>
             </a:r>
           </a:p>
         </p:txBody>
@@ -18483,16 +19105,19 @@
           </a:bodyPr>
           <a:lstStyle/>
           <a:p>
-            <a:endParaRPr lang="en-GB" sz="2400" dirty="0">
-              <a:latin typeface="Asap" panose="020F0504030102060203" pitchFamily="34" charset="0"/>
-            </a:endParaRPr>
+            <a:r>
+              <a:rPr lang="en-GB" sz="2400" dirty="0">
+                <a:latin typeface="Asap" panose="020F0504030102060203" pitchFamily="34" charset="0"/>
+              </a:rPr>
+              <a:t>genesis block preallocations</a:t>
+            </a:r>
           </a:p>
         </p:txBody>
       </p:sp>
     </p:spTree>
     <p:extLst>
       <p:ext uri="{BB962C8B-B14F-4D97-AF65-F5344CB8AC3E}">
-        <p14:creationId xmlns:p14="http://schemas.microsoft.com/office/powerpoint/2010/main" val="2542765103"/>
+        <p14:creationId xmlns:p14="http://schemas.microsoft.com/office/powerpoint/2010/main" val="3190059908"/>
       </p:ext>
     </p:extLst>
   </p:cSld>
@@ -18908,7 +19533,7 @@
               <a:rPr lang="en-GB" dirty="0">
                 <a:latin typeface="Asap" panose="020F0504030102060203" pitchFamily="34" charset="0"/>
               </a:rPr>
-              <a:t>ommer : uncle</a:t>
+              <a:t>difficulty</a:t>
             </a:r>
           </a:p>
         </p:txBody>
@@ -18941,19 +19566,16 @@
           </a:bodyPr>
           <a:lstStyle/>
           <a:p>
-            <a:r>
-              <a:rPr lang="en-GB" sz="2400" dirty="0">
-                <a:latin typeface="Asap" panose="020F0504030102060203" pitchFamily="34" charset="0"/>
-              </a:rPr>
-              <a:t>last block effect : network security : economics</a:t>
-            </a:r>
+            <a:endParaRPr lang="en-GB" sz="2400" dirty="0">
+              <a:latin typeface="Asap" panose="020F0504030102060203" pitchFamily="34" charset="0"/>
+            </a:endParaRPr>
           </a:p>
         </p:txBody>
       </p:sp>
     </p:spTree>
     <p:extLst>
       <p:ext uri="{BB962C8B-B14F-4D97-AF65-F5344CB8AC3E}">
-        <p14:creationId xmlns:p14="http://schemas.microsoft.com/office/powerpoint/2010/main" val="653015628"/>
+        <p14:creationId xmlns:p14="http://schemas.microsoft.com/office/powerpoint/2010/main" val="2542765103"/>
       </p:ext>
     </p:extLst>
   </p:cSld>
@@ -19125,7 +19747,7 @@
               <a:rPr lang="en-GB" dirty="0">
                 <a:latin typeface="Asap" panose="020F0504030102060203" pitchFamily="34" charset="0"/>
               </a:rPr>
-              <a:t>blockchain : block tree</a:t>
+              <a:t>ommer : uncle</a:t>
             </a:r>
           </a:p>
         </p:txBody>
@@ -19162,7 +19784,7 @@
               <a:rPr lang="en-GB" sz="2400" dirty="0">
                 <a:latin typeface="Asap" panose="020F0504030102060203" pitchFamily="34" charset="0"/>
               </a:rPr>
-              <a:t>reorganization</a:t>
+              <a:t>last block effect : network security : economics</a:t>
             </a:r>
           </a:p>
         </p:txBody>
@@ -19170,7 +19792,7 @@
     </p:spTree>
     <p:extLst>
       <p:ext uri="{BB962C8B-B14F-4D97-AF65-F5344CB8AC3E}">
-        <p14:creationId xmlns:p14="http://schemas.microsoft.com/office/powerpoint/2010/main" val="1504396952"/>
+        <p14:creationId xmlns:p14="http://schemas.microsoft.com/office/powerpoint/2010/main" val="653015628"/>
       </p:ext>
     </p:extLst>
   </p:cSld>
@@ -19342,7 +19964,7 @@
               <a:rPr lang="en-GB" dirty="0">
                 <a:latin typeface="Asap" panose="020F0504030102060203" pitchFamily="34" charset="0"/>
               </a:rPr>
-              <a:t>forks</a:t>
+              <a:t>blockchain : block tree</a:t>
             </a:r>
           </a:p>
         </p:txBody>
@@ -19371,93 +19993,23 @@
         </p:spPr>
         <p:txBody>
           <a:bodyPr>
-            <a:normAutofit fontScale="62500" lnSpcReduction="20000"/>
+            <a:normAutofit/>
           </a:bodyPr>
           <a:lstStyle/>
           <a:p>
-            <a:pPr algn="l"/>
-            <a:r>
-              <a:rPr lang="en-GB" sz="2600" dirty="0">
+            <a:r>
+              <a:rPr lang="en-GB" sz="2400" dirty="0">
                 <a:latin typeface="Asap" panose="020F0504030102060203" pitchFamily="34" charset="0"/>
               </a:rPr>
-              <a:t>0 000 000 Frontier</a:t>
-            </a:r>
-          </a:p>
-          <a:p>
-            <a:pPr algn="l"/>
-            <a:r>
-              <a:rPr lang="en-GB" sz="2600" dirty="0">
-                <a:latin typeface="Asap" panose="020F0504030102060203" pitchFamily="34" charset="0"/>
-              </a:rPr>
-              <a:t>1 150 000 Homestead</a:t>
-            </a:r>
-          </a:p>
-          <a:p>
-            <a:pPr algn="l"/>
-            <a:r>
-              <a:rPr lang="en-GB" sz="2600" dirty="0">
-                <a:latin typeface="Asap" panose="020F0504030102060203" pitchFamily="34" charset="0"/>
-              </a:rPr>
-              <a:t>1 920 000 DAO</a:t>
-            </a:r>
-          </a:p>
-          <a:p>
-            <a:pPr algn="l"/>
-            <a:r>
-              <a:rPr lang="en-GB" sz="2600" dirty="0">
-                <a:latin typeface="Asap" panose="020F0504030102060203" pitchFamily="34" charset="0"/>
-              </a:rPr>
-              <a:t>2 463 000 Tangerine Whistle</a:t>
-            </a:r>
-          </a:p>
-          <a:p>
-            <a:pPr algn="l"/>
-            <a:r>
-              <a:rPr lang="en-GB" sz="2600" dirty="0">
-                <a:latin typeface="Asap" panose="020F0504030102060203" pitchFamily="34" charset="0"/>
-              </a:rPr>
-              <a:t>2 675 000 Spurious Dragon</a:t>
-            </a:r>
-          </a:p>
-          <a:p>
-            <a:pPr algn="l"/>
-            <a:r>
-              <a:rPr lang="en-GB" sz="2600" dirty="0">
-                <a:latin typeface="Asap" panose="020F0504030102060203" pitchFamily="34" charset="0"/>
-              </a:rPr>
-              <a:t>4 370 000 Byzantium</a:t>
-            </a:r>
-          </a:p>
-          <a:p>
-            <a:pPr algn="l"/>
-            <a:r>
-              <a:rPr lang="en-GB" sz="2600" dirty="0">
-                <a:solidFill>
-                  <a:schemeClr val="bg1">
-                    <a:lumMod val="50000"/>
-                  </a:schemeClr>
-                </a:solidFill>
-                <a:latin typeface="Asap" panose="020F0504030102060203" pitchFamily="34" charset="0"/>
-              </a:rPr>
-              <a:t>6 000 000 now</a:t>
-            </a:r>
-          </a:p>
-          <a:p>
-            <a:endParaRPr lang="en-GB" sz="2400" dirty="0">
-              <a:latin typeface="Asap" panose="020F0504030102060203" pitchFamily="34" charset="0"/>
-            </a:endParaRPr>
-          </a:p>
-          <a:p>
-            <a:endParaRPr lang="en-GB" sz="2400" dirty="0">
-              <a:latin typeface="Asap" panose="020F0504030102060203" pitchFamily="34" charset="0"/>
-            </a:endParaRPr>
+              <a:t>reorganization</a:t>
+            </a:r>
           </a:p>
         </p:txBody>
       </p:sp>
     </p:spTree>
     <p:extLst>
       <p:ext uri="{BB962C8B-B14F-4D97-AF65-F5344CB8AC3E}">
-        <p14:creationId xmlns:p14="http://schemas.microsoft.com/office/powerpoint/2010/main" val="1960399030"/>
+        <p14:creationId xmlns:p14="http://schemas.microsoft.com/office/powerpoint/2010/main" val="1504396952"/>
       </p:ext>
     </p:extLst>
   </p:cSld>
@@ -19629,7 +20181,7 @@
               <a:rPr lang="en-GB" dirty="0">
                 <a:latin typeface="Asap" panose="020F0504030102060203" pitchFamily="34" charset="0"/>
               </a:rPr>
-              <a:t>DAO</a:t>
+              <a:t>forks</a:t>
             </a:r>
           </a:p>
         </p:txBody>
@@ -19658,23 +20210,93 @@
         </p:spPr>
         <p:txBody>
           <a:bodyPr>
-            <a:normAutofit/>
+            <a:normAutofit fontScale="62500" lnSpcReduction="20000"/>
           </a:bodyPr>
           <a:lstStyle/>
           <a:p>
-            <a:r>
-              <a:rPr lang="en-GB" sz="3200" dirty="0">
+            <a:pPr algn="l"/>
+            <a:r>
+              <a:rPr lang="en-GB" sz="2600" dirty="0">
                 <a:latin typeface="Asap" panose="020F0504030102060203" pitchFamily="34" charset="0"/>
               </a:rPr>
-              <a:t>Ethereum Classic</a:t>
-            </a:r>
+              <a:t>0 000 000 Frontier</a:t>
+            </a:r>
+          </a:p>
+          <a:p>
+            <a:pPr algn="l"/>
+            <a:r>
+              <a:rPr lang="en-GB" sz="2600" dirty="0">
+                <a:latin typeface="Asap" panose="020F0504030102060203" pitchFamily="34" charset="0"/>
+              </a:rPr>
+              <a:t>1 150 000 Homestead</a:t>
+            </a:r>
+          </a:p>
+          <a:p>
+            <a:pPr algn="l"/>
+            <a:r>
+              <a:rPr lang="en-GB" sz="2600" dirty="0">
+                <a:latin typeface="Asap" panose="020F0504030102060203" pitchFamily="34" charset="0"/>
+              </a:rPr>
+              <a:t>1 920 000 DAO</a:t>
+            </a:r>
+          </a:p>
+          <a:p>
+            <a:pPr algn="l"/>
+            <a:r>
+              <a:rPr lang="en-GB" sz="2600" dirty="0">
+                <a:latin typeface="Asap" panose="020F0504030102060203" pitchFamily="34" charset="0"/>
+              </a:rPr>
+              <a:t>2 463 000 Tangerine Whistle</a:t>
+            </a:r>
+          </a:p>
+          <a:p>
+            <a:pPr algn="l"/>
+            <a:r>
+              <a:rPr lang="en-GB" sz="2600" dirty="0">
+                <a:latin typeface="Asap" panose="020F0504030102060203" pitchFamily="34" charset="0"/>
+              </a:rPr>
+              <a:t>2 675 000 Spurious Dragon</a:t>
+            </a:r>
+          </a:p>
+          <a:p>
+            <a:pPr algn="l"/>
+            <a:r>
+              <a:rPr lang="en-GB" sz="2600" dirty="0">
+                <a:latin typeface="Asap" panose="020F0504030102060203" pitchFamily="34" charset="0"/>
+              </a:rPr>
+              <a:t>4 370 000 Byzantium</a:t>
+            </a:r>
+          </a:p>
+          <a:p>
+            <a:pPr algn="l"/>
+            <a:r>
+              <a:rPr lang="en-GB" sz="2600" dirty="0">
+                <a:solidFill>
+                  <a:schemeClr val="bg1">
+                    <a:lumMod val="50000"/>
+                  </a:schemeClr>
+                </a:solidFill>
+                <a:latin typeface="Asap" panose="020F0504030102060203" pitchFamily="34" charset="0"/>
+              </a:rPr>
+              <a:t>6 000 000 now</a:t>
+            </a:r>
+          </a:p>
+          <a:p>
+            <a:endParaRPr lang="en-GB" sz="2400" dirty="0">
+              <a:latin typeface="Asap" panose="020F0504030102060203" pitchFamily="34" charset="0"/>
+            </a:endParaRPr>
+          </a:p>
+          <a:p>
+            <a:endParaRPr lang="en-GB" sz="2400" dirty="0">
+              <a:latin typeface="Asap" panose="020F0504030102060203" pitchFamily="34" charset="0"/>
+            </a:endParaRPr>
           </a:p>
         </p:txBody>
       </p:sp>
     </p:spTree>
     <p:extLst>
       <p:ext uri="{BB962C8B-B14F-4D97-AF65-F5344CB8AC3E}">
-        <p14:creationId xmlns:p14="http://schemas.microsoft.com/office/powerpoint/2010/main" val="47282609"/>
+        <p14:creationId xmlns:p14="http://schemas.microsoft.com/office/powerpoint/2010/main" val="1960399030"/>
       </p:ext>
     </p:extLst>
   </p:cSld>
@@ -19837,12 +20459,7 @@
             <p:ph type="ctrTitle"/>
           </p:nvPr>
         </p:nvSpPr>
-        <p:spPr>
-          <a:xfrm>
-            <a:off x="2286000" y="1683285"/>
-            <a:ext cx="13716000" cy="1402815"/>
-          </a:xfrm>
-        </p:spPr>
+        <p:spPr/>
         <p:txBody>
           <a:bodyPr/>
           <a:lstStyle/>
@@ -19851,568 +20468,52 @@
               <a:rPr lang="en-GB" dirty="0">
                 <a:latin typeface="Asap" panose="020F0504030102060203" pitchFamily="34" charset="0"/>
               </a:rPr>
-              <a:t>ice age</a:t>
+              <a:t>DAO</a:t>
             </a:r>
           </a:p>
         </p:txBody>
       </p:sp>
-      <p:pic>
-        <p:nvPicPr>
-          <p:cNvPr id="10" name="Picture 9">
-            <a:extLst>
-              <a:ext uri="{FF2B5EF4-FFF2-40B4-BE49-F238E27FC236}">
-                <a16:creationId xmlns:a16="http://schemas.microsoft.com/office/drawing/2014/main" id="{1BBC8B6E-E7D8-4BCF-9E9D-7ACAC5191BAB}"/>
-              </a:ext>
-            </a:extLst>
-          </p:cNvPr>
-          <p:cNvPicPr>
-            <a:picLocks noChangeAspect="1"/>
-          </p:cNvPicPr>
-          <p:nvPr/>
-        </p:nvPicPr>
-        <p:blipFill>
-          <a:blip r:embed="rId6"/>
-          <a:stretch>
-            <a:fillRect/>
-          </a:stretch>
-        </p:blipFill>
-        <p:spPr>
-          <a:xfrm>
-            <a:off x="8754768" y="5478104"/>
-            <a:ext cx="5956410" cy="2918821"/>
-          </a:xfrm>
-          <a:prstGeom prst="rect">
-            <a:avLst/>
-          </a:prstGeom>
-        </p:spPr>
-      </p:pic>
       <p:sp>
         <p:nvSpPr>
-          <p:cNvPr id="11" name="Rectangle 1">
+          <p:cNvPr id="4" name="Subtitle 3">
             <a:extLst>
               <a:ext uri="{FF2B5EF4-FFF2-40B4-BE49-F238E27FC236}">
-                <a16:creationId xmlns:a16="http://schemas.microsoft.com/office/drawing/2014/main" id="{E7A48FC4-8740-48F3-ADE1-4ED5DECCDA09}"/>
+                <a16:creationId xmlns:a16="http://schemas.microsoft.com/office/drawing/2014/main" id="{9DC3C257-BFA8-4755-A47E-DEB0CDBC03F6}"/>
               </a:ext>
             </a:extLst>
           </p:cNvPr>
           <p:cNvSpPr>
-            <a:spLocks noChangeArrowheads="1"/>
+            <a:spLocks noGrp="1"/>
           </p:cNvSpPr>
-          <p:nvPr/>
+          <p:nvPr>
+            <p:ph type="subTitle" idx="1"/>
+          </p:nvPr>
         </p:nvSpPr>
-        <p:spPr bwMode="auto">
-          <a:xfrm>
-            <a:off x="2500784" y="3402647"/>
-            <a:ext cx="12210394" cy="2031325"/>
-          </a:xfrm>
-          <a:prstGeom prst="rect">
-            <a:avLst/>
-          </a:prstGeom>
-          <a:solidFill>
-            <a:srgbClr val="FFFFFF"/>
-          </a:solidFill>
-          <a:ln>
-            <a:noFill/>
-          </a:ln>
-          <a:effectLst/>
-          <a:extLst>
-            <a:ext uri="{91240B29-F687-4F45-9708-019B960494DF}">
-              <a14:hiddenLine xmlns:a14="http://schemas.microsoft.com/office/drawing/2010/main" w="9525">
-                <a:solidFill>
-                  <a:schemeClr val="tx1"/>
-                </a:solidFill>
-                <a:miter lim="800000"/>
-                <a:headEnd/>
-                <a:tailEnd/>
-              </a14:hiddenLine>
-            </a:ext>
-            <a:ext uri="{AF507438-7753-43E0-B8FC-AC1667EBCBE1}">
-              <a14:hiddenEffects xmlns:a14="http://schemas.microsoft.com/office/drawing/2010/main">
-                <a:effectLst>
-                  <a:outerShdw dist="35921" dir="2700000" algn="ctr" rotWithShape="0">
-                    <a:schemeClr val="bg2"/>
-                  </a:outerShdw>
-                </a:effectLst>
-              </a14:hiddenEffects>
-            </a:ext>
-          </a:extLst>
+        <p:spPr>
+          <a:xfrm>
+            <a:off x="2286000" y="5402223"/>
+            <a:ext cx="13716000" cy="2483260"/>
+          </a:xfrm>
         </p:spPr>
         <p:txBody>
-          <a:bodyPr vert="horz" wrap="none" lIns="91440" tIns="45720" rIns="91440" bIns="45720" numCol="1" anchor="ctr" anchorCtr="0" compatLnSpc="1">
-            <a:prstTxWarp prst="textNoShape">
-              <a:avLst/>
-            </a:prstTxWarp>
-            <a:spAutoFit/>
+          <a:bodyPr>
+            <a:normAutofit/>
           </a:bodyPr>
           <a:lstStyle/>
           <a:p>
-            <a:pPr marL="0" marR="0" lvl="0" indent="0" algn="l" defTabSz="914400" rtl="0" eaLnBrk="0" fontAlgn="base" latinLnBrk="0" hangingPunct="0">
-              <a:lnSpc>
-                <a:spcPct val="100000"/>
-              </a:lnSpc>
-              <a:spcBef>
-                <a:spcPct val="0"/>
-              </a:spcBef>
-              <a:spcAft>
-                <a:spcPct val="0"/>
-              </a:spcAft>
-              <a:buClrTx/>
-              <a:buSzTx/>
-              <a:buFontTx/>
-              <a:buNone/>
-              <a:tabLst/>
-            </a:pPr>
-            <a:r>
-              <a:rPr kumimoji="0" lang="en-US" altLang="en-US" sz="1400" b="0" i="0" u="none" strike="noStrike" cap="none" normalizeH="0" baseline="0" dirty="0">
-                <a:ln>
-                  <a:noFill/>
-                </a:ln>
-                <a:solidFill>
-                  <a:srgbClr val="0000FF"/>
-                </a:solidFill>
-                <a:effectLst/>
-                <a:latin typeface="Consolas" panose="020B0609020204030204" pitchFamily="49" charset="0"/>
-              </a:rPr>
-              <a:t>private </a:t>
-            </a:r>
-            <a:r>
-              <a:rPr kumimoji="0" lang="en-US" altLang="en-US" sz="1400" b="0" i="0" u="none" strike="noStrike" cap="none" normalizeH="0" baseline="0" dirty="0">
-                <a:ln>
-                  <a:noFill/>
-                </a:ln>
-                <a:solidFill>
-                  <a:srgbClr val="2B91AF"/>
-                </a:solidFill>
-                <a:effectLst/>
-                <a:latin typeface="Consolas" panose="020B0609020204030204" pitchFamily="49" charset="0"/>
-              </a:rPr>
-              <a:t>BigInteger </a:t>
-            </a:r>
-            <a:r>
-              <a:rPr kumimoji="0" lang="en-US" altLang="en-US" sz="1400" b="0" i="0" u="none" strike="noStrike" cap="none" normalizeH="0" baseline="0" dirty="0">
-                <a:ln>
-                  <a:noFill/>
-                </a:ln>
-                <a:solidFill>
-                  <a:srgbClr val="000000"/>
-                </a:solidFill>
-                <a:effectLst/>
-                <a:latin typeface="Consolas" panose="020B0609020204030204" pitchFamily="49" charset="0"/>
-              </a:rPr>
-              <a:t>TimeBomb(</a:t>
-            </a:r>
-            <a:r>
-              <a:rPr kumimoji="0" lang="en-US" altLang="en-US" sz="1400" b="0" i="0" u="none" strike="noStrike" cap="none" normalizeH="0" baseline="0" dirty="0">
-                <a:ln>
-                  <a:noFill/>
-                </a:ln>
-                <a:solidFill>
-                  <a:srgbClr val="2B91AF"/>
-                </a:solidFill>
-                <a:effectLst/>
-                <a:latin typeface="Consolas" panose="020B0609020204030204" pitchFamily="49" charset="0"/>
-              </a:rPr>
-              <a:t>IReleaseSpec </a:t>
-            </a:r>
-            <a:r>
-              <a:rPr kumimoji="0" lang="en-US" altLang="en-US" sz="1400" b="0" i="0" u="none" strike="noStrike" cap="none" normalizeH="0" baseline="0" dirty="0">
-                <a:ln>
-                  <a:noFill/>
-                </a:ln>
-                <a:solidFill>
-                  <a:srgbClr val="000000"/>
-                </a:solidFill>
-                <a:effectLst/>
-                <a:latin typeface="Consolas" panose="020B0609020204030204" pitchFamily="49" charset="0"/>
-              </a:rPr>
-              <a:t>spec, </a:t>
-            </a:r>
-            <a:r>
-              <a:rPr kumimoji="0" lang="en-US" altLang="en-US" sz="1400" b="0" i="0" u="none" strike="noStrike" cap="none" normalizeH="0" baseline="0" dirty="0">
-                <a:ln>
-                  <a:noFill/>
-                </a:ln>
-                <a:solidFill>
-                  <a:srgbClr val="2B91AF"/>
-                </a:solidFill>
-                <a:effectLst/>
-                <a:latin typeface="Consolas" panose="020B0609020204030204" pitchFamily="49" charset="0"/>
-              </a:rPr>
-              <a:t>BigInteger </a:t>
-            </a:r>
-            <a:r>
-              <a:rPr kumimoji="0" lang="en-US" altLang="en-US" sz="1400" b="0" i="0" u="none" strike="noStrike" cap="none" normalizeH="0" baseline="0" dirty="0">
-                <a:ln>
-                  <a:noFill/>
-                </a:ln>
-                <a:solidFill>
-                  <a:srgbClr val="000000"/>
-                </a:solidFill>
-                <a:effectLst/>
-                <a:latin typeface="Consolas" panose="020B0609020204030204" pitchFamily="49" charset="0"/>
-              </a:rPr>
-              <a:t>blockNumber)</a:t>
-            </a:r>
-            <a:br>
-              <a:rPr kumimoji="0" lang="en-US" altLang="en-US" sz="1400" b="0" i="0" u="none" strike="noStrike" cap="none" normalizeH="0" baseline="0" dirty="0">
-                <a:ln>
-                  <a:noFill/>
-                </a:ln>
-                <a:solidFill>
-                  <a:srgbClr val="000000"/>
-                </a:solidFill>
-                <a:effectLst/>
-                <a:latin typeface="Consolas" panose="020B0609020204030204" pitchFamily="49" charset="0"/>
-              </a:rPr>
-            </a:br>
-            <a:r>
-              <a:rPr kumimoji="0" lang="en-US" altLang="en-US" sz="1400" b="0" i="0" u="none" strike="noStrike" cap="none" normalizeH="0" baseline="0" dirty="0">
-                <a:ln>
-                  <a:noFill/>
-                </a:ln>
-                <a:solidFill>
-                  <a:srgbClr val="000000"/>
-                </a:solidFill>
-                <a:effectLst/>
-                <a:latin typeface="Consolas" panose="020B0609020204030204" pitchFamily="49" charset="0"/>
-              </a:rPr>
-              <a:t>{   </a:t>
-            </a:r>
-            <a:br>
-              <a:rPr kumimoji="0" lang="en-US" altLang="en-US" sz="1400" b="0" i="0" u="none" strike="noStrike" cap="none" normalizeH="0" baseline="0" dirty="0">
-                <a:ln>
-                  <a:noFill/>
-                </a:ln>
-                <a:solidFill>
-                  <a:srgbClr val="000000"/>
-                </a:solidFill>
-                <a:effectLst/>
-                <a:latin typeface="Consolas" panose="020B0609020204030204" pitchFamily="49" charset="0"/>
-              </a:rPr>
-            </a:br>
-            <a:r>
-              <a:rPr kumimoji="0" lang="en-US" altLang="en-US" sz="1400" b="0" i="0" u="none" strike="noStrike" cap="none" normalizeH="0" baseline="0" dirty="0">
-                <a:ln>
-                  <a:noFill/>
-                </a:ln>
-                <a:solidFill>
-                  <a:srgbClr val="000000"/>
-                </a:solidFill>
-                <a:effectLst/>
-                <a:latin typeface="Consolas" panose="020B0609020204030204" pitchFamily="49" charset="0"/>
-              </a:rPr>
-              <a:t>    </a:t>
-            </a:r>
-            <a:r>
-              <a:rPr kumimoji="0" lang="en-US" altLang="en-US" sz="1400" b="0" i="0" u="none" strike="noStrike" cap="none" normalizeH="0" baseline="0" dirty="0">
-                <a:ln>
-                  <a:noFill/>
-                </a:ln>
-                <a:solidFill>
-                  <a:srgbClr val="0000FF"/>
-                </a:solidFill>
-                <a:effectLst/>
-                <a:latin typeface="Consolas" panose="020B0609020204030204" pitchFamily="49" charset="0"/>
-              </a:rPr>
-              <a:t>if </a:t>
-            </a:r>
-            <a:r>
-              <a:rPr kumimoji="0" lang="en-US" altLang="en-US" sz="1400" b="0" i="0" u="none" strike="noStrike" cap="none" normalizeH="0" baseline="0" dirty="0">
-                <a:ln>
-                  <a:noFill/>
-                </a:ln>
-                <a:solidFill>
-                  <a:srgbClr val="000000"/>
-                </a:solidFill>
-                <a:effectLst/>
-                <a:latin typeface="Consolas" panose="020B0609020204030204" pitchFamily="49" charset="0"/>
-              </a:rPr>
-              <a:t>(spec.IsEip649Enabled)</a:t>
-            </a:r>
-            <a:br>
-              <a:rPr kumimoji="0" lang="en-US" altLang="en-US" sz="1400" b="0" i="0" u="none" strike="noStrike" cap="none" normalizeH="0" baseline="0" dirty="0">
-                <a:ln>
-                  <a:noFill/>
-                </a:ln>
-                <a:solidFill>
-                  <a:srgbClr val="000000"/>
-                </a:solidFill>
-                <a:effectLst/>
-                <a:latin typeface="Consolas" panose="020B0609020204030204" pitchFamily="49" charset="0"/>
-              </a:rPr>
-            </a:br>
-            <a:r>
-              <a:rPr kumimoji="0" lang="en-US" altLang="en-US" sz="1400" b="0" i="0" u="none" strike="noStrike" cap="none" normalizeH="0" baseline="0" dirty="0">
-                <a:ln>
-                  <a:noFill/>
-                </a:ln>
-                <a:solidFill>
-                  <a:srgbClr val="000000"/>
-                </a:solidFill>
-                <a:effectLst/>
-                <a:latin typeface="Consolas" panose="020B0609020204030204" pitchFamily="49" charset="0"/>
-              </a:rPr>
-              <a:t>    {</a:t>
-            </a:r>
-            <a:br>
-              <a:rPr kumimoji="0" lang="en-US" altLang="en-US" sz="1400" b="0" i="0" u="none" strike="noStrike" cap="none" normalizeH="0" baseline="0" dirty="0">
-                <a:ln>
-                  <a:noFill/>
-                </a:ln>
-                <a:solidFill>
-                  <a:srgbClr val="000000"/>
-                </a:solidFill>
-                <a:effectLst/>
-                <a:latin typeface="Consolas" panose="020B0609020204030204" pitchFamily="49" charset="0"/>
-              </a:rPr>
-            </a:br>
-            <a:r>
-              <a:rPr kumimoji="0" lang="en-US" altLang="en-US" sz="1400" b="0" i="0" u="none" strike="noStrike" cap="none" normalizeH="0" baseline="0" dirty="0">
-                <a:ln>
-                  <a:noFill/>
-                </a:ln>
-                <a:solidFill>
-                  <a:srgbClr val="000000"/>
-                </a:solidFill>
-                <a:effectLst/>
-                <a:latin typeface="Consolas" panose="020B0609020204030204" pitchFamily="49" charset="0"/>
-              </a:rPr>
-              <a:t>        blockNumber = blockNumber - 3000000;</a:t>
-            </a:r>
-            <a:br>
-              <a:rPr kumimoji="0" lang="en-US" altLang="en-US" sz="1400" b="0" i="0" u="none" strike="noStrike" cap="none" normalizeH="0" baseline="0" dirty="0">
-                <a:ln>
-                  <a:noFill/>
-                </a:ln>
-                <a:solidFill>
-                  <a:srgbClr val="000000"/>
-                </a:solidFill>
-                <a:effectLst/>
-                <a:latin typeface="Consolas" panose="020B0609020204030204" pitchFamily="49" charset="0"/>
-              </a:rPr>
-            </a:br>
-            <a:r>
-              <a:rPr kumimoji="0" lang="en-US" altLang="en-US" sz="1400" b="0" i="0" u="none" strike="noStrike" cap="none" normalizeH="0" baseline="0" dirty="0">
-                <a:ln>
-                  <a:noFill/>
-                </a:ln>
-                <a:solidFill>
-                  <a:srgbClr val="000000"/>
-                </a:solidFill>
-                <a:effectLst/>
-                <a:latin typeface="Consolas" panose="020B0609020204030204" pitchFamily="49" charset="0"/>
-              </a:rPr>
-              <a:t>    }</a:t>
-            </a:r>
-            <a:br>
-              <a:rPr kumimoji="0" lang="en-US" altLang="en-US" sz="1400" b="0" i="0" u="none" strike="noStrike" cap="none" normalizeH="0" baseline="0" dirty="0">
-                <a:ln>
-                  <a:noFill/>
-                </a:ln>
-                <a:solidFill>
-                  <a:srgbClr val="000000"/>
-                </a:solidFill>
-                <a:effectLst/>
-                <a:latin typeface="Consolas" panose="020B0609020204030204" pitchFamily="49" charset="0"/>
-              </a:rPr>
-            </a:br>
-            <a:br>
-              <a:rPr kumimoji="0" lang="en-US" altLang="en-US" sz="1400" b="0" i="0" u="none" strike="noStrike" cap="none" normalizeH="0" baseline="0" dirty="0">
-                <a:ln>
-                  <a:noFill/>
-                </a:ln>
-                <a:solidFill>
-                  <a:srgbClr val="000000"/>
-                </a:solidFill>
-                <a:effectLst/>
-                <a:latin typeface="Consolas" panose="020B0609020204030204" pitchFamily="49" charset="0"/>
-              </a:rPr>
-            </a:br>
-            <a:r>
-              <a:rPr kumimoji="0" lang="en-US" altLang="en-US" sz="1400" b="0" i="0" u="none" strike="noStrike" cap="none" normalizeH="0" baseline="0" dirty="0">
-                <a:ln>
-                  <a:noFill/>
-                </a:ln>
-                <a:solidFill>
-                  <a:srgbClr val="000000"/>
-                </a:solidFill>
-                <a:effectLst/>
-                <a:latin typeface="Consolas" panose="020B0609020204030204" pitchFamily="49" charset="0"/>
-              </a:rPr>
-              <a:t>    </a:t>
-            </a:r>
-            <a:r>
-              <a:rPr kumimoji="0" lang="en-US" altLang="en-US" sz="1400" b="0" i="0" u="none" strike="noStrike" cap="none" normalizeH="0" baseline="0" dirty="0">
-                <a:ln>
-                  <a:noFill/>
-                </a:ln>
-                <a:solidFill>
-                  <a:srgbClr val="0000FF"/>
-                </a:solidFill>
-                <a:effectLst/>
-                <a:latin typeface="Consolas" panose="020B0609020204030204" pitchFamily="49" charset="0"/>
-              </a:rPr>
-              <a:t>return </a:t>
-            </a:r>
-            <a:r>
-              <a:rPr kumimoji="0" lang="en-US" altLang="en-US" sz="1400" b="0" i="0" u="none" strike="noStrike" cap="none" normalizeH="0" baseline="0" dirty="0">
-                <a:ln>
-                  <a:noFill/>
-                </a:ln>
-                <a:solidFill>
-                  <a:srgbClr val="000000"/>
-                </a:solidFill>
-                <a:effectLst/>
-                <a:latin typeface="Consolas" panose="020B0609020204030204" pitchFamily="49" charset="0"/>
-              </a:rPr>
-              <a:t>blockNumber &lt; 200000 ? </a:t>
-            </a:r>
-            <a:r>
-              <a:rPr kumimoji="0" lang="en-US" altLang="en-US" sz="1400" b="0" i="0" u="none" strike="noStrike" cap="none" normalizeH="0" baseline="0" dirty="0">
-                <a:ln>
-                  <a:noFill/>
-                </a:ln>
-                <a:solidFill>
-                  <a:srgbClr val="2B91AF"/>
-                </a:solidFill>
-                <a:effectLst/>
-                <a:latin typeface="Consolas" panose="020B0609020204030204" pitchFamily="49" charset="0"/>
-              </a:rPr>
-              <a:t>BigInteger</a:t>
-            </a:r>
-            <a:r>
-              <a:rPr kumimoji="0" lang="en-US" altLang="en-US" sz="1400" b="0" i="0" u="none" strike="noStrike" cap="none" normalizeH="0" baseline="0" dirty="0">
-                <a:ln>
-                  <a:noFill/>
-                </a:ln>
-                <a:solidFill>
-                  <a:srgbClr val="000000"/>
-                </a:solidFill>
-                <a:effectLst/>
-                <a:latin typeface="Consolas" panose="020B0609020204030204" pitchFamily="49" charset="0"/>
-              </a:rPr>
-              <a:t>.Zero : </a:t>
-            </a:r>
-            <a:r>
-              <a:rPr kumimoji="0" lang="en-US" altLang="en-US" sz="1400" b="0" i="0" u="none" strike="noStrike" cap="none" normalizeH="0" baseline="0" dirty="0">
-                <a:ln>
-                  <a:noFill/>
-                </a:ln>
-                <a:solidFill>
-                  <a:srgbClr val="2B91AF"/>
-                </a:solidFill>
-                <a:effectLst/>
-                <a:latin typeface="Consolas" panose="020B0609020204030204" pitchFamily="49" charset="0"/>
-              </a:rPr>
-              <a:t>BigInteger</a:t>
-            </a:r>
-            <a:r>
-              <a:rPr kumimoji="0" lang="en-US" altLang="en-US" sz="1400" b="0" i="0" u="none" strike="noStrike" cap="none" normalizeH="0" baseline="0" dirty="0">
-                <a:ln>
-                  <a:noFill/>
-                </a:ln>
-                <a:solidFill>
-                  <a:srgbClr val="000000"/>
-                </a:solidFill>
-                <a:effectLst/>
-                <a:latin typeface="Consolas" panose="020B0609020204030204" pitchFamily="49" charset="0"/>
-              </a:rPr>
-              <a:t>.Pow(2, (</a:t>
-            </a:r>
-            <a:r>
-              <a:rPr kumimoji="0" lang="en-US" altLang="en-US" sz="1400" b="0" i="0" u="none" strike="noStrike" cap="none" normalizeH="0" baseline="0" dirty="0">
-                <a:ln>
-                  <a:noFill/>
-                </a:ln>
-                <a:solidFill>
-                  <a:srgbClr val="0000FF"/>
-                </a:solidFill>
-                <a:effectLst/>
-                <a:latin typeface="Consolas" panose="020B0609020204030204" pitchFamily="49" charset="0"/>
-              </a:rPr>
-              <a:t>int</a:t>
-            </a:r>
-            <a:r>
-              <a:rPr kumimoji="0" lang="en-US" altLang="en-US" sz="1400" b="0" i="0" u="none" strike="noStrike" cap="none" normalizeH="0" baseline="0" dirty="0">
-                <a:ln>
-                  <a:noFill/>
-                </a:ln>
-                <a:solidFill>
-                  <a:srgbClr val="000000"/>
-                </a:solidFill>
-                <a:effectLst/>
-                <a:latin typeface="Consolas" panose="020B0609020204030204" pitchFamily="49" charset="0"/>
-              </a:rPr>
-              <a:t>)(</a:t>
-            </a:r>
-            <a:r>
-              <a:rPr kumimoji="0" lang="en-US" altLang="en-US" sz="1400" b="0" i="0" u="none" strike="noStrike" cap="none" normalizeH="0" baseline="0" dirty="0">
-                <a:ln>
-                  <a:noFill/>
-                </a:ln>
-                <a:solidFill>
-                  <a:srgbClr val="2B91AF"/>
-                </a:solidFill>
-                <a:effectLst/>
-                <a:latin typeface="Consolas" panose="020B0609020204030204" pitchFamily="49" charset="0"/>
-              </a:rPr>
-              <a:t>BigInteger</a:t>
-            </a:r>
-            <a:r>
-              <a:rPr kumimoji="0" lang="en-US" altLang="en-US" sz="1400" b="0" i="0" u="none" strike="noStrike" cap="none" normalizeH="0" baseline="0" dirty="0">
-                <a:ln>
-                  <a:noFill/>
-                </a:ln>
-                <a:solidFill>
-                  <a:srgbClr val="000000"/>
-                </a:solidFill>
-                <a:effectLst/>
-                <a:latin typeface="Consolas" panose="020B0609020204030204" pitchFamily="49" charset="0"/>
-              </a:rPr>
-              <a:t>.Divide(blockNumber, 100000) - 2));</a:t>
-            </a:r>
-            <a:br>
-              <a:rPr kumimoji="0" lang="en-US" altLang="en-US" sz="1400" b="0" i="0" u="none" strike="noStrike" cap="none" normalizeH="0" baseline="0" dirty="0">
-                <a:ln>
-                  <a:noFill/>
-                </a:ln>
-                <a:solidFill>
-                  <a:srgbClr val="000000"/>
-                </a:solidFill>
-                <a:effectLst/>
-                <a:latin typeface="Consolas" panose="020B0609020204030204" pitchFamily="49" charset="0"/>
-              </a:rPr>
-            </a:br>
-            <a:r>
-              <a:rPr kumimoji="0" lang="en-US" altLang="en-US" sz="1400" b="0" i="0" u="none" strike="noStrike" cap="none" normalizeH="0" baseline="0" dirty="0">
-                <a:ln>
-                  <a:noFill/>
-                </a:ln>
-                <a:solidFill>
-                  <a:srgbClr val="000000"/>
-                </a:solidFill>
-                <a:effectLst/>
-                <a:latin typeface="Consolas" panose="020B0609020204030204" pitchFamily="49" charset="0"/>
-              </a:rPr>
-              <a:t>}</a:t>
-            </a:r>
-            <a:endParaRPr kumimoji="0" lang="en-US" altLang="en-US" sz="1400" b="0" i="0" u="none" strike="noStrike" cap="none" normalizeH="0" baseline="0" dirty="0">
-              <a:ln>
-                <a:noFill/>
-              </a:ln>
-              <a:solidFill>
-                <a:schemeClr val="tx1"/>
-              </a:solidFill>
-              <a:effectLst/>
-              <a:latin typeface="Arial" panose="020B0604020202020204" pitchFamily="34" charset="0"/>
-            </a:endParaRPr>
+            <a:r>
+              <a:rPr lang="en-GB" sz="3200" dirty="0">
+                <a:latin typeface="Asap" panose="020F0504030102060203" pitchFamily="34" charset="0"/>
+              </a:rPr>
+              <a:t>Ethereum Classic</a:t>
+            </a:r>
           </a:p>
         </p:txBody>
       </p:sp>
     </p:spTree>
     <p:extLst>
       <p:ext uri="{BB962C8B-B14F-4D97-AF65-F5344CB8AC3E}">
-        <p14:creationId xmlns:p14="http://schemas.microsoft.com/office/powerpoint/2010/main" val="1914519920"/>
+        <p14:creationId xmlns:p14="http://schemas.microsoft.com/office/powerpoint/2010/main" val="47282609"/>
       </p:ext>
     </p:extLst>
   </p:cSld>
@@ -20439,12 +20540,132 @@
           <a:chExt cx="0" cy="0"/>
         </a:xfrm>
       </p:grpSpPr>
+      <p:pic>
+        <p:nvPicPr>
+          <p:cNvPr id="5" name="Picture 4"/>
+          <p:cNvPicPr>
+            <a:picLocks noChangeAspect="1"/>
+          </p:cNvPicPr>
+          <p:nvPr/>
+        </p:nvPicPr>
+        <p:blipFill>
+          <a:blip r:embed="rId2">
+            <a:extLst>
+              <a:ext uri="{28A0092B-C50C-407E-A947-70E740481C1C}">
+                <a14:useLocalDpi xmlns:a14="http://schemas.microsoft.com/office/drawing/2010/main" val="0"/>
+              </a:ext>
+            </a:extLst>
+          </a:blip>
+          <a:stretch>
+            <a:fillRect/>
+          </a:stretch>
+        </p:blipFill>
+        <p:spPr>
+          <a:xfrm>
+            <a:off x="467520" y="386719"/>
+            <a:ext cx="2157954" cy="1970106"/>
+          </a:xfrm>
+          <a:prstGeom prst="rect">
+            <a:avLst/>
+          </a:prstGeom>
+        </p:spPr>
+      </p:pic>
+      <p:pic>
+        <p:nvPicPr>
+          <p:cNvPr id="6" name="Obraz 5"/>
+          <p:cNvPicPr>
+            <a:picLocks noChangeAspect="1"/>
+          </p:cNvPicPr>
+          <p:nvPr/>
+        </p:nvPicPr>
+        <p:blipFill>
+          <a:blip r:embed="rId3">
+            <a:extLst>
+              <a:ext uri="{28A0092B-C50C-407E-A947-70E740481C1C}">
+                <a14:useLocalDpi xmlns:a14="http://schemas.microsoft.com/office/drawing/2010/main" val="0"/>
+              </a:ext>
+            </a:extLst>
+          </a:blip>
+          <a:stretch>
+            <a:fillRect/>
+          </a:stretch>
+        </p:blipFill>
+        <p:spPr>
+          <a:xfrm>
+            <a:off x="-848021" y="-885792"/>
+            <a:ext cx="4085389" cy="4085389"/>
+          </a:xfrm>
+          <a:prstGeom prst="rect">
+            <a:avLst/>
+          </a:prstGeom>
+        </p:spPr>
+      </p:pic>
+      <p:pic>
+        <p:nvPicPr>
+          <p:cNvPr id="7" name="Obraz 6"/>
+          <p:cNvPicPr>
+            <a:picLocks noChangeAspect="1"/>
+          </p:cNvPicPr>
+          <p:nvPr/>
+        </p:nvPicPr>
+        <p:blipFill>
+          <a:blip r:embed="rId4">
+            <a:extLst>
+              <a:ext uri="{28A0092B-C50C-407E-A947-70E740481C1C}">
+                <a14:useLocalDpi xmlns:a14="http://schemas.microsoft.com/office/drawing/2010/main" val="0"/>
+              </a:ext>
+            </a:extLst>
+          </a:blip>
+          <a:stretch>
+            <a:fillRect/>
+          </a:stretch>
+        </p:blipFill>
+        <p:spPr>
+          <a:xfrm>
+            <a:off x="15485167" y="6937515"/>
+            <a:ext cx="4196352" cy="4196352"/>
+          </a:xfrm>
+          <a:prstGeom prst="rect">
+            <a:avLst/>
+          </a:prstGeom>
+        </p:spPr>
+      </p:pic>
+      <p:pic>
+        <p:nvPicPr>
+          <p:cNvPr id="2" name="Picture 1">
+            <a:extLst>
+              <a:ext uri="{FF2B5EF4-FFF2-40B4-BE49-F238E27FC236}">
+                <a16:creationId xmlns:a16="http://schemas.microsoft.com/office/drawing/2014/main" id="{BD1B5819-4869-4F8B-B401-0ACD31EAD507}"/>
+              </a:ext>
+            </a:extLst>
+          </p:cNvPr>
+          <p:cNvPicPr>
+            <a:picLocks noChangeAspect="1"/>
+          </p:cNvPicPr>
+          <p:nvPr/>
+        </p:nvPicPr>
+        <p:blipFill>
+          <a:blip r:embed="rId5"/>
+          <a:stretch>
+            <a:fillRect/>
+          </a:stretch>
+        </p:blipFill>
+        <p:spPr>
+          <a:xfrm>
+            <a:off x="7451655" y="8485188"/>
+            <a:ext cx="2695575" cy="1800225"/>
+          </a:xfrm>
+          <a:prstGeom prst="rect">
+            <a:avLst/>
+          </a:prstGeom>
+        </p:spPr>
+      </p:pic>
       <p:sp>
         <p:nvSpPr>
-          <p:cNvPr id="2" name="Title 1">
+          <p:cNvPr id="3" name="Title 2">
             <a:extLst>
               <a:ext uri="{FF2B5EF4-FFF2-40B4-BE49-F238E27FC236}">
-                <a16:creationId xmlns:a16="http://schemas.microsoft.com/office/drawing/2014/main" id="{2DC7CC8D-4A2B-4B43-B72B-C9A5F11A7A19}"/>
+                <a16:creationId xmlns:a16="http://schemas.microsoft.com/office/drawing/2014/main" id="{19CA39E8-6475-43B3-AB30-1BD3DACA14BB}"/>
               </a:ext>
             </a:extLst>
           </p:cNvPr>
@@ -20452,77 +20673,585 @@
             <a:spLocks noGrp="1"/>
           </p:cNvSpPr>
           <p:nvPr>
-            <p:ph type="title"/>
+            <p:ph type="ctrTitle"/>
           </p:nvPr>
         </p:nvSpPr>
-        <p:spPr/>
+        <p:spPr>
+          <a:xfrm>
+            <a:off x="2286000" y="1683285"/>
+            <a:ext cx="13716000" cy="1402815"/>
+          </a:xfrm>
+        </p:spPr>
         <p:txBody>
           <a:bodyPr/>
           <a:lstStyle/>
           <a:p>
-            <a:endParaRPr lang="en-GB" dirty="0"/>
+            <a:r>
+              <a:rPr lang="en-GB" dirty="0">
+                <a:latin typeface="Asap" panose="020F0504030102060203" pitchFamily="34" charset="0"/>
+              </a:rPr>
+              <a:t>ice age</a:t>
+            </a:r>
           </a:p>
         </p:txBody>
       </p:sp>
+      <p:pic>
+        <p:nvPicPr>
+          <p:cNvPr id="10" name="Picture 9">
+            <a:extLst>
+              <a:ext uri="{FF2B5EF4-FFF2-40B4-BE49-F238E27FC236}">
+                <a16:creationId xmlns:a16="http://schemas.microsoft.com/office/drawing/2014/main" id="{1BBC8B6E-E7D8-4BCF-9E9D-7ACAC5191BAB}"/>
+              </a:ext>
+            </a:extLst>
+          </p:cNvPr>
+          <p:cNvPicPr>
+            <a:picLocks noChangeAspect="1"/>
+          </p:cNvPicPr>
+          <p:nvPr/>
+        </p:nvPicPr>
+        <p:blipFill>
+          <a:blip r:embed="rId6"/>
+          <a:stretch>
+            <a:fillRect/>
+          </a:stretch>
+        </p:blipFill>
+        <p:spPr>
+          <a:xfrm>
+            <a:off x="8754768" y="5478104"/>
+            <a:ext cx="5956410" cy="2918821"/>
+          </a:xfrm>
+          <a:prstGeom prst="rect">
+            <a:avLst/>
+          </a:prstGeom>
+        </p:spPr>
+      </p:pic>
       <p:sp>
         <p:nvSpPr>
-          <p:cNvPr id="3" name="Content Placeholder 2">
+          <p:cNvPr id="11" name="Rectangle 1">
             <a:extLst>
               <a:ext uri="{FF2B5EF4-FFF2-40B4-BE49-F238E27FC236}">
-                <a16:creationId xmlns:a16="http://schemas.microsoft.com/office/drawing/2014/main" id="{B14DB3F3-8A49-4C73-B999-7E23E22C1AE4}"/>
+                <a16:creationId xmlns:a16="http://schemas.microsoft.com/office/drawing/2014/main" id="{E7A48FC4-8740-48F3-ADE1-4ED5DECCDA09}"/>
               </a:ext>
             </a:extLst>
           </p:cNvPr>
           <p:cNvSpPr>
-            <a:spLocks noGrp="1"/>
+            <a:spLocks noChangeArrowheads="1"/>
           </p:cNvSpPr>
-          <p:nvPr>
-            <p:ph idx="1"/>
-          </p:nvPr>
+          <p:nvPr/>
         </p:nvSpPr>
-        <p:spPr/>
+        <p:spPr bwMode="auto">
+          <a:xfrm>
+            <a:off x="2500784" y="3402647"/>
+            <a:ext cx="12210394" cy="2031325"/>
+          </a:xfrm>
+          <a:prstGeom prst="rect">
+            <a:avLst/>
+          </a:prstGeom>
+          <a:solidFill>
+            <a:srgbClr val="FFFFFF"/>
+          </a:solidFill>
+          <a:ln>
+            <a:noFill/>
+          </a:ln>
+          <a:effectLst/>
+          <a:extLst>
+            <a:ext uri="{91240B29-F687-4F45-9708-019B960494DF}">
+              <a14:hiddenLine xmlns:a14="http://schemas.microsoft.com/office/drawing/2010/main" w="9525">
+                <a:solidFill>
+                  <a:schemeClr val="tx1"/>
+                </a:solidFill>
+                <a:miter lim="800000"/>
+                <a:headEnd/>
+                <a:tailEnd/>
+              </a14:hiddenLine>
+            </a:ext>
+            <a:ext uri="{AF507438-7753-43E0-B8FC-AC1667EBCBE1}">
+              <a14:hiddenEffects xmlns:a14="http://schemas.microsoft.com/office/drawing/2010/main">
+                <a:effectLst>
+                  <a:outerShdw dist="35921" dir="2700000" algn="ctr" rotWithShape="0">
+                    <a:schemeClr val="bg2"/>
+                  </a:outerShdw>
+                </a:effectLst>
+              </a14:hiddenEffects>
+            </a:ext>
+          </a:extLst>
+        </p:spPr>
         <p:txBody>
-          <a:bodyPr/>
+          <a:bodyPr vert="horz" wrap="none" lIns="91440" tIns="45720" rIns="91440" bIns="45720" numCol="1" anchor="ctr" anchorCtr="0" compatLnSpc="1">
+            <a:prstTxWarp prst="textNoShape">
+              <a:avLst/>
+            </a:prstTxWarp>
+            <a:spAutoFit/>
+          </a:bodyPr>
           <a:lstStyle/>
           <a:p>
-            <a:endParaRPr lang="en-GB"/>
+            <a:pPr marL="0" marR="0" lvl="0" indent="0" algn="l" defTabSz="914400" rtl="0" eaLnBrk="0" fontAlgn="base" latinLnBrk="0" hangingPunct="0">
+              <a:lnSpc>
+                <a:spcPct val="100000"/>
+              </a:lnSpc>
+              <a:spcBef>
+                <a:spcPct val="0"/>
+              </a:spcBef>
+              <a:spcAft>
+                <a:spcPct val="0"/>
+              </a:spcAft>
+              <a:buClrTx/>
+              <a:buSzTx/>
+              <a:buFontTx/>
+              <a:buNone/>
+              <a:tabLst/>
+            </a:pPr>
+            <a:r>
+              <a:rPr kumimoji="0" lang="en-US" altLang="en-US" sz="1400" b="0" i="0" u="none" strike="noStrike" cap="none" normalizeH="0" baseline="0" dirty="0">
+                <a:ln>
+                  <a:noFill/>
+                </a:ln>
+                <a:solidFill>
+                  <a:srgbClr val="0000FF"/>
+                </a:solidFill>
+                <a:effectLst/>
+                <a:latin typeface="Consolas" panose="020B0609020204030204" pitchFamily="49" charset="0"/>
+              </a:rPr>
+              <a:t>private </a:t>
+            </a:r>
+            <a:r>
+              <a:rPr kumimoji="0" lang="en-US" altLang="en-US" sz="1400" b="0" i="0" u="none" strike="noStrike" cap="none" normalizeH="0" baseline="0" dirty="0">
+                <a:ln>
+                  <a:noFill/>
+                </a:ln>
+                <a:solidFill>
+                  <a:srgbClr val="2B91AF"/>
+                </a:solidFill>
+                <a:effectLst/>
+                <a:latin typeface="Consolas" panose="020B0609020204030204" pitchFamily="49" charset="0"/>
+              </a:rPr>
+              <a:t>BigInteger </a:t>
+            </a:r>
+            <a:r>
+              <a:rPr kumimoji="0" lang="en-US" altLang="en-US" sz="1400" b="0" i="0" u="none" strike="noStrike" cap="none" normalizeH="0" baseline="0" dirty="0">
+                <a:ln>
+                  <a:noFill/>
+                </a:ln>
+                <a:solidFill>
+                  <a:srgbClr val="000000"/>
+                </a:solidFill>
+                <a:effectLst/>
+                <a:latin typeface="Consolas" panose="020B0609020204030204" pitchFamily="49" charset="0"/>
+              </a:rPr>
+              <a:t>TimeBomb(</a:t>
+            </a:r>
+            <a:r>
+              <a:rPr kumimoji="0" lang="en-US" altLang="en-US" sz="1400" b="0" i="0" u="none" strike="noStrike" cap="none" normalizeH="0" baseline="0" dirty="0">
+                <a:ln>
+                  <a:noFill/>
+                </a:ln>
+                <a:solidFill>
+                  <a:srgbClr val="2B91AF"/>
+                </a:solidFill>
+                <a:effectLst/>
+                <a:latin typeface="Consolas" panose="020B0609020204030204" pitchFamily="49" charset="0"/>
+              </a:rPr>
+              <a:t>IReleaseSpec </a:t>
+            </a:r>
+            <a:r>
+              <a:rPr kumimoji="0" lang="en-US" altLang="en-US" sz="1400" b="0" i="0" u="none" strike="noStrike" cap="none" normalizeH="0" baseline="0" dirty="0">
+                <a:ln>
+                  <a:noFill/>
+                </a:ln>
+                <a:solidFill>
+                  <a:srgbClr val="000000"/>
+                </a:solidFill>
+                <a:effectLst/>
+                <a:latin typeface="Consolas" panose="020B0609020204030204" pitchFamily="49" charset="0"/>
+              </a:rPr>
+              <a:t>spec, </a:t>
+            </a:r>
+            <a:r>
+              <a:rPr kumimoji="0" lang="en-US" altLang="en-US" sz="1400" b="0" i="0" u="none" strike="noStrike" cap="none" normalizeH="0" baseline="0" dirty="0">
+                <a:ln>
+                  <a:noFill/>
+                </a:ln>
+                <a:solidFill>
+                  <a:srgbClr val="2B91AF"/>
+                </a:solidFill>
+                <a:effectLst/>
+                <a:latin typeface="Consolas" panose="020B0609020204030204" pitchFamily="49" charset="0"/>
+              </a:rPr>
+              <a:t>BigInteger </a:t>
+            </a:r>
+            <a:r>
+              <a:rPr kumimoji="0" lang="en-US" altLang="en-US" sz="1400" b="0" i="0" u="none" strike="noStrike" cap="none" normalizeH="0" baseline="0" dirty="0">
+                <a:ln>
+                  <a:noFill/>
+                </a:ln>
+                <a:solidFill>
+                  <a:srgbClr val="000000"/>
+                </a:solidFill>
+                <a:effectLst/>
+                <a:latin typeface="Consolas" panose="020B0609020204030204" pitchFamily="49" charset="0"/>
+              </a:rPr>
+              <a:t>blockNumber)</a:t>
+            </a:r>
+            <a:br>
+              <a:rPr kumimoji="0" lang="en-US" altLang="en-US" sz="1400" b="0" i="0" u="none" strike="noStrike" cap="none" normalizeH="0" baseline="0" dirty="0">
+                <a:ln>
+                  <a:noFill/>
+                </a:ln>
+                <a:solidFill>
+                  <a:srgbClr val="000000"/>
+                </a:solidFill>
+                <a:effectLst/>
+                <a:latin typeface="Consolas" panose="020B0609020204030204" pitchFamily="49" charset="0"/>
+              </a:rPr>
+            </a:br>
+            <a:r>
+              <a:rPr kumimoji="0" lang="en-US" altLang="en-US" sz="1400" b="0" i="0" u="none" strike="noStrike" cap="none" normalizeH="0" baseline="0" dirty="0">
+                <a:ln>
+                  <a:noFill/>
+                </a:ln>
+                <a:solidFill>
+                  <a:srgbClr val="000000"/>
+                </a:solidFill>
+                <a:effectLst/>
+                <a:latin typeface="Consolas" panose="020B0609020204030204" pitchFamily="49" charset="0"/>
+              </a:rPr>
+              <a:t>{   </a:t>
+            </a:r>
+            <a:br>
+              <a:rPr kumimoji="0" lang="en-US" altLang="en-US" sz="1400" b="0" i="0" u="none" strike="noStrike" cap="none" normalizeH="0" baseline="0" dirty="0">
+                <a:ln>
+                  <a:noFill/>
+                </a:ln>
+                <a:solidFill>
+                  <a:srgbClr val="000000"/>
+                </a:solidFill>
+                <a:effectLst/>
+                <a:latin typeface="Consolas" panose="020B0609020204030204" pitchFamily="49" charset="0"/>
+              </a:rPr>
+            </a:br>
+            <a:r>
+              <a:rPr kumimoji="0" lang="en-US" altLang="en-US" sz="1400" b="0" i="0" u="none" strike="noStrike" cap="none" normalizeH="0" baseline="0" dirty="0">
+                <a:ln>
+                  <a:noFill/>
+                </a:ln>
+                <a:solidFill>
+                  <a:srgbClr val="000000"/>
+                </a:solidFill>
+                <a:effectLst/>
+                <a:latin typeface="Consolas" panose="020B0609020204030204" pitchFamily="49" charset="0"/>
+              </a:rPr>
+              <a:t>    </a:t>
+            </a:r>
+            <a:r>
+              <a:rPr kumimoji="0" lang="en-US" altLang="en-US" sz="1400" b="0" i="0" u="none" strike="noStrike" cap="none" normalizeH="0" baseline="0" dirty="0">
+                <a:ln>
+                  <a:noFill/>
+                </a:ln>
+                <a:solidFill>
+                  <a:srgbClr val="0000FF"/>
+                </a:solidFill>
+                <a:effectLst/>
+                <a:latin typeface="Consolas" panose="020B0609020204030204" pitchFamily="49" charset="0"/>
+              </a:rPr>
+              <a:t>if </a:t>
+            </a:r>
+            <a:r>
+              <a:rPr kumimoji="0" lang="en-US" altLang="en-US" sz="1400" b="0" i="0" u="none" strike="noStrike" cap="none" normalizeH="0" baseline="0" dirty="0">
+                <a:ln>
+                  <a:noFill/>
+                </a:ln>
+                <a:solidFill>
+                  <a:srgbClr val="000000"/>
+                </a:solidFill>
+                <a:effectLst/>
+                <a:latin typeface="Consolas" panose="020B0609020204030204" pitchFamily="49" charset="0"/>
+              </a:rPr>
+              <a:t>(spec.IsEip649Enabled)</a:t>
+            </a:r>
+            <a:br>
+              <a:rPr kumimoji="0" lang="en-US" altLang="en-US" sz="1400" b="0" i="0" u="none" strike="noStrike" cap="none" normalizeH="0" baseline="0" dirty="0">
+                <a:ln>
+                  <a:noFill/>
+                </a:ln>
+                <a:solidFill>
+                  <a:srgbClr val="000000"/>
+                </a:solidFill>
+                <a:effectLst/>
+                <a:latin typeface="Consolas" panose="020B0609020204030204" pitchFamily="49" charset="0"/>
+              </a:rPr>
+            </a:br>
+            <a:r>
+              <a:rPr kumimoji="0" lang="en-US" altLang="en-US" sz="1400" b="0" i="0" u="none" strike="noStrike" cap="none" normalizeH="0" baseline="0" dirty="0">
+                <a:ln>
+                  <a:noFill/>
+                </a:ln>
+                <a:solidFill>
+                  <a:srgbClr val="000000"/>
+                </a:solidFill>
+                <a:effectLst/>
+                <a:latin typeface="Consolas" panose="020B0609020204030204" pitchFamily="49" charset="0"/>
+              </a:rPr>
+              <a:t>    {</a:t>
+            </a:r>
+            <a:br>
+              <a:rPr kumimoji="0" lang="en-US" altLang="en-US" sz="1400" b="0" i="0" u="none" strike="noStrike" cap="none" normalizeH="0" baseline="0" dirty="0">
+                <a:ln>
+                  <a:noFill/>
+                </a:ln>
+                <a:solidFill>
+                  <a:srgbClr val="000000"/>
+                </a:solidFill>
+                <a:effectLst/>
+                <a:latin typeface="Consolas" panose="020B0609020204030204" pitchFamily="49" charset="0"/>
+              </a:rPr>
+            </a:br>
+            <a:r>
+              <a:rPr kumimoji="0" lang="en-US" altLang="en-US" sz="1400" b="0" i="0" u="none" strike="noStrike" cap="none" normalizeH="0" baseline="0" dirty="0">
+                <a:ln>
+                  <a:noFill/>
+                </a:ln>
+                <a:solidFill>
+                  <a:srgbClr val="000000"/>
+                </a:solidFill>
+                <a:effectLst/>
+                <a:latin typeface="Consolas" panose="020B0609020204030204" pitchFamily="49" charset="0"/>
+              </a:rPr>
+              <a:t>        blockNumber = blockNumber - 3000000;</a:t>
+            </a:r>
+            <a:br>
+              <a:rPr kumimoji="0" lang="en-US" altLang="en-US" sz="1400" b="0" i="0" u="none" strike="noStrike" cap="none" normalizeH="0" baseline="0" dirty="0">
+                <a:ln>
+                  <a:noFill/>
+                </a:ln>
+                <a:solidFill>
+                  <a:srgbClr val="000000"/>
+                </a:solidFill>
+                <a:effectLst/>
+                <a:latin typeface="Consolas" panose="020B0609020204030204" pitchFamily="49" charset="0"/>
+              </a:rPr>
+            </a:br>
+            <a:r>
+              <a:rPr kumimoji="0" lang="en-US" altLang="en-US" sz="1400" b="0" i="0" u="none" strike="noStrike" cap="none" normalizeH="0" baseline="0" dirty="0">
+                <a:ln>
+                  <a:noFill/>
+                </a:ln>
+                <a:solidFill>
+                  <a:srgbClr val="000000"/>
+                </a:solidFill>
+                <a:effectLst/>
+                <a:latin typeface="Consolas" panose="020B0609020204030204" pitchFamily="49" charset="0"/>
+              </a:rPr>
+              <a:t>    }</a:t>
+            </a:r>
+            <a:br>
+              <a:rPr kumimoji="0" lang="en-US" altLang="en-US" sz="1400" b="0" i="0" u="none" strike="noStrike" cap="none" normalizeH="0" baseline="0" dirty="0">
+                <a:ln>
+                  <a:noFill/>
+                </a:ln>
+                <a:solidFill>
+                  <a:srgbClr val="000000"/>
+                </a:solidFill>
+                <a:effectLst/>
+                <a:latin typeface="Consolas" panose="020B0609020204030204" pitchFamily="49" charset="0"/>
+              </a:rPr>
+            </a:br>
+            <a:br>
+              <a:rPr kumimoji="0" lang="en-US" altLang="en-US" sz="1400" b="0" i="0" u="none" strike="noStrike" cap="none" normalizeH="0" baseline="0" dirty="0">
+                <a:ln>
+                  <a:noFill/>
+                </a:ln>
+                <a:solidFill>
+                  <a:srgbClr val="000000"/>
+                </a:solidFill>
+                <a:effectLst/>
+                <a:latin typeface="Consolas" panose="020B0609020204030204" pitchFamily="49" charset="0"/>
+              </a:rPr>
+            </a:br>
+            <a:r>
+              <a:rPr kumimoji="0" lang="en-US" altLang="en-US" sz="1400" b="0" i="0" u="none" strike="noStrike" cap="none" normalizeH="0" baseline="0" dirty="0">
+                <a:ln>
+                  <a:noFill/>
+                </a:ln>
+                <a:solidFill>
+                  <a:srgbClr val="000000"/>
+                </a:solidFill>
+                <a:effectLst/>
+                <a:latin typeface="Consolas" panose="020B0609020204030204" pitchFamily="49" charset="0"/>
+              </a:rPr>
+              <a:t>    </a:t>
+            </a:r>
+            <a:r>
+              <a:rPr kumimoji="0" lang="en-US" altLang="en-US" sz="1400" b="0" i="0" u="none" strike="noStrike" cap="none" normalizeH="0" baseline="0" dirty="0">
+                <a:ln>
+                  <a:noFill/>
+                </a:ln>
+                <a:solidFill>
+                  <a:srgbClr val="0000FF"/>
+                </a:solidFill>
+                <a:effectLst/>
+                <a:latin typeface="Consolas" panose="020B0609020204030204" pitchFamily="49" charset="0"/>
+              </a:rPr>
+              <a:t>return </a:t>
+            </a:r>
+            <a:r>
+              <a:rPr kumimoji="0" lang="en-US" altLang="en-US" sz="1400" b="0" i="0" u="none" strike="noStrike" cap="none" normalizeH="0" baseline="0" dirty="0">
+                <a:ln>
+                  <a:noFill/>
+                </a:ln>
+                <a:solidFill>
+                  <a:srgbClr val="000000"/>
+                </a:solidFill>
+                <a:effectLst/>
+                <a:latin typeface="Consolas" panose="020B0609020204030204" pitchFamily="49" charset="0"/>
+              </a:rPr>
+              <a:t>blockNumber &lt; 200000 ? </a:t>
+            </a:r>
+            <a:r>
+              <a:rPr kumimoji="0" lang="en-US" altLang="en-US" sz="1400" b="0" i="0" u="none" strike="noStrike" cap="none" normalizeH="0" baseline="0" dirty="0">
+                <a:ln>
+                  <a:noFill/>
+                </a:ln>
+                <a:solidFill>
+                  <a:srgbClr val="2B91AF"/>
+                </a:solidFill>
+                <a:effectLst/>
+                <a:latin typeface="Consolas" panose="020B0609020204030204" pitchFamily="49" charset="0"/>
+              </a:rPr>
+              <a:t>BigInteger</a:t>
+            </a:r>
+            <a:r>
+              <a:rPr kumimoji="0" lang="en-US" altLang="en-US" sz="1400" b="0" i="0" u="none" strike="noStrike" cap="none" normalizeH="0" baseline="0" dirty="0">
+                <a:ln>
+                  <a:noFill/>
+                </a:ln>
+                <a:solidFill>
+                  <a:srgbClr val="000000"/>
+                </a:solidFill>
+                <a:effectLst/>
+                <a:latin typeface="Consolas" panose="020B0609020204030204" pitchFamily="49" charset="0"/>
+              </a:rPr>
+              <a:t>.Zero : </a:t>
+            </a:r>
+            <a:r>
+              <a:rPr kumimoji="0" lang="en-US" altLang="en-US" sz="1400" b="0" i="0" u="none" strike="noStrike" cap="none" normalizeH="0" baseline="0" dirty="0">
+                <a:ln>
+                  <a:noFill/>
+                </a:ln>
+                <a:solidFill>
+                  <a:srgbClr val="2B91AF"/>
+                </a:solidFill>
+                <a:effectLst/>
+                <a:latin typeface="Consolas" panose="020B0609020204030204" pitchFamily="49" charset="0"/>
+              </a:rPr>
+              <a:t>BigInteger</a:t>
+            </a:r>
+            <a:r>
+              <a:rPr kumimoji="0" lang="en-US" altLang="en-US" sz="1400" b="0" i="0" u="none" strike="noStrike" cap="none" normalizeH="0" baseline="0" dirty="0">
+                <a:ln>
+                  <a:noFill/>
+                </a:ln>
+                <a:solidFill>
+                  <a:srgbClr val="000000"/>
+                </a:solidFill>
+                <a:effectLst/>
+                <a:latin typeface="Consolas" panose="020B0609020204030204" pitchFamily="49" charset="0"/>
+              </a:rPr>
+              <a:t>.Pow(2, (</a:t>
+            </a:r>
+            <a:r>
+              <a:rPr kumimoji="0" lang="en-US" altLang="en-US" sz="1400" b="0" i="0" u="none" strike="noStrike" cap="none" normalizeH="0" baseline="0" dirty="0">
+                <a:ln>
+                  <a:noFill/>
+                </a:ln>
+                <a:solidFill>
+                  <a:srgbClr val="0000FF"/>
+                </a:solidFill>
+                <a:effectLst/>
+                <a:latin typeface="Consolas" panose="020B0609020204030204" pitchFamily="49" charset="0"/>
+              </a:rPr>
+              <a:t>int</a:t>
+            </a:r>
+            <a:r>
+              <a:rPr kumimoji="0" lang="en-US" altLang="en-US" sz="1400" b="0" i="0" u="none" strike="noStrike" cap="none" normalizeH="0" baseline="0" dirty="0">
+                <a:ln>
+                  <a:noFill/>
+                </a:ln>
+                <a:solidFill>
+                  <a:srgbClr val="000000"/>
+                </a:solidFill>
+                <a:effectLst/>
+                <a:latin typeface="Consolas" panose="020B0609020204030204" pitchFamily="49" charset="0"/>
+              </a:rPr>
+              <a:t>)(</a:t>
+            </a:r>
+            <a:r>
+              <a:rPr kumimoji="0" lang="en-US" altLang="en-US" sz="1400" b="0" i="0" u="none" strike="noStrike" cap="none" normalizeH="0" baseline="0" dirty="0">
+                <a:ln>
+                  <a:noFill/>
+                </a:ln>
+                <a:solidFill>
+                  <a:srgbClr val="2B91AF"/>
+                </a:solidFill>
+                <a:effectLst/>
+                <a:latin typeface="Consolas" panose="020B0609020204030204" pitchFamily="49" charset="0"/>
+              </a:rPr>
+              <a:t>BigInteger</a:t>
+            </a:r>
+            <a:r>
+              <a:rPr kumimoji="0" lang="en-US" altLang="en-US" sz="1400" b="0" i="0" u="none" strike="noStrike" cap="none" normalizeH="0" baseline="0" dirty="0">
+                <a:ln>
+                  <a:noFill/>
+                </a:ln>
+                <a:solidFill>
+                  <a:srgbClr val="000000"/>
+                </a:solidFill>
+                <a:effectLst/>
+                <a:latin typeface="Consolas" panose="020B0609020204030204" pitchFamily="49" charset="0"/>
+              </a:rPr>
+              <a:t>.Divide(blockNumber, 100000) - 2));</a:t>
+            </a:r>
+            <a:br>
+              <a:rPr kumimoji="0" lang="en-US" altLang="en-US" sz="1400" b="0" i="0" u="none" strike="noStrike" cap="none" normalizeH="0" baseline="0" dirty="0">
+                <a:ln>
+                  <a:noFill/>
+                </a:ln>
+                <a:solidFill>
+                  <a:srgbClr val="000000"/>
+                </a:solidFill>
+                <a:effectLst/>
+                <a:latin typeface="Consolas" panose="020B0609020204030204" pitchFamily="49" charset="0"/>
+              </a:rPr>
+            </a:br>
+            <a:r>
+              <a:rPr kumimoji="0" lang="en-US" altLang="en-US" sz="1400" b="0" i="0" u="none" strike="noStrike" cap="none" normalizeH="0" baseline="0" dirty="0">
+                <a:ln>
+                  <a:noFill/>
+                </a:ln>
+                <a:solidFill>
+                  <a:srgbClr val="000000"/>
+                </a:solidFill>
+                <a:effectLst/>
+                <a:latin typeface="Consolas" panose="020B0609020204030204" pitchFamily="49" charset="0"/>
+              </a:rPr>
+              <a:t>}</a:t>
+            </a:r>
+            <a:endParaRPr kumimoji="0" lang="en-US" altLang="en-US" sz="1400" b="0" i="0" u="none" strike="noStrike" cap="none" normalizeH="0" baseline="0" dirty="0">
+              <a:ln>
+                <a:noFill/>
+              </a:ln>
+              <a:solidFill>
+                <a:schemeClr val="tx1"/>
+              </a:solidFill>
+              <a:effectLst/>
+              <a:latin typeface="Arial" panose="020B0604020202020204" pitchFamily="34" charset="0"/>
+            </a:endParaRPr>
           </a:p>
         </p:txBody>
       </p:sp>
-      <p:pic>
-        <p:nvPicPr>
-          <p:cNvPr id="4" name="Picture 3">
-            <a:extLst>
-              <a:ext uri="{FF2B5EF4-FFF2-40B4-BE49-F238E27FC236}">
-                <a16:creationId xmlns:a16="http://schemas.microsoft.com/office/drawing/2014/main" id="{74D62827-7288-4F41-BC6A-49E595F2910F}"/>
-              </a:ext>
-            </a:extLst>
-          </p:cNvPr>
-          <p:cNvPicPr>
-            <a:picLocks noChangeAspect="1"/>
-          </p:cNvPicPr>
-          <p:nvPr/>
-        </p:nvPicPr>
-        <p:blipFill>
-          <a:blip r:embed="rId2"/>
-          <a:stretch>
-            <a:fillRect/>
-          </a:stretch>
-        </p:blipFill>
-        <p:spPr>
-          <a:xfrm>
-            <a:off x="3552825" y="2785268"/>
-            <a:ext cx="11182350" cy="4714875"/>
-          </a:xfrm>
-          <a:prstGeom prst="rect">
-            <a:avLst/>
-          </a:prstGeom>
-        </p:spPr>
-      </p:pic>
     </p:spTree>
     <p:extLst>
       <p:ext uri="{BB962C8B-B14F-4D97-AF65-F5344CB8AC3E}">
-        <p14:creationId xmlns:p14="http://schemas.microsoft.com/office/powerpoint/2010/main" val="2034964456"/>
+        <p14:creationId xmlns:p14="http://schemas.microsoft.com/office/powerpoint/2010/main" val="1914519920"/>
       </p:ext>
     </p:extLst>
   </p:cSld>
@@ -20549,132 +21278,12 @@
           <a:chExt cx="0" cy="0"/>
         </a:xfrm>
       </p:grpSpPr>
-      <p:pic>
-        <p:nvPicPr>
-          <p:cNvPr id="5" name="Picture 4"/>
-          <p:cNvPicPr>
-            <a:picLocks noChangeAspect="1"/>
-          </p:cNvPicPr>
-          <p:nvPr/>
-        </p:nvPicPr>
-        <p:blipFill>
-          <a:blip r:embed="rId2">
-            <a:extLst>
-              <a:ext uri="{28A0092B-C50C-407E-A947-70E740481C1C}">
-                <a14:useLocalDpi xmlns:a14="http://schemas.microsoft.com/office/drawing/2010/main" val="0"/>
-              </a:ext>
-            </a:extLst>
-          </a:blip>
-          <a:stretch>
-            <a:fillRect/>
-          </a:stretch>
-        </p:blipFill>
-        <p:spPr>
-          <a:xfrm>
-            <a:off x="467520" y="386719"/>
-            <a:ext cx="2157954" cy="1970106"/>
-          </a:xfrm>
-          <a:prstGeom prst="rect">
-            <a:avLst/>
-          </a:prstGeom>
-        </p:spPr>
-      </p:pic>
-      <p:pic>
-        <p:nvPicPr>
-          <p:cNvPr id="6" name="Obraz 5"/>
-          <p:cNvPicPr>
-            <a:picLocks noChangeAspect="1"/>
-          </p:cNvPicPr>
-          <p:nvPr/>
-        </p:nvPicPr>
-        <p:blipFill>
-          <a:blip r:embed="rId3">
-            <a:extLst>
-              <a:ext uri="{28A0092B-C50C-407E-A947-70E740481C1C}">
-                <a14:useLocalDpi xmlns:a14="http://schemas.microsoft.com/office/drawing/2010/main" val="0"/>
-              </a:ext>
-            </a:extLst>
-          </a:blip>
-          <a:stretch>
-            <a:fillRect/>
-          </a:stretch>
-        </p:blipFill>
-        <p:spPr>
-          <a:xfrm>
-            <a:off x="-848021" y="-885792"/>
-            <a:ext cx="4085389" cy="4085389"/>
-          </a:xfrm>
-          <a:prstGeom prst="rect">
-            <a:avLst/>
-          </a:prstGeom>
-        </p:spPr>
-      </p:pic>
-      <p:pic>
-        <p:nvPicPr>
-          <p:cNvPr id="7" name="Obraz 6"/>
-          <p:cNvPicPr>
-            <a:picLocks noChangeAspect="1"/>
-          </p:cNvPicPr>
-          <p:nvPr/>
-        </p:nvPicPr>
-        <p:blipFill>
-          <a:blip r:embed="rId4">
-            <a:extLst>
-              <a:ext uri="{28A0092B-C50C-407E-A947-70E740481C1C}">
-                <a14:useLocalDpi xmlns:a14="http://schemas.microsoft.com/office/drawing/2010/main" val="0"/>
-              </a:ext>
-            </a:extLst>
-          </a:blip>
-          <a:stretch>
-            <a:fillRect/>
-          </a:stretch>
-        </p:blipFill>
-        <p:spPr>
-          <a:xfrm>
-            <a:off x="15485167" y="6937515"/>
-            <a:ext cx="4196352" cy="4196352"/>
-          </a:xfrm>
-          <a:prstGeom prst="rect">
-            <a:avLst/>
-          </a:prstGeom>
-        </p:spPr>
-      </p:pic>
-      <p:pic>
-        <p:nvPicPr>
-          <p:cNvPr id="2" name="Picture 1">
-            <a:extLst>
-              <a:ext uri="{FF2B5EF4-FFF2-40B4-BE49-F238E27FC236}">
-                <a16:creationId xmlns:a16="http://schemas.microsoft.com/office/drawing/2014/main" id="{BD1B5819-4869-4F8B-B401-0ACD31EAD507}"/>
-              </a:ext>
-            </a:extLst>
-          </p:cNvPr>
-          <p:cNvPicPr>
-            <a:picLocks noChangeAspect="1"/>
-          </p:cNvPicPr>
-          <p:nvPr/>
-        </p:nvPicPr>
-        <p:blipFill>
-          <a:blip r:embed="rId5"/>
-          <a:stretch>
-            <a:fillRect/>
-          </a:stretch>
-        </p:blipFill>
-        <p:spPr>
-          <a:xfrm>
-            <a:off x="7451655" y="8485188"/>
-            <a:ext cx="2695575" cy="1800225"/>
-          </a:xfrm>
-          <a:prstGeom prst="rect">
-            <a:avLst/>
-          </a:prstGeom>
-        </p:spPr>
-      </p:pic>
       <p:sp>
         <p:nvSpPr>
-          <p:cNvPr id="3" name="Title 2">
+          <p:cNvPr id="2" name="Title 1">
             <a:extLst>
               <a:ext uri="{FF2B5EF4-FFF2-40B4-BE49-F238E27FC236}">
-                <a16:creationId xmlns:a16="http://schemas.microsoft.com/office/drawing/2014/main" id="{19CA39E8-6475-43B3-AB30-1BD3DACA14BB}"/>
+                <a16:creationId xmlns:a16="http://schemas.microsoft.com/office/drawing/2014/main" id="{2DC7CC8D-4A2B-4B43-B72B-C9A5F11A7A19}"/>
               </a:ext>
             </a:extLst>
           </p:cNvPr>
@@ -20682,7 +21291,7 @@
             <a:spLocks noGrp="1"/>
           </p:cNvSpPr>
           <p:nvPr>
-            <p:ph type="ctrTitle"/>
+            <p:ph type="title"/>
           </p:nvPr>
         </p:nvSpPr>
         <p:spPr/>
@@ -20690,21 +21299,16 @@
           <a:bodyPr/>
           <a:lstStyle/>
           <a:p>
-            <a:r>
-              <a:rPr lang="en-GB" dirty="0">
-                <a:latin typeface="Asap" panose="020F0504030102060203" pitchFamily="34" charset="0"/>
-              </a:rPr>
-              <a:t>next ice age block?</a:t>
-            </a:r>
+            <a:endParaRPr lang="en-GB" dirty="0"/>
           </a:p>
         </p:txBody>
       </p:sp>
       <p:sp>
         <p:nvSpPr>
-          <p:cNvPr id="4" name="Subtitle 3">
+          <p:cNvPr id="3" name="Content Placeholder 2">
             <a:extLst>
               <a:ext uri="{FF2B5EF4-FFF2-40B4-BE49-F238E27FC236}">
-                <a16:creationId xmlns:a16="http://schemas.microsoft.com/office/drawing/2014/main" id="{9DC3C257-BFA8-4755-A47E-DEB0CDBC03F6}"/>
+                <a16:creationId xmlns:a16="http://schemas.microsoft.com/office/drawing/2014/main" id="{B14DB3F3-8A49-4C73-B999-7E23E22C1AE4}"/>
               </a:ext>
             </a:extLst>
           </p:cNvPr>
@@ -20712,31 +21316,52 @@
             <a:spLocks noGrp="1"/>
           </p:cNvSpPr>
           <p:nvPr>
-            <p:ph type="subTitle" idx="1"/>
+            <p:ph idx="1"/>
           </p:nvPr>
         </p:nvSpPr>
-        <p:spPr>
-          <a:xfrm>
-            <a:off x="2286000" y="5402223"/>
-            <a:ext cx="13716000" cy="2483260"/>
-          </a:xfrm>
-        </p:spPr>
+        <p:spPr/>
         <p:txBody>
-          <a:bodyPr>
-            <a:normAutofit/>
-          </a:bodyPr>
+          <a:bodyPr/>
           <a:lstStyle/>
           <a:p>
-            <a:endParaRPr lang="en-GB" sz="3200" dirty="0">
-              <a:latin typeface="Asap" panose="020F0504030102060203" pitchFamily="34" charset="0"/>
-            </a:endParaRPr>
+            <a:endParaRPr lang="en-GB"/>
           </a:p>
         </p:txBody>
       </p:sp>
+      <p:pic>
+        <p:nvPicPr>
+          <p:cNvPr id="4" name="Picture 3">
+            <a:extLst>
+              <a:ext uri="{FF2B5EF4-FFF2-40B4-BE49-F238E27FC236}">
+                <a16:creationId xmlns:a16="http://schemas.microsoft.com/office/drawing/2014/main" id="{74D62827-7288-4F41-BC6A-49E595F2910F}"/>
+              </a:ext>
+            </a:extLst>
+          </p:cNvPr>
+          <p:cNvPicPr>
+            <a:picLocks noChangeAspect="1"/>
+          </p:cNvPicPr>
+          <p:nvPr/>
+        </p:nvPicPr>
+        <p:blipFill>
+          <a:blip r:embed="rId2"/>
+          <a:stretch>
+            <a:fillRect/>
+          </a:stretch>
+        </p:blipFill>
+        <p:spPr>
+          <a:xfrm>
+            <a:off x="3552825" y="2785268"/>
+            <a:ext cx="11182350" cy="4714875"/>
+          </a:xfrm>
+          <a:prstGeom prst="rect">
+            <a:avLst/>
+          </a:prstGeom>
+        </p:spPr>
+      </p:pic>
     </p:spTree>
     <p:extLst>
       <p:ext uri="{BB962C8B-B14F-4D97-AF65-F5344CB8AC3E}">
-        <p14:creationId xmlns:p14="http://schemas.microsoft.com/office/powerpoint/2010/main" val="318106026"/>
+        <p14:creationId xmlns:p14="http://schemas.microsoft.com/office/powerpoint/2010/main" val="2034964456"/>
       </p:ext>
     </p:extLst>
   </p:cSld>
@@ -20908,7 +21533,7 @@
               <a:rPr lang="en-GB" dirty="0">
                 <a:latin typeface="Asap" panose="020F0504030102060203" pitchFamily="34" charset="0"/>
               </a:rPr>
-              <a:t>block validation</a:t>
+              <a:t>next ice age block?</a:t>
             </a:r>
           </a:p>
         </p:txBody>
@@ -20931,7 +21556,7 @@
         </p:nvSpPr>
         <p:spPr>
           <a:xfrm>
-            <a:off x="2119745" y="5402223"/>
+            <a:off x="2286000" y="5402223"/>
             <a:ext cx="13716000" cy="2483260"/>
           </a:xfrm>
         </p:spPr>
@@ -20941,19 +21566,16 @@
           </a:bodyPr>
           <a:lstStyle/>
           <a:p>
-            <a:r>
-              <a:rPr lang="en-GB" sz="3200" dirty="0">
-                <a:latin typeface="Asap" panose="020F0504030102060203" pitchFamily="34" charset="0"/>
-              </a:rPr>
-              <a:t>exercise</a:t>
-            </a:r>
+            <a:endParaRPr lang="en-GB" sz="3200" dirty="0">
+              <a:latin typeface="Asap" panose="020F0504030102060203" pitchFamily="34" charset="0"/>
+            </a:endParaRPr>
           </a:p>
         </p:txBody>
       </p:sp>
     </p:spTree>
     <p:extLst>
       <p:ext uri="{BB962C8B-B14F-4D97-AF65-F5344CB8AC3E}">
-        <p14:creationId xmlns:p14="http://schemas.microsoft.com/office/powerpoint/2010/main" val="3794784649"/>
+        <p14:creationId xmlns:p14="http://schemas.microsoft.com/office/powerpoint/2010/main" val="318106026"/>
       </p:ext>
     </p:extLst>
   </p:cSld>
@@ -21118,16 +21740,51 @@
         </p:nvSpPr>
         <p:spPr/>
         <p:txBody>
+          <a:bodyPr/>
+          <a:lstStyle/>
+          <a:p>
+            <a:r>
+              <a:rPr lang="en-GB" dirty="0">
+                <a:latin typeface="Asap" panose="020F0504030102060203" pitchFamily="34" charset="0"/>
+              </a:rPr>
+              <a:t>block validation</a:t>
+            </a:r>
+          </a:p>
+        </p:txBody>
+      </p:sp>
+      <p:sp>
+        <p:nvSpPr>
+          <p:cNvPr id="4" name="Subtitle 3">
+            <a:extLst>
+              <a:ext uri="{FF2B5EF4-FFF2-40B4-BE49-F238E27FC236}">
+                <a16:creationId xmlns:a16="http://schemas.microsoft.com/office/drawing/2014/main" id="{9DC3C257-BFA8-4755-A47E-DEB0CDBC03F6}"/>
+              </a:ext>
+            </a:extLst>
+          </p:cNvPr>
+          <p:cNvSpPr>
+            <a:spLocks noGrp="1"/>
+          </p:cNvSpPr>
+          <p:nvPr>
+            <p:ph type="subTitle" idx="1"/>
+          </p:nvPr>
+        </p:nvSpPr>
+        <p:spPr>
+          <a:xfrm>
+            <a:off x="2119745" y="5402223"/>
+            <a:ext cx="13716000" cy="2483260"/>
+          </a:xfrm>
+        </p:spPr>
+        <p:txBody>
           <a:bodyPr>
             <a:normAutofit/>
           </a:bodyPr>
           <a:lstStyle/>
           <a:p>
             <a:r>
-              <a:rPr lang="en-GB" sz="6600" dirty="0">
+              <a:rPr lang="en-GB" sz="3200" dirty="0">
                 <a:latin typeface="Asap" panose="020F0504030102060203" pitchFamily="34" charset="0"/>
               </a:rPr>
-              <a:t>part 6: mining</a:t>
+              <a:t>exercise</a:t>
             </a:r>
           </a:p>
         </p:txBody>
@@ -21135,7 +21792,7 @@
     </p:spTree>
     <p:extLst>
       <p:ext uri="{BB962C8B-B14F-4D97-AF65-F5344CB8AC3E}">
-        <p14:creationId xmlns:p14="http://schemas.microsoft.com/office/powerpoint/2010/main" val="3912675362"/>
+        <p14:creationId xmlns:p14="http://schemas.microsoft.com/office/powerpoint/2010/main" val="3794784649"/>
       </p:ext>
     </p:extLst>
   </p:cSld>
@@ -21298,59 +21955,26 @@
             <p:ph type="ctrTitle"/>
           </p:nvPr>
         </p:nvSpPr>
-        <p:spPr>
-          <a:xfrm>
-            <a:off x="2286000" y="1683286"/>
-            <a:ext cx="13716000" cy="1664612"/>
-          </a:xfrm>
-        </p:spPr>
+        <p:spPr/>
         <p:txBody>
-          <a:bodyPr/>
+          <a:bodyPr>
+            <a:normAutofit/>
+          </a:bodyPr>
           <a:lstStyle/>
           <a:p>
             <a:r>
-              <a:rPr lang="en-GB" dirty="0">
+              <a:rPr lang="en-GB" sz="6600" dirty="0">
                 <a:latin typeface="Asap" panose="020F0504030102060203" pitchFamily="34" charset="0"/>
               </a:rPr>
-              <a:t>ethash</a:t>
+              <a:t>part 6: mining</a:t>
             </a:r>
           </a:p>
         </p:txBody>
       </p:sp>
-      <p:pic>
-        <p:nvPicPr>
-          <p:cNvPr id="9" name="Picture 8">
-            <a:extLst>
-              <a:ext uri="{FF2B5EF4-FFF2-40B4-BE49-F238E27FC236}">
-                <a16:creationId xmlns:a16="http://schemas.microsoft.com/office/drawing/2014/main" id="{E0D906A1-D2F2-4525-AB29-FC5AC315EFA9}"/>
-              </a:ext>
-            </a:extLst>
-          </p:cNvPr>
-          <p:cNvPicPr>
-            <a:picLocks noChangeAspect="1"/>
-          </p:cNvPicPr>
-          <p:nvPr/>
-        </p:nvPicPr>
-        <p:blipFill>
-          <a:blip r:embed="rId6"/>
-          <a:stretch>
-            <a:fillRect/>
-          </a:stretch>
-        </p:blipFill>
-        <p:spPr>
-          <a:xfrm>
-            <a:off x="3896254" y="3347898"/>
-            <a:ext cx="10183428" cy="5210535"/>
-          </a:xfrm>
-          <a:prstGeom prst="rect">
-            <a:avLst/>
-          </a:prstGeom>
-        </p:spPr>
-      </p:pic>
     </p:spTree>
     <p:extLst>
       <p:ext uri="{BB962C8B-B14F-4D97-AF65-F5344CB8AC3E}">
-        <p14:creationId xmlns:p14="http://schemas.microsoft.com/office/powerpoint/2010/main" val="3940518633"/>
+        <p14:creationId xmlns:p14="http://schemas.microsoft.com/office/powerpoint/2010/main" val="3912675362"/>
       </p:ext>
     </p:extLst>
   </p:cSld>
@@ -21739,7 +22363,12 @@
             <p:ph type="ctrTitle"/>
           </p:nvPr>
         </p:nvSpPr>
-        <p:spPr/>
+        <p:spPr>
+          <a:xfrm>
+            <a:off x="2286000" y="1683286"/>
+            <a:ext cx="13716000" cy="1664612"/>
+          </a:xfrm>
+        </p:spPr>
         <p:txBody>
           <a:bodyPr/>
           <a:lstStyle/>
@@ -21748,655 +22377,45 @@
               <a:rPr lang="en-GB" dirty="0">
                 <a:latin typeface="Asap" panose="020F0504030102060203" pitchFamily="34" charset="0"/>
               </a:rPr>
-              <a:t>verification</a:t>
+              <a:t>ethash</a:t>
             </a:r>
           </a:p>
         </p:txBody>
       </p:sp>
-      <p:sp>
-        <p:nvSpPr>
-          <p:cNvPr id="8" name="Rectangle 1">
+      <p:pic>
+        <p:nvPicPr>
+          <p:cNvPr id="9" name="Picture 8">
             <a:extLst>
               <a:ext uri="{FF2B5EF4-FFF2-40B4-BE49-F238E27FC236}">
-                <a16:creationId xmlns:a16="http://schemas.microsoft.com/office/drawing/2014/main" id="{3B733C35-F9CF-4B5B-9579-0C8535CCD150}"/>
+                <a16:creationId xmlns:a16="http://schemas.microsoft.com/office/drawing/2014/main" id="{E0D906A1-D2F2-4525-AB29-FC5AC315EFA9}"/>
               </a:ext>
             </a:extLst>
           </p:cNvPr>
-          <p:cNvSpPr>
-            <a:spLocks noGrp="1" noChangeArrowheads="1"/>
-          </p:cNvSpPr>
-          <p:nvPr>
-            <p:ph type="subTitle" idx="1"/>
-          </p:nvPr>
-        </p:nvSpPr>
-        <p:spPr bwMode="auto">
-          <a:xfrm>
-            <a:off x="3512127" y="5495709"/>
-            <a:ext cx="10421443" cy="2462213"/>
-          </a:xfrm>
-          <a:prstGeom prst="rect">
-            <a:avLst/>
-          </a:prstGeom>
-          <a:solidFill>
-            <a:srgbClr val="FFFFFF"/>
-          </a:solidFill>
-          <a:ln>
-            <a:noFill/>
-          </a:ln>
-          <a:effectLst/>
-          <a:extLst>
-            <a:ext uri="{91240B29-F687-4F45-9708-019B960494DF}">
-              <a14:hiddenLine xmlns:a14="http://schemas.microsoft.com/office/drawing/2010/main" w="9525">
-                <a:solidFill>
-                  <a:schemeClr val="tx1"/>
-                </a:solidFill>
-                <a:miter lim="800000"/>
-                <a:headEnd/>
-                <a:tailEnd/>
-              </a14:hiddenLine>
-            </a:ext>
-            <a:ext uri="{AF507438-7753-43E0-B8FC-AC1667EBCBE1}">
-              <a14:hiddenEffects xmlns:a14="http://schemas.microsoft.com/office/drawing/2010/main">
-                <a:effectLst>
-                  <a:outerShdw dist="35921" dir="2700000" algn="ctr" rotWithShape="0">
-                    <a:schemeClr val="bg2"/>
-                  </a:outerShdw>
-                </a:effectLst>
-              </a14:hiddenEffects>
-            </a:ext>
-          </a:extLst>
-        </p:spPr>
-        <p:txBody>
-          <a:bodyPr vert="horz" wrap="none" lIns="91440" tIns="45720" rIns="91440" bIns="45720" numCol="1" anchor="ctr" anchorCtr="0" compatLnSpc="1">
-            <a:prstTxWarp prst="textNoShape">
-              <a:avLst/>
-            </a:prstTxWarp>
-            <a:spAutoFit/>
-          </a:bodyPr>
-          <a:lstStyle/>
-          <a:p>
-            <a:pPr marL="0" marR="0" lvl="0" indent="0" algn="l" defTabSz="914400" rtl="0" eaLnBrk="0" fontAlgn="base" latinLnBrk="0" hangingPunct="0">
-              <a:lnSpc>
-                <a:spcPct val="100000"/>
-              </a:lnSpc>
-              <a:spcBef>
-                <a:spcPct val="0"/>
-              </a:spcBef>
-              <a:spcAft>
-                <a:spcPct val="0"/>
-              </a:spcAft>
-              <a:buClrTx/>
-              <a:buSzTx/>
-              <a:buFontTx/>
-              <a:buNone/>
-              <a:tabLst/>
-            </a:pPr>
-            <a:r>
-              <a:rPr kumimoji="0" lang="en-US" altLang="en-US" sz="1400" b="0" i="0" u="none" strike="noStrike" cap="none" normalizeH="0" baseline="0" dirty="0">
-                <a:ln>
-                  <a:noFill/>
-                </a:ln>
-                <a:solidFill>
-                  <a:srgbClr val="0000FF"/>
-                </a:solidFill>
-                <a:effectLst/>
-                <a:latin typeface="Consolas" panose="020B0609020204030204" pitchFamily="49" charset="0"/>
-              </a:rPr>
-              <a:t>public bool </a:t>
-            </a:r>
-            <a:r>
-              <a:rPr kumimoji="0" lang="en-US" altLang="en-US" sz="1400" b="0" i="0" u="none" strike="noStrike" cap="none" normalizeH="0" baseline="0" dirty="0">
-                <a:ln>
-                  <a:noFill/>
-                </a:ln>
-                <a:solidFill>
-                  <a:srgbClr val="000000"/>
-                </a:solidFill>
-                <a:effectLst/>
-                <a:latin typeface="Consolas" panose="020B0609020204030204" pitchFamily="49" charset="0"/>
-              </a:rPr>
-              <a:t>Validate(</a:t>
-            </a:r>
-            <a:r>
-              <a:rPr kumimoji="0" lang="en-US" altLang="en-US" sz="1400" b="0" i="0" u="none" strike="noStrike" cap="none" normalizeH="0" baseline="0" dirty="0">
-                <a:ln>
-                  <a:noFill/>
-                </a:ln>
-                <a:solidFill>
-                  <a:srgbClr val="2B91AF"/>
-                </a:solidFill>
-                <a:effectLst/>
-                <a:latin typeface="Consolas" panose="020B0609020204030204" pitchFamily="49" charset="0"/>
-              </a:rPr>
-              <a:t>BlockHeader </a:t>
-            </a:r>
-            <a:r>
-              <a:rPr kumimoji="0" lang="en-US" altLang="en-US" sz="1400" b="0" i="0" u="none" strike="noStrike" cap="none" normalizeH="0" baseline="0" dirty="0">
-                <a:ln>
-                  <a:noFill/>
-                </a:ln>
-                <a:solidFill>
-                  <a:srgbClr val="000000"/>
-                </a:solidFill>
-                <a:effectLst/>
-                <a:latin typeface="Consolas" panose="020B0609020204030204" pitchFamily="49" charset="0"/>
-              </a:rPr>
-              <a:t>header)</a:t>
-            </a:r>
-            <a:br>
-              <a:rPr kumimoji="0" lang="en-US" altLang="en-US" sz="1400" b="0" i="0" u="none" strike="noStrike" cap="none" normalizeH="0" baseline="0" dirty="0">
-                <a:ln>
-                  <a:noFill/>
-                </a:ln>
-                <a:solidFill>
-                  <a:srgbClr val="000000"/>
-                </a:solidFill>
-                <a:effectLst/>
-                <a:latin typeface="Consolas" panose="020B0609020204030204" pitchFamily="49" charset="0"/>
-              </a:rPr>
-            </a:br>
-            <a:r>
-              <a:rPr kumimoji="0" lang="en-US" altLang="en-US" sz="1400" b="0" i="0" u="none" strike="noStrike" cap="none" normalizeH="0" baseline="0" dirty="0">
-                <a:ln>
-                  <a:noFill/>
-                </a:ln>
-                <a:solidFill>
-                  <a:srgbClr val="000000"/>
-                </a:solidFill>
-                <a:effectLst/>
-                <a:latin typeface="Consolas" panose="020B0609020204030204" pitchFamily="49" charset="0"/>
-              </a:rPr>
-              <a:t>{</a:t>
-            </a:r>
-            <a:br>
-              <a:rPr kumimoji="0" lang="en-US" altLang="en-US" sz="1400" b="0" i="0" u="none" strike="noStrike" cap="none" normalizeH="0" baseline="0" dirty="0">
-                <a:ln>
-                  <a:noFill/>
-                </a:ln>
-                <a:solidFill>
-                  <a:srgbClr val="000000"/>
-                </a:solidFill>
-                <a:effectLst/>
-                <a:latin typeface="Consolas" panose="020B0609020204030204" pitchFamily="49" charset="0"/>
-              </a:rPr>
-            </a:br>
-            <a:r>
-              <a:rPr kumimoji="0" lang="en-US" altLang="en-US" sz="1400" b="0" i="0" u="none" strike="noStrike" cap="none" normalizeH="0" baseline="0" dirty="0">
-                <a:ln>
-                  <a:noFill/>
-                </a:ln>
-                <a:solidFill>
-                  <a:srgbClr val="000000"/>
-                </a:solidFill>
-                <a:effectLst/>
-                <a:latin typeface="Consolas" panose="020B0609020204030204" pitchFamily="49" charset="0"/>
-              </a:rPr>
-              <a:t>    </a:t>
-            </a:r>
-            <a:r>
-              <a:rPr kumimoji="0" lang="en-US" altLang="en-US" sz="1400" b="0" i="0" u="none" strike="noStrike" cap="none" normalizeH="0" baseline="0" dirty="0">
-                <a:ln>
-                  <a:noFill/>
-                </a:ln>
-                <a:solidFill>
-                  <a:srgbClr val="0000FF"/>
-                </a:solidFill>
-                <a:effectLst/>
-                <a:latin typeface="Consolas" panose="020B0609020204030204" pitchFamily="49" charset="0"/>
-              </a:rPr>
-              <a:t>uint </a:t>
-            </a:r>
-            <a:r>
-              <a:rPr kumimoji="0" lang="en-US" altLang="en-US" sz="1400" b="0" i="0" u="none" strike="noStrike" cap="none" normalizeH="0" baseline="0" dirty="0">
-                <a:ln>
-                  <a:noFill/>
-                </a:ln>
-                <a:solidFill>
-                  <a:srgbClr val="000000"/>
-                </a:solidFill>
-                <a:effectLst/>
-                <a:latin typeface="Consolas" panose="020B0609020204030204" pitchFamily="49" charset="0"/>
-              </a:rPr>
-              <a:t>epoch = GetEpoch(header.Number);</a:t>
-            </a:r>
-            <a:br>
-              <a:rPr kumimoji="0" lang="en-US" altLang="en-US" sz="1400" b="0" i="0" u="none" strike="noStrike" cap="none" normalizeH="0" baseline="0" dirty="0">
-                <a:ln>
-                  <a:noFill/>
-                </a:ln>
-                <a:solidFill>
-                  <a:srgbClr val="000000"/>
-                </a:solidFill>
-                <a:effectLst/>
-                <a:latin typeface="Consolas" panose="020B0609020204030204" pitchFamily="49" charset="0"/>
-              </a:rPr>
-            </a:br>
-            <a:r>
-              <a:rPr kumimoji="0" lang="en-US" altLang="en-US" sz="1400" b="0" i="0" u="none" strike="noStrike" cap="none" normalizeH="0" baseline="0" dirty="0">
-                <a:ln>
-                  <a:noFill/>
-                </a:ln>
-                <a:solidFill>
-                  <a:srgbClr val="000000"/>
-                </a:solidFill>
-                <a:effectLst/>
-                <a:latin typeface="Consolas" panose="020B0609020204030204" pitchFamily="49" charset="0"/>
-              </a:rPr>
-              <a:t>    </a:t>
-            </a:r>
-            <a:r>
-              <a:rPr kumimoji="0" lang="en-US" altLang="en-US" sz="1400" b="0" i="0" u="none" strike="noStrike" cap="none" normalizeH="0" baseline="0" dirty="0">
-                <a:ln>
-                  <a:noFill/>
-                </a:ln>
-                <a:solidFill>
-                  <a:srgbClr val="2B91AF"/>
-                </a:solidFill>
-                <a:effectLst/>
-                <a:latin typeface="Consolas" panose="020B0609020204030204" pitchFamily="49" charset="0"/>
-              </a:rPr>
-              <a:t>IEthashDataSet </a:t>
-            </a:r>
-            <a:r>
-              <a:rPr kumimoji="0" lang="en-US" altLang="en-US" sz="1400" b="0" i="0" u="none" strike="noStrike" cap="none" normalizeH="0" baseline="0" dirty="0">
-                <a:ln>
-                  <a:noFill/>
-                </a:ln>
-                <a:solidFill>
-                  <a:srgbClr val="000000"/>
-                </a:solidFill>
-                <a:effectLst/>
-                <a:latin typeface="Consolas" panose="020B0609020204030204" pitchFamily="49" charset="0"/>
-              </a:rPr>
-              <a:t>cache = GetOrAddCache(epoch);</a:t>
-            </a:r>
-            <a:br>
-              <a:rPr kumimoji="0" lang="en-US" altLang="en-US" sz="1400" b="0" i="0" u="none" strike="noStrike" cap="none" normalizeH="0" baseline="0" dirty="0">
-                <a:ln>
-                  <a:noFill/>
-                </a:ln>
-                <a:solidFill>
-                  <a:srgbClr val="000000"/>
-                </a:solidFill>
-                <a:effectLst/>
-                <a:latin typeface="Consolas" panose="020B0609020204030204" pitchFamily="49" charset="0"/>
-              </a:rPr>
-            </a:br>
-            <a:r>
-              <a:rPr kumimoji="0" lang="en-US" altLang="en-US" sz="1400" b="0" i="0" u="none" strike="noStrike" cap="none" normalizeH="0" baseline="0" dirty="0">
-                <a:ln>
-                  <a:noFill/>
-                </a:ln>
-                <a:solidFill>
-                  <a:srgbClr val="000000"/>
-                </a:solidFill>
-                <a:effectLst/>
-                <a:latin typeface="Consolas" panose="020B0609020204030204" pitchFamily="49" charset="0"/>
-              </a:rPr>
-              <a:t>    </a:t>
-            </a:r>
-            <a:r>
-              <a:rPr kumimoji="0" lang="en-US" altLang="en-US" sz="1400" b="0" i="0" u="none" strike="noStrike" cap="none" normalizeH="0" baseline="0" dirty="0">
-                <a:ln>
-                  <a:noFill/>
-                </a:ln>
-                <a:solidFill>
-                  <a:srgbClr val="0000FF"/>
-                </a:solidFill>
-                <a:effectLst/>
-                <a:latin typeface="Consolas" panose="020B0609020204030204" pitchFamily="49" charset="0"/>
-              </a:rPr>
-              <a:t>ulong </a:t>
-            </a:r>
-            <a:r>
-              <a:rPr kumimoji="0" lang="en-US" altLang="en-US" sz="1400" b="0" i="0" u="none" strike="noStrike" cap="none" normalizeH="0" baseline="0" dirty="0">
-                <a:ln>
-                  <a:noFill/>
-                </a:ln>
-                <a:solidFill>
-                  <a:srgbClr val="000000"/>
-                </a:solidFill>
-                <a:effectLst/>
-                <a:latin typeface="Consolas" panose="020B0609020204030204" pitchFamily="49" charset="0"/>
-              </a:rPr>
-              <a:t>fullSize = GetDataSize(epoch);</a:t>
-            </a:r>
-            <a:br>
-              <a:rPr kumimoji="0" lang="en-US" altLang="en-US" sz="1400" b="0" i="0" u="none" strike="noStrike" cap="none" normalizeH="0" baseline="0" dirty="0">
-                <a:ln>
-                  <a:noFill/>
-                </a:ln>
-                <a:solidFill>
-                  <a:srgbClr val="000000"/>
-                </a:solidFill>
-                <a:effectLst/>
-                <a:latin typeface="Consolas" panose="020B0609020204030204" pitchFamily="49" charset="0"/>
-              </a:rPr>
-            </a:br>
-            <a:r>
-              <a:rPr kumimoji="0" lang="en-US" altLang="en-US" sz="1400" b="0" i="0" u="none" strike="noStrike" cap="none" normalizeH="0" baseline="0" dirty="0">
-                <a:ln>
-                  <a:noFill/>
-                </a:ln>
-                <a:solidFill>
-                  <a:srgbClr val="000000"/>
-                </a:solidFill>
-                <a:effectLst/>
-                <a:latin typeface="Consolas" panose="020B0609020204030204" pitchFamily="49" charset="0"/>
-              </a:rPr>
-              <a:t>    </a:t>
-            </a:r>
-            <a:r>
-              <a:rPr kumimoji="0" lang="en-US" altLang="en-US" sz="1400" b="0" i="0" u="none" strike="noStrike" cap="none" normalizeH="0" baseline="0" dirty="0">
-                <a:ln>
-                  <a:noFill/>
-                </a:ln>
-                <a:solidFill>
-                  <a:srgbClr val="2B91AF"/>
-                </a:solidFill>
-                <a:effectLst/>
-                <a:latin typeface="Consolas" panose="020B0609020204030204" pitchFamily="49" charset="0"/>
-              </a:rPr>
-              <a:t>Keccak </a:t>
-            </a:r>
-            <a:r>
-              <a:rPr kumimoji="0" lang="en-US" altLang="en-US" sz="1400" b="0" i="0" u="none" strike="noStrike" cap="none" normalizeH="0" baseline="0" dirty="0">
-                <a:ln>
-                  <a:noFill/>
-                </a:ln>
-                <a:solidFill>
-                  <a:srgbClr val="000000"/>
-                </a:solidFill>
-                <a:effectLst/>
-                <a:latin typeface="Consolas" panose="020B0609020204030204" pitchFamily="49" charset="0"/>
-              </a:rPr>
-              <a:t>headerHashed = GetTruncatedHash(header);</a:t>
-            </a:r>
-            <a:br>
-              <a:rPr kumimoji="0" lang="en-US" altLang="en-US" sz="1400" b="0" i="0" u="none" strike="noStrike" cap="none" normalizeH="0" baseline="0" dirty="0">
-                <a:ln>
-                  <a:noFill/>
-                </a:ln>
-                <a:solidFill>
-                  <a:srgbClr val="000000"/>
-                </a:solidFill>
-                <a:effectLst/>
-                <a:latin typeface="Consolas" panose="020B0609020204030204" pitchFamily="49" charset="0"/>
-              </a:rPr>
-            </a:br>
-            <a:r>
-              <a:rPr kumimoji="0" lang="en-US" altLang="en-US" sz="1400" b="0" i="0" u="none" strike="noStrike" cap="none" normalizeH="0" baseline="0" dirty="0">
-                <a:ln>
-                  <a:noFill/>
-                </a:ln>
-                <a:solidFill>
-                  <a:srgbClr val="000000"/>
-                </a:solidFill>
-                <a:effectLst/>
-                <a:latin typeface="Consolas" panose="020B0609020204030204" pitchFamily="49" charset="0"/>
-              </a:rPr>
-              <a:t>    (</a:t>
-            </a:r>
-            <a:r>
-              <a:rPr kumimoji="0" lang="en-US" altLang="en-US" sz="1400" b="0" i="0" u="none" strike="noStrike" cap="none" normalizeH="0" baseline="0" dirty="0">
-                <a:ln>
-                  <a:noFill/>
-                </a:ln>
-                <a:solidFill>
-                  <a:srgbClr val="0000FF"/>
-                </a:solidFill>
-                <a:effectLst/>
-                <a:latin typeface="Consolas" panose="020B0609020204030204" pitchFamily="49" charset="0"/>
-              </a:rPr>
-              <a:t>byte</a:t>
-            </a:r>
-            <a:r>
-              <a:rPr kumimoji="0" lang="en-US" altLang="en-US" sz="1400" b="0" i="0" u="none" strike="noStrike" cap="none" normalizeH="0" baseline="0" dirty="0">
-                <a:ln>
-                  <a:noFill/>
-                </a:ln>
-                <a:solidFill>
-                  <a:srgbClr val="000000"/>
-                </a:solidFill>
-                <a:effectLst/>
-                <a:latin typeface="Consolas" panose="020B0609020204030204" pitchFamily="49" charset="0"/>
-              </a:rPr>
-              <a:t>[] _, </a:t>
-            </a:r>
-            <a:r>
-              <a:rPr kumimoji="0" lang="en-US" altLang="en-US" sz="1400" b="0" i="0" u="none" strike="noStrike" cap="none" normalizeH="0" baseline="0" dirty="0">
-                <a:ln>
-                  <a:noFill/>
-                </a:ln>
-                <a:solidFill>
-                  <a:srgbClr val="0000FF"/>
-                </a:solidFill>
-                <a:effectLst/>
-                <a:latin typeface="Consolas" panose="020B0609020204030204" pitchFamily="49" charset="0"/>
-              </a:rPr>
-              <a:t>byte</a:t>
-            </a:r>
-            <a:r>
-              <a:rPr kumimoji="0" lang="en-US" altLang="en-US" sz="1400" b="0" i="0" u="none" strike="noStrike" cap="none" normalizeH="0" baseline="0" dirty="0">
-                <a:ln>
-                  <a:noFill/>
-                </a:ln>
-                <a:solidFill>
-                  <a:srgbClr val="000000"/>
-                </a:solidFill>
-                <a:effectLst/>
-                <a:latin typeface="Consolas" panose="020B0609020204030204" pitchFamily="49" charset="0"/>
-              </a:rPr>
-              <a:t>[] result) = Hashimoto(fullSize, cache, headerHashed, header.MixHash, header.Nonce);</a:t>
-            </a:r>
-            <a:br>
-              <a:rPr kumimoji="0" lang="en-US" altLang="en-US" sz="1400" b="0" i="0" u="none" strike="noStrike" cap="none" normalizeH="0" baseline="0" dirty="0">
-                <a:ln>
-                  <a:noFill/>
-                </a:ln>
-                <a:solidFill>
-                  <a:srgbClr val="000000"/>
-                </a:solidFill>
-                <a:effectLst/>
-                <a:latin typeface="Consolas" panose="020B0609020204030204" pitchFamily="49" charset="0"/>
-              </a:rPr>
-            </a:br>
-            <a:br>
-              <a:rPr kumimoji="0" lang="en-US" altLang="en-US" sz="1400" b="0" i="0" u="none" strike="noStrike" cap="none" normalizeH="0" baseline="0" dirty="0">
-                <a:ln>
-                  <a:noFill/>
-                </a:ln>
-                <a:solidFill>
-                  <a:srgbClr val="000000"/>
-                </a:solidFill>
-                <a:effectLst/>
-                <a:latin typeface="Consolas" panose="020B0609020204030204" pitchFamily="49" charset="0"/>
-              </a:rPr>
-            </a:br>
-            <a:r>
-              <a:rPr kumimoji="0" lang="en-US" altLang="en-US" sz="1400" b="0" i="0" u="none" strike="noStrike" cap="none" normalizeH="0" baseline="0" dirty="0">
-                <a:ln>
-                  <a:noFill/>
-                </a:ln>
-                <a:solidFill>
-                  <a:srgbClr val="000000"/>
-                </a:solidFill>
-                <a:effectLst/>
-                <a:latin typeface="Consolas" panose="020B0609020204030204" pitchFamily="49" charset="0"/>
-              </a:rPr>
-              <a:t>    </a:t>
-            </a:r>
-            <a:r>
-              <a:rPr kumimoji="0" lang="en-US" altLang="en-US" sz="1400" b="0" i="0" u="none" strike="noStrike" cap="none" normalizeH="0" baseline="0" dirty="0">
-                <a:ln>
-                  <a:noFill/>
-                </a:ln>
-                <a:solidFill>
-                  <a:srgbClr val="2B91AF"/>
-                </a:solidFill>
-                <a:effectLst/>
-                <a:latin typeface="Consolas" panose="020B0609020204030204" pitchFamily="49" charset="0"/>
-              </a:rPr>
-              <a:t>BigInteger </a:t>
-            </a:r>
-            <a:r>
-              <a:rPr kumimoji="0" lang="en-US" altLang="en-US" sz="1400" b="0" i="0" u="none" strike="noStrike" cap="none" normalizeH="0" baseline="0" dirty="0">
-                <a:ln>
-                  <a:noFill/>
-                </a:ln>
-                <a:solidFill>
-                  <a:srgbClr val="000000"/>
-                </a:solidFill>
-                <a:effectLst/>
-                <a:latin typeface="Consolas" panose="020B0609020204030204" pitchFamily="49" charset="0"/>
-              </a:rPr>
-              <a:t>threshold = </a:t>
-            </a:r>
-            <a:r>
-              <a:rPr kumimoji="0" lang="en-US" altLang="en-US" sz="1400" b="0" i="0" u="none" strike="noStrike" cap="none" normalizeH="0" baseline="0" dirty="0">
-                <a:ln>
-                  <a:noFill/>
-                </a:ln>
-                <a:solidFill>
-                  <a:srgbClr val="2B91AF"/>
-                </a:solidFill>
-                <a:effectLst/>
-                <a:latin typeface="Consolas" panose="020B0609020204030204" pitchFamily="49" charset="0"/>
-              </a:rPr>
-              <a:t>BigInteger</a:t>
-            </a:r>
-            <a:r>
-              <a:rPr kumimoji="0" lang="en-US" altLang="en-US" sz="1400" b="0" i="0" u="none" strike="noStrike" cap="none" normalizeH="0" baseline="0" dirty="0">
-                <a:ln>
-                  <a:noFill/>
-                </a:ln>
-                <a:solidFill>
-                  <a:srgbClr val="000000"/>
-                </a:solidFill>
-                <a:effectLst/>
-                <a:latin typeface="Consolas" panose="020B0609020204030204" pitchFamily="49" charset="0"/>
-              </a:rPr>
-              <a:t>.Divide(</a:t>
-            </a:r>
-            <a:r>
-              <a:rPr kumimoji="0" lang="en-US" altLang="en-US" sz="1400" b="0" i="0" u="none" strike="noStrike" cap="none" normalizeH="0" baseline="0" dirty="0">
-                <a:ln>
-                  <a:noFill/>
-                </a:ln>
-                <a:solidFill>
-                  <a:srgbClr val="2B91AF"/>
-                </a:solidFill>
-                <a:effectLst/>
-                <a:latin typeface="Consolas" panose="020B0609020204030204" pitchFamily="49" charset="0"/>
-              </a:rPr>
-              <a:t>BigInteger</a:t>
-            </a:r>
-            <a:r>
-              <a:rPr kumimoji="0" lang="en-US" altLang="en-US" sz="1400" b="0" i="0" u="none" strike="noStrike" cap="none" normalizeH="0" baseline="0" dirty="0">
-                <a:ln>
-                  <a:noFill/>
-                </a:ln>
-                <a:solidFill>
-                  <a:srgbClr val="000000"/>
-                </a:solidFill>
-                <a:effectLst/>
-                <a:latin typeface="Consolas" panose="020B0609020204030204" pitchFamily="49" charset="0"/>
-              </a:rPr>
-              <a:t>.Pow(2, 256), header.Difficulty);</a:t>
-            </a:r>
-            <a:br>
-              <a:rPr kumimoji="0" lang="en-US" altLang="en-US" sz="1400" b="0" i="0" u="none" strike="noStrike" cap="none" normalizeH="0" baseline="0" dirty="0">
-                <a:ln>
-                  <a:noFill/>
-                </a:ln>
-                <a:solidFill>
-                  <a:srgbClr val="000000"/>
-                </a:solidFill>
-                <a:effectLst/>
-                <a:latin typeface="Consolas" panose="020B0609020204030204" pitchFamily="49" charset="0"/>
-              </a:rPr>
-            </a:br>
-            <a:r>
-              <a:rPr kumimoji="0" lang="en-US" altLang="en-US" sz="1400" b="0" i="0" u="none" strike="noStrike" cap="none" normalizeH="0" baseline="0" dirty="0">
-                <a:ln>
-                  <a:noFill/>
-                </a:ln>
-                <a:solidFill>
-                  <a:srgbClr val="000000"/>
-                </a:solidFill>
-                <a:effectLst/>
-                <a:latin typeface="Consolas" panose="020B0609020204030204" pitchFamily="49" charset="0"/>
-              </a:rPr>
-              <a:t>    </a:t>
-            </a:r>
-            <a:r>
-              <a:rPr kumimoji="0" lang="en-US" altLang="en-US" sz="1400" b="0" i="0" u="none" strike="noStrike" cap="none" normalizeH="0" baseline="0" dirty="0">
-                <a:ln>
-                  <a:noFill/>
-                </a:ln>
-                <a:solidFill>
-                  <a:srgbClr val="0000FF"/>
-                </a:solidFill>
-                <a:effectLst/>
-                <a:latin typeface="Consolas" panose="020B0609020204030204" pitchFamily="49" charset="0"/>
-              </a:rPr>
-              <a:t>return </a:t>
-            </a:r>
-            <a:r>
-              <a:rPr kumimoji="0" lang="en-US" altLang="en-US" sz="1400" b="0" i="0" u="none" strike="noStrike" cap="none" normalizeH="0" baseline="0" dirty="0">
-                <a:ln>
-                  <a:noFill/>
-                </a:ln>
-                <a:solidFill>
-                  <a:srgbClr val="000000"/>
-                </a:solidFill>
-                <a:effectLst/>
-                <a:latin typeface="Consolas" panose="020B0609020204030204" pitchFamily="49" charset="0"/>
-              </a:rPr>
-              <a:t>IsLessThanTarget(result, threshold);</a:t>
-            </a:r>
-            <a:br>
-              <a:rPr kumimoji="0" lang="en-US" altLang="en-US" sz="1400" b="0" i="0" u="none" strike="noStrike" cap="none" normalizeH="0" baseline="0" dirty="0">
-                <a:ln>
-                  <a:noFill/>
-                </a:ln>
-                <a:solidFill>
-                  <a:srgbClr val="000000"/>
-                </a:solidFill>
-                <a:effectLst/>
-                <a:latin typeface="Consolas" panose="020B0609020204030204" pitchFamily="49" charset="0"/>
-              </a:rPr>
-            </a:br>
-            <a:r>
-              <a:rPr kumimoji="0" lang="en-US" altLang="en-US" sz="1400" b="0" i="0" u="none" strike="noStrike" cap="none" normalizeH="0" baseline="0" dirty="0">
-                <a:ln>
-                  <a:noFill/>
-                </a:ln>
-                <a:solidFill>
-                  <a:srgbClr val="000000"/>
-                </a:solidFill>
-                <a:effectLst/>
-                <a:latin typeface="Consolas" panose="020B0609020204030204" pitchFamily="49" charset="0"/>
-              </a:rPr>
-              <a:t>}</a:t>
-            </a:r>
-            <a:endParaRPr kumimoji="0" lang="en-US" altLang="en-US" sz="1400" b="0" i="0" u="none" strike="noStrike" cap="none" normalizeH="0" baseline="0" dirty="0">
-              <a:ln>
-                <a:noFill/>
-              </a:ln>
-              <a:solidFill>
-                <a:schemeClr val="tx1"/>
-              </a:solidFill>
-              <a:effectLst/>
-              <a:latin typeface="Arial" panose="020B0604020202020204" pitchFamily="34" charset="0"/>
-            </a:endParaRPr>
-          </a:p>
-        </p:txBody>
-      </p:sp>
+          <p:cNvPicPr>
+            <a:picLocks noChangeAspect="1"/>
+          </p:cNvPicPr>
+          <p:nvPr/>
+        </p:nvPicPr>
+        <p:blipFill>
+          <a:blip r:embed="rId6"/>
+          <a:stretch>
+            <a:fillRect/>
+          </a:stretch>
+        </p:blipFill>
+        <p:spPr>
+          <a:xfrm>
+            <a:off x="3896254" y="3347898"/>
+            <a:ext cx="10183428" cy="5210535"/>
+          </a:xfrm>
+          <a:prstGeom prst="rect">
+            <a:avLst/>
+          </a:prstGeom>
+        </p:spPr>
+      </p:pic>
     </p:spTree>
     <p:extLst>
       <p:ext uri="{BB962C8B-B14F-4D97-AF65-F5344CB8AC3E}">
-        <p14:creationId xmlns:p14="http://schemas.microsoft.com/office/powerpoint/2010/main" val="424900860"/>
+        <p14:creationId xmlns:p14="http://schemas.microsoft.com/office/powerpoint/2010/main" val="3940518633"/>
       </p:ext>
     </p:extLst>
   </p:cSld>
@@ -22568,40 +22587,655 @@
               <a:rPr lang="en-GB" dirty="0">
                 <a:latin typeface="Asap" panose="020F0504030102060203" pitchFamily="34" charset="0"/>
               </a:rPr>
-              <a:t>mempool</a:t>
+              <a:t>verification</a:t>
             </a:r>
           </a:p>
         </p:txBody>
       </p:sp>
       <p:sp>
         <p:nvSpPr>
-          <p:cNvPr id="10" name="Subtitle 9">
+          <p:cNvPr id="8" name="Rectangle 1">
             <a:extLst>
               <a:ext uri="{FF2B5EF4-FFF2-40B4-BE49-F238E27FC236}">
-                <a16:creationId xmlns:a16="http://schemas.microsoft.com/office/drawing/2014/main" id="{CFBE7102-6F98-4C5A-9218-796D5D78F0FE}"/>
+                <a16:creationId xmlns:a16="http://schemas.microsoft.com/office/drawing/2014/main" id="{3B733C35-F9CF-4B5B-9579-0C8535CCD150}"/>
               </a:ext>
             </a:extLst>
           </p:cNvPr>
           <p:cNvSpPr>
-            <a:spLocks noGrp="1"/>
+            <a:spLocks noGrp="1" noChangeArrowheads="1"/>
           </p:cNvSpPr>
           <p:nvPr>
             <p:ph type="subTitle" idx="1"/>
           </p:nvPr>
         </p:nvSpPr>
-        <p:spPr/>
+        <p:spPr bwMode="auto">
+          <a:xfrm>
+            <a:off x="3512127" y="5495709"/>
+            <a:ext cx="10421443" cy="2462213"/>
+          </a:xfrm>
+          <a:prstGeom prst="rect">
+            <a:avLst/>
+          </a:prstGeom>
+          <a:solidFill>
+            <a:srgbClr val="FFFFFF"/>
+          </a:solidFill>
+          <a:ln>
+            <a:noFill/>
+          </a:ln>
+          <a:effectLst/>
+          <a:extLst>
+            <a:ext uri="{91240B29-F687-4F45-9708-019B960494DF}">
+              <a14:hiddenLine xmlns:a14="http://schemas.microsoft.com/office/drawing/2010/main" w="9525">
+                <a:solidFill>
+                  <a:schemeClr val="tx1"/>
+                </a:solidFill>
+                <a:miter lim="800000"/>
+                <a:headEnd/>
+                <a:tailEnd/>
+              </a14:hiddenLine>
+            </a:ext>
+            <a:ext uri="{AF507438-7753-43E0-B8FC-AC1667EBCBE1}">
+              <a14:hiddenEffects xmlns:a14="http://schemas.microsoft.com/office/drawing/2010/main">
+                <a:effectLst>
+                  <a:outerShdw dist="35921" dir="2700000" algn="ctr" rotWithShape="0">
+                    <a:schemeClr val="bg2"/>
+                  </a:outerShdw>
+                </a:effectLst>
+              </a14:hiddenEffects>
+            </a:ext>
+          </a:extLst>
+        </p:spPr>
         <p:txBody>
-          <a:bodyPr/>
+          <a:bodyPr vert="horz" wrap="none" lIns="91440" tIns="45720" rIns="91440" bIns="45720" numCol="1" anchor="ctr" anchorCtr="0" compatLnSpc="1">
+            <a:prstTxWarp prst="textNoShape">
+              <a:avLst/>
+            </a:prstTxWarp>
+            <a:spAutoFit/>
+          </a:bodyPr>
           <a:lstStyle/>
           <a:p>
-            <a:endParaRPr lang="en-GB" dirty="0"/>
+            <a:pPr marL="0" marR="0" lvl="0" indent="0" algn="l" defTabSz="914400" rtl="0" eaLnBrk="0" fontAlgn="base" latinLnBrk="0" hangingPunct="0">
+              <a:lnSpc>
+                <a:spcPct val="100000"/>
+              </a:lnSpc>
+              <a:spcBef>
+                <a:spcPct val="0"/>
+              </a:spcBef>
+              <a:spcAft>
+                <a:spcPct val="0"/>
+              </a:spcAft>
+              <a:buClrTx/>
+              <a:buSzTx/>
+              <a:buFontTx/>
+              <a:buNone/>
+              <a:tabLst/>
+            </a:pPr>
+            <a:r>
+              <a:rPr kumimoji="0" lang="en-US" altLang="en-US" sz="1400" b="0" i="0" u="none" strike="noStrike" cap="none" normalizeH="0" baseline="0" dirty="0">
+                <a:ln>
+                  <a:noFill/>
+                </a:ln>
+                <a:solidFill>
+                  <a:srgbClr val="0000FF"/>
+                </a:solidFill>
+                <a:effectLst/>
+                <a:latin typeface="Consolas" panose="020B0609020204030204" pitchFamily="49" charset="0"/>
+              </a:rPr>
+              <a:t>public bool </a:t>
+            </a:r>
+            <a:r>
+              <a:rPr kumimoji="0" lang="en-US" altLang="en-US" sz="1400" b="0" i="0" u="none" strike="noStrike" cap="none" normalizeH="0" baseline="0" dirty="0">
+                <a:ln>
+                  <a:noFill/>
+                </a:ln>
+                <a:solidFill>
+                  <a:srgbClr val="000000"/>
+                </a:solidFill>
+                <a:effectLst/>
+                <a:latin typeface="Consolas" panose="020B0609020204030204" pitchFamily="49" charset="0"/>
+              </a:rPr>
+              <a:t>Validate(</a:t>
+            </a:r>
+            <a:r>
+              <a:rPr kumimoji="0" lang="en-US" altLang="en-US" sz="1400" b="0" i="0" u="none" strike="noStrike" cap="none" normalizeH="0" baseline="0" dirty="0">
+                <a:ln>
+                  <a:noFill/>
+                </a:ln>
+                <a:solidFill>
+                  <a:srgbClr val="2B91AF"/>
+                </a:solidFill>
+                <a:effectLst/>
+                <a:latin typeface="Consolas" panose="020B0609020204030204" pitchFamily="49" charset="0"/>
+              </a:rPr>
+              <a:t>BlockHeader </a:t>
+            </a:r>
+            <a:r>
+              <a:rPr kumimoji="0" lang="en-US" altLang="en-US" sz="1400" b="0" i="0" u="none" strike="noStrike" cap="none" normalizeH="0" baseline="0" dirty="0">
+                <a:ln>
+                  <a:noFill/>
+                </a:ln>
+                <a:solidFill>
+                  <a:srgbClr val="000000"/>
+                </a:solidFill>
+                <a:effectLst/>
+                <a:latin typeface="Consolas" panose="020B0609020204030204" pitchFamily="49" charset="0"/>
+              </a:rPr>
+              <a:t>header)</a:t>
+            </a:r>
+            <a:br>
+              <a:rPr kumimoji="0" lang="en-US" altLang="en-US" sz="1400" b="0" i="0" u="none" strike="noStrike" cap="none" normalizeH="0" baseline="0" dirty="0">
+                <a:ln>
+                  <a:noFill/>
+                </a:ln>
+                <a:solidFill>
+                  <a:srgbClr val="000000"/>
+                </a:solidFill>
+                <a:effectLst/>
+                <a:latin typeface="Consolas" panose="020B0609020204030204" pitchFamily="49" charset="0"/>
+              </a:rPr>
+            </a:br>
+            <a:r>
+              <a:rPr kumimoji="0" lang="en-US" altLang="en-US" sz="1400" b="0" i="0" u="none" strike="noStrike" cap="none" normalizeH="0" baseline="0" dirty="0">
+                <a:ln>
+                  <a:noFill/>
+                </a:ln>
+                <a:solidFill>
+                  <a:srgbClr val="000000"/>
+                </a:solidFill>
+                <a:effectLst/>
+                <a:latin typeface="Consolas" panose="020B0609020204030204" pitchFamily="49" charset="0"/>
+              </a:rPr>
+              <a:t>{</a:t>
+            </a:r>
+            <a:br>
+              <a:rPr kumimoji="0" lang="en-US" altLang="en-US" sz="1400" b="0" i="0" u="none" strike="noStrike" cap="none" normalizeH="0" baseline="0" dirty="0">
+                <a:ln>
+                  <a:noFill/>
+                </a:ln>
+                <a:solidFill>
+                  <a:srgbClr val="000000"/>
+                </a:solidFill>
+                <a:effectLst/>
+                <a:latin typeface="Consolas" panose="020B0609020204030204" pitchFamily="49" charset="0"/>
+              </a:rPr>
+            </a:br>
+            <a:r>
+              <a:rPr kumimoji="0" lang="en-US" altLang="en-US" sz="1400" b="0" i="0" u="none" strike="noStrike" cap="none" normalizeH="0" baseline="0" dirty="0">
+                <a:ln>
+                  <a:noFill/>
+                </a:ln>
+                <a:solidFill>
+                  <a:srgbClr val="000000"/>
+                </a:solidFill>
+                <a:effectLst/>
+                <a:latin typeface="Consolas" panose="020B0609020204030204" pitchFamily="49" charset="0"/>
+              </a:rPr>
+              <a:t>    </a:t>
+            </a:r>
+            <a:r>
+              <a:rPr kumimoji="0" lang="en-US" altLang="en-US" sz="1400" b="0" i="0" u="none" strike="noStrike" cap="none" normalizeH="0" baseline="0" dirty="0">
+                <a:ln>
+                  <a:noFill/>
+                </a:ln>
+                <a:solidFill>
+                  <a:srgbClr val="0000FF"/>
+                </a:solidFill>
+                <a:effectLst/>
+                <a:latin typeface="Consolas" panose="020B0609020204030204" pitchFamily="49" charset="0"/>
+              </a:rPr>
+              <a:t>uint </a:t>
+            </a:r>
+            <a:r>
+              <a:rPr kumimoji="0" lang="en-US" altLang="en-US" sz="1400" b="0" i="0" u="none" strike="noStrike" cap="none" normalizeH="0" baseline="0" dirty="0">
+                <a:ln>
+                  <a:noFill/>
+                </a:ln>
+                <a:solidFill>
+                  <a:srgbClr val="000000"/>
+                </a:solidFill>
+                <a:effectLst/>
+                <a:latin typeface="Consolas" panose="020B0609020204030204" pitchFamily="49" charset="0"/>
+              </a:rPr>
+              <a:t>epoch = GetEpoch(header.Number);</a:t>
+            </a:r>
+            <a:br>
+              <a:rPr kumimoji="0" lang="en-US" altLang="en-US" sz="1400" b="0" i="0" u="none" strike="noStrike" cap="none" normalizeH="0" baseline="0" dirty="0">
+                <a:ln>
+                  <a:noFill/>
+                </a:ln>
+                <a:solidFill>
+                  <a:srgbClr val="000000"/>
+                </a:solidFill>
+                <a:effectLst/>
+                <a:latin typeface="Consolas" panose="020B0609020204030204" pitchFamily="49" charset="0"/>
+              </a:rPr>
+            </a:br>
+            <a:r>
+              <a:rPr kumimoji="0" lang="en-US" altLang="en-US" sz="1400" b="0" i="0" u="none" strike="noStrike" cap="none" normalizeH="0" baseline="0" dirty="0">
+                <a:ln>
+                  <a:noFill/>
+                </a:ln>
+                <a:solidFill>
+                  <a:srgbClr val="000000"/>
+                </a:solidFill>
+                <a:effectLst/>
+                <a:latin typeface="Consolas" panose="020B0609020204030204" pitchFamily="49" charset="0"/>
+              </a:rPr>
+              <a:t>    </a:t>
+            </a:r>
+            <a:r>
+              <a:rPr kumimoji="0" lang="en-US" altLang="en-US" sz="1400" b="0" i="0" u="none" strike="noStrike" cap="none" normalizeH="0" baseline="0" dirty="0">
+                <a:ln>
+                  <a:noFill/>
+                </a:ln>
+                <a:solidFill>
+                  <a:srgbClr val="2B91AF"/>
+                </a:solidFill>
+                <a:effectLst/>
+                <a:latin typeface="Consolas" panose="020B0609020204030204" pitchFamily="49" charset="0"/>
+              </a:rPr>
+              <a:t>IEthashDataSet </a:t>
+            </a:r>
+            <a:r>
+              <a:rPr kumimoji="0" lang="en-US" altLang="en-US" sz="1400" b="0" i="0" u="none" strike="noStrike" cap="none" normalizeH="0" baseline="0" dirty="0">
+                <a:ln>
+                  <a:noFill/>
+                </a:ln>
+                <a:solidFill>
+                  <a:srgbClr val="000000"/>
+                </a:solidFill>
+                <a:effectLst/>
+                <a:latin typeface="Consolas" panose="020B0609020204030204" pitchFamily="49" charset="0"/>
+              </a:rPr>
+              <a:t>cache = GetOrAddCache(epoch);</a:t>
+            </a:r>
+            <a:br>
+              <a:rPr kumimoji="0" lang="en-US" altLang="en-US" sz="1400" b="0" i="0" u="none" strike="noStrike" cap="none" normalizeH="0" baseline="0" dirty="0">
+                <a:ln>
+                  <a:noFill/>
+                </a:ln>
+                <a:solidFill>
+                  <a:srgbClr val="000000"/>
+                </a:solidFill>
+                <a:effectLst/>
+                <a:latin typeface="Consolas" panose="020B0609020204030204" pitchFamily="49" charset="0"/>
+              </a:rPr>
+            </a:br>
+            <a:r>
+              <a:rPr kumimoji="0" lang="en-US" altLang="en-US" sz="1400" b="0" i="0" u="none" strike="noStrike" cap="none" normalizeH="0" baseline="0" dirty="0">
+                <a:ln>
+                  <a:noFill/>
+                </a:ln>
+                <a:solidFill>
+                  <a:srgbClr val="000000"/>
+                </a:solidFill>
+                <a:effectLst/>
+                <a:latin typeface="Consolas" panose="020B0609020204030204" pitchFamily="49" charset="0"/>
+              </a:rPr>
+              <a:t>    </a:t>
+            </a:r>
+            <a:r>
+              <a:rPr kumimoji="0" lang="en-US" altLang="en-US" sz="1400" b="0" i="0" u="none" strike="noStrike" cap="none" normalizeH="0" baseline="0" dirty="0">
+                <a:ln>
+                  <a:noFill/>
+                </a:ln>
+                <a:solidFill>
+                  <a:srgbClr val="0000FF"/>
+                </a:solidFill>
+                <a:effectLst/>
+                <a:latin typeface="Consolas" panose="020B0609020204030204" pitchFamily="49" charset="0"/>
+              </a:rPr>
+              <a:t>ulong </a:t>
+            </a:r>
+            <a:r>
+              <a:rPr kumimoji="0" lang="en-US" altLang="en-US" sz="1400" b="0" i="0" u="none" strike="noStrike" cap="none" normalizeH="0" baseline="0" dirty="0">
+                <a:ln>
+                  <a:noFill/>
+                </a:ln>
+                <a:solidFill>
+                  <a:srgbClr val="000000"/>
+                </a:solidFill>
+                <a:effectLst/>
+                <a:latin typeface="Consolas" panose="020B0609020204030204" pitchFamily="49" charset="0"/>
+              </a:rPr>
+              <a:t>fullSize = GetDataSize(epoch);</a:t>
+            </a:r>
+            <a:br>
+              <a:rPr kumimoji="0" lang="en-US" altLang="en-US" sz="1400" b="0" i="0" u="none" strike="noStrike" cap="none" normalizeH="0" baseline="0" dirty="0">
+                <a:ln>
+                  <a:noFill/>
+                </a:ln>
+                <a:solidFill>
+                  <a:srgbClr val="000000"/>
+                </a:solidFill>
+                <a:effectLst/>
+                <a:latin typeface="Consolas" panose="020B0609020204030204" pitchFamily="49" charset="0"/>
+              </a:rPr>
+            </a:br>
+            <a:r>
+              <a:rPr kumimoji="0" lang="en-US" altLang="en-US" sz="1400" b="0" i="0" u="none" strike="noStrike" cap="none" normalizeH="0" baseline="0" dirty="0">
+                <a:ln>
+                  <a:noFill/>
+                </a:ln>
+                <a:solidFill>
+                  <a:srgbClr val="000000"/>
+                </a:solidFill>
+                <a:effectLst/>
+                <a:latin typeface="Consolas" panose="020B0609020204030204" pitchFamily="49" charset="0"/>
+              </a:rPr>
+              <a:t>    </a:t>
+            </a:r>
+            <a:r>
+              <a:rPr kumimoji="0" lang="en-US" altLang="en-US" sz="1400" b="0" i="0" u="none" strike="noStrike" cap="none" normalizeH="0" baseline="0" dirty="0">
+                <a:ln>
+                  <a:noFill/>
+                </a:ln>
+                <a:solidFill>
+                  <a:srgbClr val="2B91AF"/>
+                </a:solidFill>
+                <a:effectLst/>
+                <a:latin typeface="Consolas" panose="020B0609020204030204" pitchFamily="49" charset="0"/>
+              </a:rPr>
+              <a:t>Keccak </a:t>
+            </a:r>
+            <a:r>
+              <a:rPr kumimoji="0" lang="en-US" altLang="en-US" sz="1400" b="0" i="0" u="none" strike="noStrike" cap="none" normalizeH="0" baseline="0" dirty="0">
+                <a:ln>
+                  <a:noFill/>
+                </a:ln>
+                <a:solidFill>
+                  <a:srgbClr val="000000"/>
+                </a:solidFill>
+                <a:effectLst/>
+                <a:latin typeface="Consolas" panose="020B0609020204030204" pitchFamily="49" charset="0"/>
+              </a:rPr>
+              <a:t>headerHashed = GetTruncatedHash(header);</a:t>
+            </a:r>
+            <a:br>
+              <a:rPr kumimoji="0" lang="en-US" altLang="en-US" sz="1400" b="0" i="0" u="none" strike="noStrike" cap="none" normalizeH="0" baseline="0" dirty="0">
+                <a:ln>
+                  <a:noFill/>
+                </a:ln>
+                <a:solidFill>
+                  <a:srgbClr val="000000"/>
+                </a:solidFill>
+                <a:effectLst/>
+                <a:latin typeface="Consolas" panose="020B0609020204030204" pitchFamily="49" charset="0"/>
+              </a:rPr>
+            </a:br>
+            <a:r>
+              <a:rPr kumimoji="0" lang="en-US" altLang="en-US" sz="1400" b="0" i="0" u="none" strike="noStrike" cap="none" normalizeH="0" baseline="0" dirty="0">
+                <a:ln>
+                  <a:noFill/>
+                </a:ln>
+                <a:solidFill>
+                  <a:srgbClr val="000000"/>
+                </a:solidFill>
+                <a:effectLst/>
+                <a:latin typeface="Consolas" panose="020B0609020204030204" pitchFamily="49" charset="0"/>
+              </a:rPr>
+              <a:t>    (</a:t>
+            </a:r>
+            <a:r>
+              <a:rPr kumimoji="0" lang="en-US" altLang="en-US" sz="1400" b="0" i="0" u="none" strike="noStrike" cap="none" normalizeH="0" baseline="0" dirty="0">
+                <a:ln>
+                  <a:noFill/>
+                </a:ln>
+                <a:solidFill>
+                  <a:srgbClr val="0000FF"/>
+                </a:solidFill>
+                <a:effectLst/>
+                <a:latin typeface="Consolas" panose="020B0609020204030204" pitchFamily="49" charset="0"/>
+              </a:rPr>
+              <a:t>byte</a:t>
+            </a:r>
+            <a:r>
+              <a:rPr kumimoji="0" lang="en-US" altLang="en-US" sz="1400" b="0" i="0" u="none" strike="noStrike" cap="none" normalizeH="0" baseline="0" dirty="0">
+                <a:ln>
+                  <a:noFill/>
+                </a:ln>
+                <a:solidFill>
+                  <a:srgbClr val="000000"/>
+                </a:solidFill>
+                <a:effectLst/>
+                <a:latin typeface="Consolas" panose="020B0609020204030204" pitchFamily="49" charset="0"/>
+              </a:rPr>
+              <a:t>[] _, </a:t>
+            </a:r>
+            <a:r>
+              <a:rPr kumimoji="0" lang="en-US" altLang="en-US" sz="1400" b="0" i="0" u="none" strike="noStrike" cap="none" normalizeH="0" baseline="0" dirty="0">
+                <a:ln>
+                  <a:noFill/>
+                </a:ln>
+                <a:solidFill>
+                  <a:srgbClr val="0000FF"/>
+                </a:solidFill>
+                <a:effectLst/>
+                <a:latin typeface="Consolas" panose="020B0609020204030204" pitchFamily="49" charset="0"/>
+              </a:rPr>
+              <a:t>byte</a:t>
+            </a:r>
+            <a:r>
+              <a:rPr kumimoji="0" lang="en-US" altLang="en-US" sz="1400" b="0" i="0" u="none" strike="noStrike" cap="none" normalizeH="0" baseline="0" dirty="0">
+                <a:ln>
+                  <a:noFill/>
+                </a:ln>
+                <a:solidFill>
+                  <a:srgbClr val="000000"/>
+                </a:solidFill>
+                <a:effectLst/>
+                <a:latin typeface="Consolas" panose="020B0609020204030204" pitchFamily="49" charset="0"/>
+              </a:rPr>
+              <a:t>[] result) = Hashimoto(fullSize, cache, headerHashed, header.MixHash, header.Nonce);</a:t>
+            </a:r>
+            <a:br>
+              <a:rPr kumimoji="0" lang="en-US" altLang="en-US" sz="1400" b="0" i="0" u="none" strike="noStrike" cap="none" normalizeH="0" baseline="0" dirty="0">
+                <a:ln>
+                  <a:noFill/>
+                </a:ln>
+                <a:solidFill>
+                  <a:srgbClr val="000000"/>
+                </a:solidFill>
+                <a:effectLst/>
+                <a:latin typeface="Consolas" panose="020B0609020204030204" pitchFamily="49" charset="0"/>
+              </a:rPr>
+            </a:br>
+            <a:br>
+              <a:rPr kumimoji="0" lang="en-US" altLang="en-US" sz="1400" b="0" i="0" u="none" strike="noStrike" cap="none" normalizeH="0" baseline="0" dirty="0">
+                <a:ln>
+                  <a:noFill/>
+                </a:ln>
+                <a:solidFill>
+                  <a:srgbClr val="000000"/>
+                </a:solidFill>
+                <a:effectLst/>
+                <a:latin typeface="Consolas" panose="020B0609020204030204" pitchFamily="49" charset="0"/>
+              </a:rPr>
+            </a:br>
+            <a:r>
+              <a:rPr kumimoji="0" lang="en-US" altLang="en-US" sz="1400" b="0" i="0" u="none" strike="noStrike" cap="none" normalizeH="0" baseline="0" dirty="0">
+                <a:ln>
+                  <a:noFill/>
+                </a:ln>
+                <a:solidFill>
+                  <a:srgbClr val="000000"/>
+                </a:solidFill>
+                <a:effectLst/>
+                <a:latin typeface="Consolas" panose="020B0609020204030204" pitchFamily="49" charset="0"/>
+              </a:rPr>
+              <a:t>    </a:t>
+            </a:r>
+            <a:r>
+              <a:rPr kumimoji="0" lang="en-US" altLang="en-US" sz="1400" b="0" i="0" u="none" strike="noStrike" cap="none" normalizeH="0" baseline="0" dirty="0">
+                <a:ln>
+                  <a:noFill/>
+                </a:ln>
+                <a:solidFill>
+                  <a:srgbClr val="2B91AF"/>
+                </a:solidFill>
+                <a:effectLst/>
+                <a:latin typeface="Consolas" panose="020B0609020204030204" pitchFamily="49" charset="0"/>
+              </a:rPr>
+              <a:t>BigInteger </a:t>
+            </a:r>
+            <a:r>
+              <a:rPr kumimoji="0" lang="en-US" altLang="en-US" sz="1400" b="0" i="0" u="none" strike="noStrike" cap="none" normalizeH="0" baseline="0" dirty="0">
+                <a:ln>
+                  <a:noFill/>
+                </a:ln>
+                <a:solidFill>
+                  <a:srgbClr val="000000"/>
+                </a:solidFill>
+                <a:effectLst/>
+                <a:latin typeface="Consolas" panose="020B0609020204030204" pitchFamily="49" charset="0"/>
+              </a:rPr>
+              <a:t>threshold = </a:t>
+            </a:r>
+            <a:r>
+              <a:rPr kumimoji="0" lang="en-US" altLang="en-US" sz="1400" b="0" i="0" u="none" strike="noStrike" cap="none" normalizeH="0" baseline="0" dirty="0">
+                <a:ln>
+                  <a:noFill/>
+                </a:ln>
+                <a:solidFill>
+                  <a:srgbClr val="2B91AF"/>
+                </a:solidFill>
+                <a:effectLst/>
+                <a:latin typeface="Consolas" panose="020B0609020204030204" pitchFamily="49" charset="0"/>
+              </a:rPr>
+              <a:t>BigInteger</a:t>
+            </a:r>
+            <a:r>
+              <a:rPr kumimoji="0" lang="en-US" altLang="en-US" sz="1400" b="0" i="0" u="none" strike="noStrike" cap="none" normalizeH="0" baseline="0" dirty="0">
+                <a:ln>
+                  <a:noFill/>
+                </a:ln>
+                <a:solidFill>
+                  <a:srgbClr val="000000"/>
+                </a:solidFill>
+                <a:effectLst/>
+                <a:latin typeface="Consolas" panose="020B0609020204030204" pitchFamily="49" charset="0"/>
+              </a:rPr>
+              <a:t>.Divide(</a:t>
+            </a:r>
+            <a:r>
+              <a:rPr kumimoji="0" lang="en-US" altLang="en-US" sz="1400" b="0" i="0" u="none" strike="noStrike" cap="none" normalizeH="0" baseline="0" dirty="0">
+                <a:ln>
+                  <a:noFill/>
+                </a:ln>
+                <a:solidFill>
+                  <a:srgbClr val="2B91AF"/>
+                </a:solidFill>
+                <a:effectLst/>
+                <a:latin typeface="Consolas" panose="020B0609020204030204" pitchFamily="49" charset="0"/>
+              </a:rPr>
+              <a:t>BigInteger</a:t>
+            </a:r>
+            <a:r>
+              <a:rPr kumimoji="0" lang="en-US" altLang="en-US" sz="1400" b="0" i="0" u="none" strike="noStrike" cap="none" normalizeH="0" baseline="0" dirty="0">
+                <a:ln>
+                  <a:noFill/>
+                </a:ln>
+                <a:solidFill>
+                  <a:srgbClr val="000000"/>
+                </a:solidFill>
+                <a:effectLst/>
+                <a:latin typeface="Consolas" panose="020B0609020204030204" pitchFamily="49" charset="0"/>
+              </a:rPr>
+              <a:t>.Pow(2, 256), header.Difficulty);</a:t>
+            </a:r>
+            <a:br>
+              <a:rPr kumimoji="0" lang="en-US" altLang="en-US" sz="1400" b="0" i="0" u="none" strike="noStrike" cap="none" normalizeH="0" baseline="0" dirty="0">
+                <a:ln>
+                  <a:noFill/>
+                </a:ln>
+                <a:solidFill>
+                  <a:srgbClr val="000000"/>
+                </a:solidFill>
+                <a:effectLst/>
+                <a:latin typeface="Consolas" panose="020B0609020204030204" pitchFamily="49" charset="0"/>
+              </a:rPr>
+            </a:br>
+            <a:r>
+              <a:rPr kumimoji="0" lang="en-US" altLang="en-US" sz="1400" b="0" i="0" u="none" strike="noStrike" cap="none" normalizeH="0" baseline="0" dirty="0">
+                <a:ln>
+                  <a:noFill/>
+                </a:ln>
+                <a:solidFill>
+                  <a:srgbClr val="000000"/>
+                </a:solidFill>
+                <a:effectLst/>
+                <a:latin typeface="Consolas" panose="020B0609020204030204" pitchFamily="49" charset="0"/>
+              </a:rPr>
+              <a:t>    </a:t>
+            </a:r>
+            <a:r>
+              <a:rPr kumimoji="0" lang="en-US" altLang="en-US" sz="1400" b="0" i="0" u="none" strike="noStrike" cap="none" normalizeH="0" baseline="0" dirty="0">
+                <a:ln>
+                  <a:noFill/>
+                </a:ln>
+                <a:solidFill>
+                  <a:srgbClr val="0000FF"/>
+                </a:solidFill>
+                <a:effectLst/>
+                <a:latin typeface="Consolas" panose="020B0609020204030204" pitchFamily="49" charset="0"/>
+              </a:rPr>
+              <a:t>return </a:t>
+            </a:r>
+            <a:r>
+              <a:rPr kumimoji="0" lang="en-US" altLang="en-US" sz="1400" b="0" i="0" u="none" strike="noStrike" cap="none" normalizeH="0" baseline="0" dirty="0">
+                <a:ln>
+                  <a:noFill/>
+                </a:ln>
+                <a:solidFill>
+                  <a:srgbClr val="000000"/>
+                </a:solidFill>
+                <a:effectLst/>
+                <a:latin typeface="Consolas" panose="020B0609020204030204" pitchFamily="49" charset="0"/>
+              </a:rPr>
+              <a:t>IsLessThanTarget(result, threshold);</a:t>
+            </a:r>
+            <a:br>
+              <a:rPr kumimoji="0" lang="en-US" altLang="en-US" sz="1400" b="0" i="0" u="none" strike="noStrike" cap="none" normalizeH="0" baseline="0" dirty="0">
+                <a:ln>
+                  <a:noFill/>
+                </a:ln>
+                <a:solidFill>
+                  <a:srgbClr val="000000"/>
+                </a:solidFill>
+                <a:effectLst/>
+                <a:latin typeface="Consolas" panose="020B0609020204030204" pitchFamily="49" charset="0"/>
+              </a:rPr>
+            </a:br>
+            <a:r>
+              <a:rPr kumimoji="0" lang="en-US" altLang="en-US" sz="1400" b="0" i="0" u="none" strike="noStrike" cap="none" normalizeH="0" baseline="0" dirty="0">
+                <a:ln>
+                  <a:noFill/>
+                </a:ln>
+                <a:solidFill>
+                  <a:srgbClr val="000000"/>
+                </a:solidFill>
+                <a:effectLst/>
+                <a:latin typeface="Consolas" panose="020B0609020204030204" pitchFamily="49" charset="0"/>
+              </a:rPr>
+              <a:t>}</a:t>
+            </a:r>
+            <a:endParaRPr kumimoji="0" lang="en-US" altLang="en-US" sz="1400" b="0" i="0" u="none" strike="noStrike" cap="none" normalizeH="0" baseline="0" dirty="0">
+              <a:ln>
+                <a:noFill/>
+              </a:ln>
+              <a:solidFill>
+                <a:schemeClr val="tx1"/>
+              </a:solidFill>
+              <a:effectLst/>
+              <a:latin typeface="Arial" panose="020B0604020202020204" pitchFamily="34" charset="0"/>
+            </a:endParaRPr>
           </a:p>
         </p:txBody>
       </p:sp>
     </p:spTree>
     <p:extLst>
       <p:ext uri="{BB962C8B-B14F-4D97-AF65-F5344CB8AC3E}">
-        <p14:creationId xmlns:p14="http://schemas.microsoft.com/office/powerpoint/2010/main" val="1084950241"/>
+        <p14:creationId xmlns:p14="http://schemas.microsoft.com/office/powerpoint/2010/main" val="424900860"/>
       </p:ext>
     </p:extLst>
   </p:cSld>
@@ -22766,24 +23400,47 @@
         </p:nvSpPr>
         <p:spPr/>
         <p:txBody>
-          <a:bodyPr>
-            <a:normAutofit/>
-          </a:bodyPr>
+          <a:bodyPr/>
           <a:lstStyle/>
           <a:p>
             <a:r>
-              <a:rPr lang="en-GB" sz="6600" dirty="0">
+              <a:rPr lang="en-GB" dirty="0">
                 <a:latin typeface="Asap" panose="020F0504030102060203" pitchFamily="34" charset="0"/>
               </a:rPr>
-              <a:t>part 7: devp2p</a:t>
-            </a:r>
+              <a:t>mempool</a:t>
+            </a:r>
+          </a:p>
+        </p:txBody>
+      </p:sp>
+      <p:sp>
+        <p:nvSpPr>
+          <p:cNvPr id="10" name="Subtitle 9">
+            <a:extLst>
+              <a:ext uri="{FF2B5EF4-FFF2-40B4-BE49-F238E27FC236}">
+                <a16:creationId xmlns:a16="http://schemas.microsoft.com/office/drawing/2014/main" id="{CFBE7102-6F98-4C5A-9218-796D5D78F0FE}"/>
+              </a:ext>
+            </a:extLst>
+          </p:cNvPr>
+          <p:cNvSpPr>
+            <a:spLocks noGrp="1"/>
+          </p:cNvSpPr>
+          <p:nvPr>
+            <p:ph type="subTitle" idx="1"/>
+          </p:nvPr>
+        </p:nvSpPr>
+        <p:spPr/>
+        <p:txBody>
+          <a:bodyPr/>
+          <a:lstStyle/>
+          <a:p>
+            <a:endParaRPr lang="en-GB" dirty="0"/>
           </a:p>
         </p:txBody>
       </p:sp>
     </p:spTree>
     <p:extLst>
       <p:ext uri="{BB962C8B-B14F-4D97-AF65-F5344CB8AC3E}">
-        <p14:creationId xmlns:p14="http://schemas.microsoft.com/office/powerpoint/2010/main" val="641216356"/>
+        <p14:creationId xmlns:p14="http://schemas.microsoft.com/office/powerpoint/2010/main" val="1084950241"/>
       </p:ext>
     </p:extLst>
   </p:cSld>
@@ -22948,51 +23605,16 @@
         </p:nvSpPr>
         <p:spPr/>
         <p:txBody>
-          <a:bodyPr/>
-          <a:lstStyle/>
-          <a:p>
-            <a:r>
-              <a:rPr lang="en-GB" dirty="0">
-                <a:latin typeface="Asap" panose="020F0504030102060203" pitchFamily="34" charset="0"/>
-              </a:rPr>
-              <a:t>discovery</a:t>
-            </a:r>
-          </a:p>
-        </p:txBody>
-      </p:sp>
-      <p:sp>
-        <p:nvSpPr>
-          <p:cNvPr id="4" name="Subtitle 3">
-            <a:extLst>
-              <a:ext uri="{FF2B5EF4-FFF2-40B4-BE49-F238E27FC236}">
-                <a16:creationId xmlns:a16="http://schemas.microsoft.com/office/drawing/2014/main" id="{9DC3C257-BFA8-4755-A47E-DEB0CDBC03F6}"/>
-              </a:ext>
-            </a:extLst>
-          </p:cNvPr>
-          <p:cNvSpPr>
-            <a:spLocks noGrp="1"/>
-          </p:cNvSpPr>
-          <p:nvPr>
-            <p:ph type="subTitle" idx="1"/>
-          </p:nvPr>
-        </p:nvSpPr>
-        <p:spPr>
-          <a:xfrm>
-            <a:off x="2286000" y="5402223"/>
-            <a:ext cx="13716000" cy="2483260"/>
-          </a:xfrm>
-        </p:spPr>
-        <p:txBody>
           <a:bodyPr>
             <a:normAutofit/>
           </a:bodyPr>
           <a:lstStyle/>
           <a:p>
             <a:r>
-              <a:rPr lang="en-GB" sz="3200" dirty="0">
+              <a:rPr lang="en-GB" sz="6600" dirty="0">
                 <a:latin typeface="Asap" panose="020F0504030102060203" pitchFamily="34" charset="0"/>
               </a:rPr>
-              <a:t>nodeID : kademlia : v5</a:t>
+              <a:t>part 7: devp2p</a:t>
             </a:r>
           </a:p>
         </p:txBody>
@@ -23000,7 +23622,7 @@
     </p:spTree>
     <p:extLst>
       <p:ext uri="{BB962C8B-B14F-4D97-AF65-F5344CB8AC3E}">
-        <p14:creationId xmlns:p14="http://schemas.microsoft.com/office/powerpoint/2010/main" val="753447941"/>
+        <p14:creationId xmlns:p14="http://schemas.microsoft.com/office/powerpoint/2010/main" val="641216356"/>
       </p:ext>
     </p:extLst>
   </p:cSld>
@@ -23172,7 +23794,7 @@
               <a:rPr lang="en-GB" dirty="0">
                 <a:latin typeface="Asap" panose="020F0504030102060203" pitchFamily="34" charset="0"/>
               </a:rPr>
-              <a:t>RLPx</a:t>
+              <a:t>discovery</a:t>
             </a:r>
           </a:p>
         </p:txBody>
@@ -23209,15 +23831,32 @@
               <a:rPr lang="en-GB" sz="3200" dirty="0">
                 <a:latin typeface="Asap" panose="020F0504030102060203" pitchFamily="34" charset="0"/>
               </a:rPr>
-              <a:t>handshake</a:t>
-            </a:r>
+              <a:t>nodeID : kademlia : v5</a:t>
+            </a:r>
+          </a:p>
+          <a:p>
+            <a:r>
+              <a:rPr lang="en-GB" sz="3200" dirty="0">
+                <a:latin typeface="Asap" panose="020F0504030102060203" pitchFamily="34" charset="0"/>
+                <a:hlinkClick r:id="rId6"/>
+              </a:rPr>
+              <a:t>https://pdos.csail.mit.edu/~petar/papers/maymounkov-kademlia-lncs.pdf</a:t>
+            </a:r>
+            <a:endParaRPr lang="en-GB" sz="3200" dirty="0">
+              <a:latin typeface="Asap" panose="020F0504030102060203" pitchFamily="34" charset="0"/>
+            </a:endParaRPr>
+          </a:p>
+          <a:p>
+            <a:endParaRPr lang="en-GB" sz="3200" dirty="0">
+              <a:latin typeface="Asap" panose="020F0504030102060203" pitchFamily="34" charset="0"/>
+            </a:endParaRPr>
           </a:p>
         </p:txBody>
       </p:sp>
     </p:spTree>
     <p:extLst>
       <p:ext uri="{BB962C8B-B14F-4D97-AF65-F5344CB8AC3E}">
-        <p14:creationId xmlns:p14="http://schemas.microsoft.com/office/powerpoint/2010/main" val="2790336835"/>
+        <p14:creationId xmlns:p14="http://schemas.microsoft.com/office/powerpoint/2010/main" val="753447941"/>
       </p:ext>
     </p:extLst>
   </p:cSld>
@@ -23389,7 +24028,7 @@
               <a:rPr lang="en-GB" dirty="0">
                 <a:latin typeface="Asap" panose="020F0504030102060203" pitchFamily="34" charset="0"/>
               </a:rPr>
-              <a:t>p2p</a:t>
+              <a:t>RLPx</a:t>
             </a:r>
           </a:p>
         </p:txBody>
@@ -23426,7 +24065,7 @@
               <a:rPr lang="en-GB" sz="3200" dirty="0">
                 <a:latin typeface="Asap" panose="020F0504030102060203" pitchFamily="34" charset="0"/>
               </a:rPr>
-              <a:t>subprotocols</a:t>
+              <a:t>handshake</a:t>
             </a:r>
           </a:p>
         </p:txBody>
@@ -23434,7 +24073,7 @@
     </p:spTree>
     <p:extLst>
       <p:ext uri="{BB962C8B-B14F-4D97-AF65-F5344CB8AC3E}">
-        <p14:creationId xmlns:p14="http://schemas.microsoft.com/office/powerpoint/2010/main" val="2830532383"/>
+        <p14:creationId xmlns:p14="http://schemas.microsoft.com/office/powerpoint/2010/main" val="2790336835"/>
       </p:ext>
     </p:extLst>
   </p:cSld>
@@ -23606,7 +24245,7 @@
               <a:rPr lang="en-GB" dirty="0">
                 <a:latin typeface="Asap" panose="020F0504030102060203" pitchFamily="34" charset="0"/>
               </a:rPr>
-              <a:t>eth62, eth63</a:t>
+              <a:t>p2p</a:t>
             </a:r>
           </a:p>
         </p:txBody>
@@ -23639,16 +24278,19 @@
           </a:bodyPr>
           <a:lstStyle/>
           <a:p>
-            <a:endParaRPr lang="en-GB" sz="3200" dirty="0">
-              <a:latin typeface="Asap" panose="020F0504030102060203" pitchFamily="34" charset="0"/>
-            </a:endParaRPr>
+            <a:r>
+              <a:rPr lang="en-GB" sz="3200" dirty="0">
+                <a:latin typeface="Asap" panose="020F0504030102060203" pitchFamily="34" charset="0"/>
+              </a:rPr>
+              <a:t>subprotocols</a:t>
+            </a:r>
           </a:p>
         </p:txBody>
       </p:sp>
     </p:spTree>
     <p:extLst>
       <p:ext uri="{BB962C8B-B14F-4D97-AF65-F5344CB8AC3E}">
-        <p14:creationId xmlns:p14="http://schemas.microsoft.com/office/powerpoint/2010/main" val="2648907372"/>
+        <p14:creationId xmlns:p14="http://schemas.microsoft.com/office/powerpoint/2010/main" val="2830532383"/>
       </p:ext>
     </p:extLst>
   </p:cSld>
@@ -23820,7 +24462,7 @@
               <a:rPr lang="en-GB" dirty="0">
                 <a:latin typeface="Asap" panose="020F0504030102060203" pitchFamily="34" charset="0"/>
               </a:rPr>
-              <a:t>les</a:t>
+              <a:t>eth62, eth63</a:t>
             </a:r>
           </a:p>
         </p:txBody>
@@ -23862,7 +24504,7 @@
     </p:spTree>
     <p:extLst>
       <p:ext uri="{BB962C8B-B14F-4D97-AF65-F5344CB8AC3E}">
-        <p14:creationId xmlns:p14="http://schemas.microsoft.com/office/powerpoint/2010/main" val="2840265293"/>
+        <p14:creationId xmlns:p14="http://schemas.microsoft.com/office/powerpoint/2010/main" val="2648907372"/>
       </p:ext>
     </p:extLst>
   </p:cSld>
@@ -24034,7 +24676,7 @@
               <a:rPr lang="en-GB" dirty="0">
                 <a:latin typeface="Asap" panose="020F0504030102060203" pitchFamily="34" charset="0"/>
               </a:rPr>
-              <a:t>par</a:t>
+              <a:t>les</a:t>
             </a:r>
           </a:p>
         </p:txBody>
@@ -24076,7 +24718,7 @@
     </p:spTree>
     <p:extLst>
       <p:ext uri="{BB962C8B-B14F-4D97-AF65-F5344CB8AC3E}">
-        <p14:creationId xmlns:p14="http://schemas.microsoft.com/office/powerpoint/2010/main" val="3997645669"/>
+        <p14:creationId xmlns:p14="http://schemas.microsoft.com/office/powerpoint/2010/main" val="2840265293"/>
       </p:ext>
     </p:extLst>
   </p:cSld>
@@ -24248,7 +24890,7 @@
               <a:rPr lang="en-GB" dirty="0">
                 <a:latin typeface="Asap" panose="020F0504030102060203" pitchFamily="34" charset="0"/>
               </a:rPr>
-              <a:t>shh</a:t>
+              <a:t>par</a:t>
             </a:r>
           </a:p>
         </p:txBody>
@@ -24290,7 +24932,7 @@
     </p:spTree>
     <p:extLst>
       <p:ext uri="{BB962C8B-B14F-4D97-AF65-F5344CB8AC3E}">
-        <p14:creationId xmlns:p14="http://schemas.microsoft.com/office/powerpoint/2010/main" val="4084960605"/>
+        <p14:creationId xmlns:p14="http://schemas.microsoft.com/office/powerpoint/2010/main" val="3997645669"/>
       </p:ext>
     </p:extLst>
   </p:cSld>
@@ -24738,14 +25380,11 @@
           <a:lstStyle/>
           <a:p>
             <a:r>
-              <a:rPr lang="en-GB" dirty="0" err="1">
+              <a:rPr lang="en-GB" dirty="0">
                 <a:latin typeface="Asap" panose="020F0504030102060203" pitchFamily="34" charset="0"/>
               </a:rPr>
-              <a:t>bzz</a:t>
-            </a:r>
-            <a:endParaRPr lang="en-GB" dirty="0">
-              <a:latin typeface="Asap" panose="020F0504030102060203" pitchFamily="34" charset="0"/>
-            </a:endParaRPr>
+              <a:t>shh</a:t>
+            </a:r>
           </a:p>
         </p:txBody>
       </p:sp>
@@ -24786,7 +25425,7 @@
     </p:spTree>
     <p:extLst>
       <p:ext uri="{BB962C8B-B14F-4D97-AF65-F5344CB8AC3E}">
-        <p14:creationId xmlns:p14="http://schemas.microsoft.com/office/powerpoint/2010/main" val="3615271011"/>
+        <p14:creationId xmlns:p14="http://schemas.microsoft.com/office/powerpoint/2010/main" val="4084960605"/>
       </p:ext>
     </p:extLst>
   </p:cSld>
@@ -24951,24 +25590,59 @@
         </p:nvSpPr>
         <p:spPr/>
         <p:txBody>
+          <a:bodyPr/>
+          <a:lstStyle/>
+          <a:p>
+            <a:r>
+              <a:rPr lang="en-GB" dirty="0" err="1">
+                <a:latin typeface="Asap" panose="020F0504030102060203" pitchFamily="34" charset="0"/>
+              </a:rPr>
+              <a:t>bzz</a:t>
+            </a:r>
+            <a:endParaRPr lang="en-GB" dirty="0">
+              <a:latin typeface="Asap" panose="020F0504030102060203" pitchFamily="34" charset="0"/>
+            </a:endParaRPr>
+          </a:p>
+        </p:txBody>
+      </p:sp>
+      <p:sp>
+        <p:nvSpPr>
+          <p:cNvPr id="4" name="Subtitle 3">
+            <a:extLst>
+              <a:ext uri="{FF2B5EF4-FFF2-40B4-BE49-F238E27FC236}">
+                <a16:creationId xmlns:a16="http://schemas.microsoft.com/office/drawing/2014/main" id="{9DC3C257-BFA8-4755-A47E-DEB0CDBC03F6}"/>
+              </a:ext>
+            </a:extLst>
+          </p:cNvPr>
+          <p:cNvSpPr>
+            <a:spLocks noGrp="1"/>
+          </p:cNvSpPr>
+          <p:nvPr>
+            <p:ph type="subTitle" idx="1"/>
+          </p:nvPr>
+        </p:nvSpPr>
+        <p:spPr>
+          <a:xfrm>
+            <a:off x="2286000" y="5402223"/>
+            <a:ext cx="13716000" cy="2483260"/>
+          </a:xfrm>
+        </p:spPr>
+        <p:txBody>
           <a:bodyPr>
             <a:normAutofit/>
           </a:bodyPr>
           <a:lstStyle/>
           <a:p>
-            <a:r>
-              <a:rPr lang="en-GB" sz="6600" dirty="0">
-                <a:latin typeface="Asap" panose="020F0504030102060203" pitchFamily="34" charset="0"/>
-              </a:rPr>
-              <a:t>part 8: the future</a:t>
-            </a:r>
+            <a:endParaRPr lang="en-GB" sz="3200" dirty="0">
+              <a:latin typeface="Asap" panose="020F0504030102060203" pitchFamily="34" charset="0"/>
+            </a:endParaRPr>
           </a:p>
         </p:txBody>
       </p:sp>
     </p:spTree>
     <p:extLst>
       <p:ext uri="{BB962C8B-B14F-4D97-AF65-F5344CB8AC3E}">
-        <p14:creationId xmlns:p14="http://schemas.microsoft.com/office/powerpoint/2010/main" val="2104987272"/>
+        <p14:creationId xmlns:p14="http://schemas.microsoft.com/office/powerpoint/2010/main" val="3615271011"/>
       </p:ext>
     </p:extLst>
   </p:cSld>
@@ -25133,59 +25807,24 @@
         </p:nvSpPr>
         <p:spPr/>
         <p:txBody>
-          <a:bodyPr/>
-          <a:lstStyle/>
-          <a:p>
-            <a:r>
-              <a:rPr lang="en-GB" dirty="0" err="1">
-                <a:latin typeface="Asap" panose="020F0504030102060203" pitchFamily="34" charset="0"/>
-              </a:rPr>
-              <a:t>sharding</a:t>
-            </a:r>
-            <a:endParaRPr lang="en-GB" dirty="0">
-              <a:latin typeface="Asap" panose="020F0504030102060203" pitchFamily="34" charset="0"/>
-            </a:endParaRPr>
-          </a:p>
-        </p:txBody>
-      </p:sp>
-      <p:sp>
-        <p:nvSpPr>
-          <p:cNvPr id="4" name="Subtitle 3">
-            <a:extLst>
-              <a:ext uri="{FF2B5EF4-FFF2-40B4-BE49-F238E27FC236}">
-                <a16:creationId xmlns:a16="http://schemas.microsoft.com/office/drawing/2014/main" id="{9DC3C257-BFA8-4755-A47E-DEB0CDBC03F6}"/>
-              </a:ext>
-            </a:extLst>
-          </p:cNvPr>
-          <p:cNvSpPr>
-            <a:spLocks noGrp="1"/>
-          </p:cNvSpPr>
-          <p:nvPr>
-            <p:ph type="subTitle" idx="1"/>
-          </p:nvPr>
-        </p:nvSpPr>
-        <p:spPr>
-          <a:xfrm>
-            <a:off x="2286000" y="5402223"/>
-            <a:ext cx="13716000" cy="2483260"/>
-          </a:xfrm>
-        </p:spPr>
-        <p:txBody>
           <a:bodyPr>
             <a:normAutofit/>
           </a:bodyPr>
           <a:lstStyle/>
           <a:p>
-            <a:endParaRPr lang="en-GB" sz="3200" dirty="0">
-              <a:latin typeface="Asap" panose="020F0504030102060203" pitchFamily="34" charset="0"/>
-            </a:endParaRPr>
+            <a:r>
+              <a:rPr lang="en-GB" sz="6600" dirty="0">
+                <a:latin typeface="Asap" panose="020F0504030102060203" pitchFamily="34" charset="0"/>
+              </a:rPr>
+              <a:t>part 8: the future</a:t>
+            </a:r>
           </a:p>
         </p:txBody>
       </p:sp>
     </p:spTree>
     <p:extLst>
       <p:ext uri="{BB962C8B-B14F-4D97-AF65-F5344CB8AC3E}">
-        <p14:creationId xmlns:p14="http://schemas.microsoft.com/office/powerpoint/2010/main" val="3595803495"/>
+        <p14:creationId xmlns:p14="http://schemas.microsoft.com/office/powerpoint/2010/main" val="2104987272"/>
       </p:ext>
     </p:extLst>
   </p:cSld>
@@ -25354,11 +25993,14 @@
           <a:lstStyle/>
           <a:p>
             <a:r>
-              <a:rPr lang="en-GB" dirty="0">
+              <a:rPr lang="en-GB" dirty="0" err="1">
                 <a:latin typeface="Asap" panose="020F0504030102060203" pitchFamily="34" charset="0"/>
               </a:rPr>
-              <a:t>plasma</a:t>
-            </a:r>
+              <a:t>sharding</a:t>
+            </a:r>
+            <a:endParaRPr lang="en-GB" dirty="0">
+              <a:latin typeface="Asap" panose="020F0504030102060203" pitchFamily="34" charset="0"/>
+            </a:endParaRPr>
           </a:p>
         </p:txBody>
       </p:sp>
@@ -25399,7 +26041,7 @@
     </p:spTree>
     <p:extLst>
       <p:ext uri="{BB962C8B-B14F-4D97-AF65-F5344CB8AC3E}">
-        <p14:creationId xmlns:p14="http://schemas.microsoft.com/office/powerpoint/2010/main" val="2729125770"/>
+        <p14:creationId xmlns:p14="http://schemas.microsoft.com/office/powerpoint/2010/main" val="3595803495"/>
       </p:ext>
     </p:extLst>
   </p:cSld>
@@ -25571,6 +26213,220 @@
               <a:rPr lang="en-GB" dirty="0">
                 <a:latin typeface="Asap" panose="020F0504030102060203" pitchFamily="34" charset="0"/>
               </a:rPr>
+              <a:t>plasma</a:t>
+            </a:r>
+          </a:p>
+        </p:txBody>
+      </p:sp>
+      <p:sp>
+        <p:nvSpPr>
+          <p:cNvPr id="4" name="Subtitle 3">
+            <a:extLst>
+              <a:ext uri="{FF2B5EF4-FFF2-40B4-BE49-F238E27FC236}">
+                <a16:creationId xmlns:a16="http://schemas.microsoft.com/office/drawing/2014/main" id="{9DC3C257-BFA8-4755-A47E-DEB0CDBC03F6}"/>
+              </a:ext>
+            </a:extLst>
+          </p:cNvPr>
+          <p:cNvSpPr>
+            <a:spLocks noGrp="1"/>
+          </p:cNvSpPr>
+          <p:nvPr>
+            <p:ph type="subTitle" idx="1"/>
+          </p:nvPr>
+        </p:nvSpPr>
+        <p:spPr>
+          <a:xfrm>
+            <a:off x="2286000" y="5402223"/>
+            <a:ext cx="13716000" cy="2483260"/>
+          </a:xfrm>
+        </p:spPr>
+        <p:txBody>
+          <a:bodyPr>
+            <a:normAutofit/>
+          </a:bodyPr>
+          <a:lstStyle/>
+          <a:p>
+            <a:endParaRPr lang="en-GB" sz="3200" dirty="0">
+              <a:latin typeface="Asap" panose="020F0504030102060203" pitchFamily="34" charset="0"/>
+            </a:endParaRPr>
+          </a:p>
+        </p:txBody>
+      </p:sp>
+    </p:spTree>
+    <p:extLst>
+      <p:ext uri="{BB962C8B-B14F-4D97-AF65-F5344CB8AC3E}">
+        <p14:creationId xmlns:p14="http://schemas.microsoft.com/office/powerpoint/2010/main" val="2729125770"/>
+      </p:ext>
+    </p:extLst>
+  </p:cSld>
+  <p:clrMapOvr>
+    <a:masterClrMapping/>
+  </p:clrMapOvr>
+</p:sld>
+</file>
+
+<file path=ppt/slides/slide85.xml><?xml version="1.0" encoding="utf-8"?>
+<p:sld xmlns:a="http://schemas.openxmlformats.org/drawingml/2006/main" xmlns:r="http://schemas.openxmlformats.org/officeDocument/2006/relationships" xmlns:p="http://schemas.openxmlformats.org/presentationml/2006/main">
+  <p:cSld>
+    <p:spTree>
+      <p:nvGrpSpPr>
+        <p:cNvPr id="1" name=""/>
+        <p:cNvGrpSpPr/>
+        <p:nvPr/>
+      </p:nvGrpSpPr>
+      <p:grpSpPr>
+        <a:xfrm>
+          <a:off x="0" y="0"/>
+          <a:ext cx="0" cy="0"/>
+          <a:chOff x="0" y="0"/>
+          <a:chExt cx="0" cy="0"/>
+        </a:xfrm>
+      </p:grpSpPr>
+      <p:pic>
+        <p:nvPicPr>
+          <p:cNvPr id="5" name="Picture 4"/>
+          <p:cNvPicPr>
+            <a:picLocks noChangeAspect="1"/>
+          </p:cNvPicPr>
+          <p:nvPr/>
+        </p:nvPicPr>
+        <p:blipFill>
+          <a:blip r:embed="rId2">
+            <a:extLst>
+              <a:ext uri="{28A0092B-C50C-407E-A947-70E740481C1C}">
+                <a14:useLocalDpi xmlns:a14="http://schemas.microsoft.com/office/drawing/2010/main" val="0"/>
+              </a:ext>
+            </a:extLst>
+          </a:blip>
+          <a:stretch>
+            <a:fillRect/>
+          </a:stretch>
+        </p:blipFill>
+        <p:spPr>
+          <a:xfrm>
+            <a:off x="467520" y="386719"/>
+            <a:ext cx="2157954" cy="1970106"/>
+          </a:xfrm>
+          <a:prstGeom prst="rect">
+            <a:avLst/>
+          </a:prstGeom>
+        </p:spPr>
+      </p:pic>
+      <p:pic>
+        <p:nvPicPr>
+          <p:cNvPr id="6" name="Obraz 5"/>
+          <p:cNvPicPr>
+            <a:picLocks noChangeAspect="1"/>
+          </p:cNvPicPr>
+          <p:nvPr/>
+        </p:nvPicPr>
+        <p:blipFill>
+          <a:blip r:embed="rId3">
+            <a:extLst>
+              <a:ext uri="{28A0092B-C50C-407E-A947-70E740481C1C}">
+                <a14:useLocalDpi xmlns:a14="http://schemas.microsoft.com/office/drawing/2010/main" val="0"/>
+              </a:ext>
+            </a:extLst>
+          </a:blip>
+          <a:stretch>
+            <a:fillRect/>
+          </a:stretch>
+        </p:blipFill>
+        <p:spPr>
+          <a:xfrm>
+            <a:off x="-848021" y="-885792"/>
+            <a:ext cx="4085389" cy="4085389"/>
+          </a:xfrm>
+          <a:prstGeom prst="rect">
+            <a:avLst/>
+          </a:prstGeom>
+        </p:spPr>
+      </p:pic>
+      <p:pic>
+        <p:nvPicPr>
+          <p:cNvPr id="7" name="Obraz 6"/>
+          <p:cNvPicPr>
+            <a:picLocks noChangeAspect="1"/>
+          </p:cNvPicPr>
+          <p:nvPr/>
+        </p:nvPicPr>
+        <p:blipFill>
+          <a:blip r:embed="rId4">
+            <a:extLst>
+              <a:ext uri="{28A0092B-C50C-407E-A947-70E740481C1C}">
+                <a14:useLocalDpi xmlns:a14="http://schemas.microsoft.com/office/drawing/2010/main" val="0"/>
+              </a:ext>
+            </a:extLst>
+          </a:blip>
+          <a:stretch>
+            <a:fillRect/>
+          </a:stretch>
+        </p:blipFill>
+        <p:spPr>
+          <a:xfrm>
+            <a:off x="15485167" y="6937515"/>
+            <a:ext cx="4196352" cy="4196352"/>
+          </a:xfrm>
+          <a:prstGeom prst="rect">
+            <a:avLst/>
+          </a:prstGeom>
+        </p:spPr>
+      </p:pic>
+      <p:pic>
+        <p:nvPicPr>
+          <p:cNvPr id="2" name="Picture 1">
+            <a:extLst>
+              <a:ext uri="{FF2B5EF4-FFF2-40B4-BE49-F238E27FC236}">
+                <a16:creationId xmlns:a16="http://schemas.microsoft.com/office/drawing/2014/main" id="{BD1B5819-4869-4F8B-B401-0ACD31EAD507}"/>
+              </a:ext>
+            </a:extLst>
+          </p:cNvPr>
+          <p:cNvPicPr>
+            <a:picLocks noChangeAspect="1"/>
+          </p:cNvPicPr>
+          <p:nvPr/>
+        </p:nvPicPr>
+        <p:blipFill>
+          <a:blip r:embed="rId5"/>
+          <a:stretch>
+            <a:fillRect/>
+          </a:stretch>
+        </p:blipFill>
+        <p:spPr>
+          <a:xfrm>
+            <a:off x="7451655" y="8485188"/>
+            <a:ext cx="2695575" cy="1800225"/>
+          </a:xfrm>
+          <a:prstGeom prst="rect">
+            <a:avLst/>
+          </a:prstGeom>
+        </p:spPr>
+      </p:pic>
+      <p:sp>
+        <p:nvSpPr>
+          <p:cNvPr id="3" name="Title 2">
+            <a:extLst>
+              <a:ext uri="{FF2B5EF4-FFF2-40B4-BE49-F238E27FC236}">
+                <a16:creationId xmlns:a16="http://schemas.microsoft.com/office/drawing/2014/main" id="{19CA39E8-6475-43B3-AB30-1BD3DACA14BB}"/>
+              </a:ext>
+            </a:extLst>
+          </p:cNvPr>
+          <p:cNvSpPr>
+            <a:spLocks noGrp="1"/>
+          </p:cNvSpPr>
+          <p:nvPr>
+            <p:ph type="ctrTitle"/>
+          </p:nvPr>
+        </p:nvSpPr>
+        <p:spPr/>
+        <p:txBody>
+          <a:bodyPr/>
+          <a:lstStyle/>
+          <a:p>
+            <a:r>
+              <a:rPr lang="en-GB" dirty="0">
+                <a:latin typeface="Asap" panose="020F0504030102060203" pitchFamily="34" charset="0"/>
+              </a:rPr>
               <a:t>Casper</a:t>
             </a:r>
           </a:p>
@@ -25623,7 +26479,7 @@
 </p:sld>
 </file>
 
-<file path=ppt/slides/slide85.xml><?xml version="1.0" encoding="utf-8"?>
+<file path=ppt/slides/slide86.xml><?xml version="1.0" encoding="utf-8"?>
 <p:sld xmlns:a="http://schemas.openxmlformats.org/drawingml/2006/main" xmlns:r="http://schemas.openxmlformats.org/officeDocument/2006/relationships" xmlns:p="http://schemas.openxmlformats.org/presentationml/2006/main">
   <p:cSld>
     <p:spTree>

--- a/src/Nethermind/Workshop.pptx
+++ b/src/Nethermind/Workshop.pptx
@@ -5,7 +5,7 @@
     <p:sldMasterId id="2147483660" r:id="rId1"/>
   </p:sldMasterIdLst>
   <p:notesMasterIdLst>
-    <p:notesMasterId r:id="rId88"/>
+    <p:notesMasterId r:id="rId89"/>
   </p:notesMasterIdLst>
   <p:sldIdLst>
     <p:sldId id="321" r:id="rId2"/>
@@ -58,8 +58,8 @@
     <p:sldId id="401" r:id="rId49"/>
     <p:sldId id="414" r:id="rId50"/>
     <p:sldId id="403" r:id="rId51"/>
-    <p:sldId id="405" r:id="rId52"/>
-    <p:sldId id="406" r:id="rId53"/>
+    <p:sldId id="406" r:id="rId52"/>
+    <p:sldId id="405" r:id="rId53"/>
     <p:sldId id="441" r:id="rId54"/>
     <p:sldId id="370" r:id="rId55"/>
     <p:sldId id="371" r:id="rId56"/>
@@ -90,10 +90,11 @@
     <p:sldId id="394" r:id="rId81"/>
     <p:sldId id="395" r:id="rId82"/>
     <p:sldId id="428" r:id="rId83"/>
-    <p:sldId id="429" r:id="rId84"/>
-    <p:sldId id="432" r:id="rId85"/>
-    <p:sldId id="430" r:id="rId86"/>
-    <p:sldId id="431" r:id="rId87"/>
+    <p:sldId id="444" r:id="rId84"/>
+    <p:sldId id="429" r:id="rId85"/>
+    <p:sldId id="432" r:id="rId86"/>
+    <p:sldId id="430" r:id="rId87"/>
+    <p:sldId id="431" r:id="rId88"/>
   </p:sldIdLst>
   <p:sldSz cx="18288000" cy="10285413"/>
   <p:notesSz cx="6858000" cy="9144000"/>
@@ -293,7 +294,7 @@
           <a:p>
             <a:fld id="{C370182C-99DD-334E-83CF-82E3F525ED14}" type="datetimeFigureOut">
               <a:rPr lang="pl-PL" smtClean="0"/>
-              <a:t>27.07.2018</a:t>
+              <a:t>28.07.2018</a:t>
             </a:fld>
             <a:endParaRPr lang="pl-PL"/>
           </a:p>
@@ -691,7 +692,7 @@
           <a:p>
             <a:fld id="{5D1C97CF-EED7-C84D-9929-A582D27EDD40}" type="datetimeFigureOut">
               <a:rPr lang="en-US" smtClean="0"/>
-              <a:t>7/27/2018</a:t>
+              <a:t>7/28/2018</a:t>
             </a:fld>
             <a:endParaRPr lang="en-US"/>
           </a:p>
@@ -856,7 +857,7 @@
           <a:p>
             <a:fld id="{5D1C97CF-EED7-C84D-9929-A582D27EDD40}" type="datetimeFigureOut">
               <a:rPr lang="en-US" smtClean="0"/>
-              <a:t>7/27/2018</a:t>
+              <a:t>7/28/2018</a:t>
             </a:fld>
             <a:endParaRPr lang="en-US"/>
           </a:p>
@@ -1031,7 +1032,7 @@
           <a:p>
             <a:fld id="{5D1C97CF-EED7-C84D-9929-A582D27EDD40}" type="datetimeFigureOut">
               <a:rPr lang="en-US" smtClean="0"/>
-              <a:t>7/27/2018</a:t>
+              <a:t>7/28/2018</a:t>
             </a:fld>
             <a:endParaRPr lang="en-US"/>
           </a:p>
@@ -1196,7 +1197,7 @@
           <a:p>
             <a:fld id="{5D1C97CF-EED7-C84D-9929-A582D27EDD40}" type="datetimeFigureOut">
               <a:rPr lang="en-US" smtClean="0"/>
-              <a:t>7/27/2018</a:t>
+              <a:t>7/28/2018</a:t>
             </a:fld>
             <a:endParaRPr lang="en-US"/>
           </a:p>
@@ -1437,7 +1438,7 @@
           <a:p>
             <a:fld id="{5D1C97CF-EED7-C84D-9929-A582D27EDD40}" type="datetimeFigureOut">
               <a:rPr lang="en-US" smtClean="0"/>
-              <a:t>7/27/2018</a:t>
+              <a:t>7/28/2018</a:t>
             </a:fld>
             <a:endParaRPr lang="en-US"/>
           </a:p>
@@ -1664,7 +1665,7 @@
           <a:p>
             <a:fld id="{5D1C97CF-EED7-C84D-9929-A582D27EDD40}" type="datetimeFigureOut">
               <a:rPr lang="en-US" smtClean="0"/>
-              <a:t>7/27/2018</a:t>
+              <a:t>7/28/2018</a:t>
             </a:fld>
             <a:endParaRPr lang="en-US"/>
           </a:p>
@@ -2026,7 +2027,7 @@
           <a:p>
             <a:fld id="{5D1C97CF-EED7-C84D-9929-A582D27EDD40}" type="datetimeFigureOut">
               <a:rPr lang="en-US" smtClean="0"/>
-              <a:t>7/27/2018</a:t>
+              <a:t>7/28/2018</a:t>
             </a:fld>
             <a:endParaRPr lang="en-US"/>
           </a:p>
@@ -2139,7 +2140,7 @@
           <a:p>
             <a:fld id="{5D1C97CF-EED7-C84D-9929-A582D27EDD40}" type="datetimeFigureOut">
               <a:rPr lang="en-US" smtClean="0"/>
-              <a:t>7/27/2018</a:t>
+              <a:t>7/28/2018</a:t>
             </a:fld>
             <a:endParaRPr lang="en-US"/>
           </a:p>
@@ -2229,7 +2230,7 @@
           <a:p>
             <a:fld id="{5D1C97CF-EED7-C84D-9929-A582D27EDD40}" type="datetimeFigureOut">
               <a:rPr lang="en-US" smtClean="0"/>
-              <a:t>7/27/2018</a:t>
+              <a:t>7/28/2018</a:t>
             </a:fld>
             <a:endParaRPr lang="en-US"/>
           </a:p>
@@ -2501,7 +2502,7 @@
           <a:p>
             <a:fld id="{5D1C97CF-EED7-C84D-9929-A582D27EDD40}" type="datetimeFigureOut">
               <a:rPr lang="en-US" smtClean="0"/>
-              <a:t>7/27/2018</a:t>
+              <a:t>7/28/2018</a:t>
             </a:fld>
             <a:endParaRPr lang="en-US"/>
           </a:p>
@@ -2753,7 +2754,7 @@
           <a:p>
             <a:fld id="{5D1C97CF-EED7-C84D-9929-A582D27EDD40}" type="datetimeFigureOut">
               <a:rPr lang="en-US" smtClean="0"/>
-              <a:t>7/27/2018</a:t>
+              <a:t>7/28/2018</a:t>
             </a:fld>
             <a:endParaRPr lang="en-US"/>
           </a:p>
@@ -2961,7 +2962,7 @@
           <a:p>
             <a:fld id="{5D1C97CF-EED7-C84D-9929-A582D27EDD40}" type="datetimeFigureOut">
               <a:rPr lang="en-US" smtClean="0"/>
-              <a:t>7/27/2018</a:t>
+              <a:t>7/28/2018</a:t>
             </a:fld>
             <a:endParaRPr lang="en-US"/>
           </a:p>
@@ -17340,7 +17341,7 @@
               <a:rPr lang="en-GB" dirty="0">
                 <a:latin typeface="Asap" panose="020F0504030102060203" pitchFamily="34" charset="0"/>
               </a:rPr>
-              <a:t>logs</a:t>
+              <a:t>bloom</a:t>
             </a:r>
           </a:p>
         </p:txBody>
@@ -17382,7 +17383,7 @@
     </p:spTree>
     <p:extLst>
       <p:ext uri="{BB962C8B-B14F-4D97-AF65-F5344CB8AC3E}">
-        <p14:creationId xmlns:p14="http://schemas.microsoft.com/office/powerpoint/2010/main" val="2236928304"/>
+        <p14:creationId xmlns:p14="http://schemas.microsoft.com/office/powerpoint/2010/main" val="4052612840"/>
       </p:ext>
     </p:extLst>
   </p:cSld>
@@ -17554,7 +17555,7 @@
               <a:rPr lang="en-GB" dirty="0">
                 <a:latin typeface="Asap" panose="020F0504030102060203" pitchFamily="34" charset="0"/>
               </a:rPr>
-              <a:t>bloom</a:t>
+              <a:t>receipts : logs</a:t>
             </a:r>
           </a:p>
         </p:txBody>
@@ -17587,16 +17588,19 @@
           </a:bodyPr>
           <a:lstStyle/>
           <a:p>
-            <a:endParaRPr lang="en-GB" sz="2400" dirty="0">
-              <a:latin typeface="Asap" panose="020F0504030102060203" pitchFamily="34" charset="0"/>
-            </a:endParaRPr>
+            <a:r>
+              <a:rPr lang="en-GB" sz="2400" dirty="0">
+                <a:latin typeface="Asap" panose="020F0504030102060203" pitchFamily="34" charset="0"/>
+              </a:rPr>
+              <a:t>https://codeburst.io/deep-dive-into-ethereum-logs-a8d2047c7371</a:t>
+            </a:r>
           </a:p>
         </p:txBody>
       </p:sp>
     </p:spTree>
     <p:extLst>
       <p:ext uri="{BB962C8B-B14F-4D97-AF65-F5344CB8AC3E}">
-        <p14:creationId xmlns:p14="http://schemas.microsoft.com/office/powerpoint/2010/main" val="4052612840"/>
+        <p14:creationId xmlns:p14="http://schemas.microsoft.com/office/powerpoint/2010/main" val="2236928304"/>
       </p:ext>
     </p:extLst>
   </p:cSld>
@@ -17775,7 +17779,7 @@
               <a:rPr lang="en-GB" dirty="0">
                 <a:latin typeface="Asap" panose="020F0504030102060203" pitchFamily="34" charset="0"/>
               </a:rPr>
-              <a:t>exercise</a:t>
+              <a:t>solidity contracts</a:t>
             </a:r>
           </a:p>
         </p:txBody>
@@ -24282,7 +24286,7 @@
               <a:rPr lang="en-GB" sz="3200" dirty="0">
                 <a:latin typeface="Asap" panose="020F0504030102060203" pitchFamily="34" charset="0"/>
               </a:rPr>
-              <a:t>subprotocols</a:t>
+              <a:t>status : subprotocols</a:t>
             </a:r>
           </a:p>
         </p:txBody>
@@ -24495,9 +24499,12 @@
           </a:bodyPr>
           <a:lstStyle/>
           <a:p>
-            <a:endParaRPr lang="en-GB" sz="3200" dirty="0">
-              <a:latin typeface="Asap" panose="020F0504030102060203" pitchFamily="34" charset="0"/>
-            </a:endParaRPr>
+            <a:r>
+              <a:rPr lang="en-GB" sz="3200" dirty="0">
+                <a:latin typeface="Asap" panose="020F0504030102060203" pitchFamily="34" charset="0"/>
+              </a:rPr>
+              <a:t>full archive : fast sync</a:t>
+            </a:r>
           </a:p>
         </p:txBody>
       </p:sp>
@@ -24709,9 +24716,12 @@
           </a:bodyPr>
           <a:lstStyle/>
           <a:p>
-            <a:endParaRPr lang="en-GB" sz="3200" dirty="0">
-              <a:latin typeface="Asap" panose="020F0504030102060203" pitchFamily="34" charset="0"/>
-            </a:endParaRPr>
+            <a:r>
+              <a:rPr lang="en-GB" sz="3200" dirty="0">
+                <a:latin typeface="Asap" panose="020F0504030102060203" pitchFamily="34" charset="0"/>
+              </a:rPr>
+              <a:t>light client : bloom bits</a:t>
+            </a:r>
           </a:p>
         </p:txBody>
       </p:sp>
@@ -24923,9 +24933,12 @@
           </a:bodyPr>
           <a:lstStyle/>
           <a:p>
-            <a:endParaRPr lang="en-GB" sz="3200" dirty="0">
-              <a:latin typeface="Asap" panose="020F0504030102060203" pitchFamily="34" charset="0"/>
-            </a:endParaRPr>
+            <a:r>
+              <a:rPr lang="en-GB" sz="3200" dirty="0">
+                <a:latin typeface="Asap" panose="020F0504030102060203" pitchFamily="34" charset="0"/>
+              </a:rPr>
+              <a:t>warp sync</a:t>
+            </a:r>
           </a:p>
         </p:txBody>
       </p:sp>
@@ -25416,9 +25429,12 @@
           </a:bodyPr>
           <a:lstStyle/>
           <a:p>
-            <a:endParaRPr lang="en-GB" sz="3200" dirty="0">
-              <a:latin typeface="Asap" panose="020F0504030102060203" pitchFamily="34" charset="0"/>
-            </a:endParaRPr>
+            <a:r>
+              <a:rPr lang="en-GB" sz="3200" dirty="0">
+                <a:latin typeface="Asap" panose="020F0504030102060203" pitchFamily="34" charset="0"/>
+              </a:rPr>
+              <a:t>Whisper</a:t>
+            </a:r>
           </a:p>
         </p:txBody>
       </p:sp>
@@ -25594,14 +25610,11 @@
           <a:lstStyle/>
           <a:p>
             <a:r>
-              <a:rPr lang="en-GB" dirty="0" err="1">
+              <a:rPr lang="en-GB" dirty="0">
                 <a:latin typeface="Asap" panose="020F0504030102060203" pitchFamily="34" charset="0"/>
               </a:rPr>
               <a:t>bzz</a:t>
             </a:r>
-            <a:endParaRPr lang="en-GB" dirty="0">
-              <a:latin typeface="Asap" panose="020F0504030102060203" pitchFamily="34" charset="0"/>
-            </a:endParaRPr>
           </a:p>
         </p:txBody>
       </p:sp>
@@ -25633,9 +25646,12 @@
           </a:bodyPr>
           <a:lstStyle/>
           <a:p>
-            <a:endParaRPr lang="en-GB" sz="3200" dirty="0">
-              <a:latin typeface="Asap" panose="020F0504030102060203" pitchFamily="34" charset="0"/>
-            </a:endParaRPr>
+            <a:r>
+              <a:rPr lang="en-GB" sz="3200" dirty="0">
+                <a:latin typeface="Asap" panose="020F0504030102060203" pitchFamily="34" charset="0"/>
+              </a:rPr>
+              <a:t>SWARM : IPFS</a:t>
+            </a:r>
           </a:p>
         </p:txBody>
       </p:sp>
@@ -25996,7 +26012,7 @@
               <a:rPr lang="en-GB" dirty="0" err="1">
                 <a:latin typeface="Asap" panose="020F0504030102060203" pitchFamily="34" charset="0"/>
               </a:rPr>
-              <a:t>sharding</a:t>
+              <a:t>constantinople</a:t>
             </a:r>
             <a:endParaRPr lang="en-GB" dirty="0">
               <a:latin typeface="Asap" panose="020F0504030102060203" pitchFamily="34" charset="0"/>
@@ -26032,16 +26048,35 @@
           </a:bodyPr>
           <a:lstStyle/>
           <a:p>
-            <a:endParaRPr lang="en-GB" sz="3200" dirty="0">
-              <a:latin typeface="Asap" panose="020F0504030102060203" pitchFamily="34" charset="0"/>
-            </a:endParaRPr>
+            <a:r>
+              <a:rPr lang="en-GB" sz="3200" dirty="0">
+                <a:latin typeface="Asap" panose="020F0504030102060203" pitchFamily="34" charset="0"/>
+              </a:rPr>
+              <a:t>EIP210 (blockhash in state) : EIP145 (shifts – SHL, SHR, SAR)</a:t>
+            </a:r>
+          </a:p>
+          <a:p>
+            <a:r>
+              <a:rPr lang="en-GB" sz="3200" dirty="0">
+                <a:latin typeface="Asap" panose="020F0504030102060203" pitchFamily="34" charset="0"/>
+              </a:rPr>
+              <a:t>EIP1014 (CREATE2) : EIP1052 (EXTCODEHASH)</a:t>
+            </a:r>
+          </a:p>
+          <a:p>
+            <a:r>
+              <a:rPr lang="en-GB" sz="3200" dirty="0">
+                <a:latin typeface="Asap" panose="020F0504030102060203" pitchFamily="34" charset="0"/>
+              </a:rPr>
+              <a:t>time bomb delay</a:t>
+            </a:r>
           </a:p>
         </p:txBody>
       </p:sp>
     </p:spTree>
     <p:extLst>
       <p:ext uri="{BB962C8B-B14F-4D97-AF65-F5344CB8AC3E}">
-        <p14:creationId xmlns:p14="http://schemas.microsoft.com/office/powerpoint/2010/main" val="3595803495"/>
+        <p14:creationId xmlns:p14="http://schemas.microsoft.com/office/powerpoint/2010/main" val="1734120212"/>
       </p:ext>
     </p:extLst>
   </p:cSld>
@@ -26213,7 +26248,7 @@
               <a:rPr lang="en-GB" dirty="0">
                 <a:latin typeface="Asap" panose="020F0504030102060203" pitchFamily="34" charset="0"/>
               </a:rPr>
-              <a:t>plasma</a:t>
+              <a:t>sharding</a:t>
             </a:r>
           </a:p>
         </p:txBody>
@@ -26246,16 +26281,19 @@
           </a:bodyPr>
           <a:lstStyle/>
           <a:p>
-            <a:endParaRPr lang="en-GB" sz="3200" dirty="0">
-              <a:latin typeface="Asap" panose="020F0504030102060203" pitchFamily="34" charset="0"/>
-            </a:endParaRPr>
+            <a:r>
+              <a:rPr lang="en-GB" sz="3200" dirty="0">
+                <a:latin typeface="Asap" panose="020F0504030102060203" pitchFamily="34" charset="0"/>
+              </a:rPr>
+              <a:t>quadratic : phases : exponential : 100</a:t>
+            </a:r>
           </a:p>
         </p:txBody>
       </p:sp>
     </p:spTree>
     <p:extLst>
       <p:ext uri="{BB962C8B-B14F-4D97-AF65-F5344CB8AC3E}">
-        <p14:creationId xmlns:p14="http://schemas.microsoft.com/office/powerpoint/2010/main" val="2729125770"/>
+        <p14:creationId xmlns:p14="http://schemas.microsoft.com/office/powerpoint/2010/main" val="3595803495"/>
       </p:ext>
     </p:extLst>
   </p:cSld>
@@ -26427,7 +26465,7 @@
               <a:rPr lang="en-GB" dirty="0">
                 <a:latin typeface="Asap" panose="020F0504030102060203" pitchFamily="34" charset="0"/>
               </a:rPr>
-              <a:t>Casper</a:t>
+              <a:t>plasma</a:t>
             </a:r>
           </a:p>
         </p:txBody>
@@ -26469,7 +26507,7 @@
     </p:spTree>
     <p:extLst>
       <p:ext uri="{BB962C8B-B14F-4D97-AF65-F5344CB8AC3E}">
-        <p14:creationId xmlns:p14="http://schemas.microsoft.com/office/powerpoint/2010/main" val="3222678399"/>
+        <p14:creationId xmlns:p14="http://schemas.microsoft.com/office/powerpoint/2010/main" val="2729125770"/>
       </p:ext>
     </p:extLst>
   </p:cSld>
@@ -26638,14 +26676,11 @@
           <a:lstStyle/>
           <a:p>
             <a:r>
-              <a:rPr lang="en-GB" dirty="0" err="1">
+              <a:rPr lang="en-GB" dirty="0">
                 <a:latin typeface="Asap" panose="020F0504030102060203" pitchFamily="34" charset="0"/>
               </a:rPr>
-              <a:t>eWASM</a:t>
-            </a:r>
-            <a:endParaRPr lang="en-GB" dirty="0">
-              <a:latin typeface="Asap" panose="020F0504030102060203" pitchFamily="34" charset="0"/>
-            </a:endParaRPr>
+              <a:t>Casper</a:t>
+            </a:r>
           </a:p>
         </p:txBody>
       </p:sp>
@@ -26677,9 +26712,229 @@
           </a:bodyPr>
           <a:lstStyle/>
           <a:p>
-            <a:endParaRPr lang="en-GB" sz="3200" dirty="0">
-              <a:latin typeface="Asap" panose="020F0504030102060203" pitchFamily="34" charset="0"/>
-            </a:endParaRPr>
+            <a:r>
+              <a:rPr lang="en-GB" sz="3200" dirty="0">
+                <a:latin typeface="Asap" panose="020F0504030102060203" pitchFamily="34" charset="0"/>
+              </a:rPr>
+              <a:t>PoS : RNG</a:t>
+            </a:r>
+          </a:p>
+        </p:txBody>
+      </p:sp>
+    </p:spTree>
+    <p:extLst>
+      <p:ext uri="{BB962C8B-B14F-4D97-AF65-F5344CB8AC3E}">
+        <p14:creationId xmlns:p14="http://schemas.microsoft.com/office/powerpoint/2010/main" val="3222678399"/>
+      </p:ext>
+    </p:extLst>
+  </p:cSld>
+  <p:clrMapOvr>
+    <a:masterClrMapping/>
+  </p:clrMapOvr>
+</p:sld>
+</file>
+
+<file path=ppt/slides/slide87.xml><?xml version="1.0" encoding="utf-8"?>
+<p:sld xmlns:a="http://schemas.openxmlformats.org/drawingml/2006/main" xmlns:r="http://schemas.openxmlformats.org/officeDocument/2006/relationships" xmlns:p="http://schemas.openxmlformats.org/presentationml/2006/main">
+  <p:cSld>
+    <p:spTree>
+      <p:nvGrpSpPr>
+        <p:cNvPr id="1" name=""/>
+        <p:cNvGrpSpPr/>
+        <p:nvPr/>
+      </p:nvGrpSpPr>
+      <p:grpSpPr>
+        <a:xfrm>
+          <a:off x="0" y="0"/>
+          <a:ext cx="0" cy="0"/>
+          <a:chOff x="0" y="0"/>
+          <a:chExt cx="0" cy="0"/>
+        </a:xfrm>
+      </p:grpSpPr>
+      <p:pic>
+        <p:nvPicPr>
+          <p:cNvPr id="5" name="Picture 4"/>
+          <p:cNvPicPr>
+            <a:picLocks noChangeAspect="1"/>
+          </p:cNvPicPr>
+          <p:nvPr/>
+        </p:nvPicPr>
+        <p:blipFill>
+          <a:blip r:embed="rId2">
+            <a:extLst>
+              <a:ext uri="{28A0092B-C50C-407E-A947-70E740481C1C}">
+                <a14:useLocalDpi xmlns:a14="http://schemas.microsoft.com/office/drawing/2010/main" val="0"/>
+              </a:ext>
+            </a:extLst>
+          </a:blip>
+          <a:stretch>
+            <a:fillRect/>
+          </a:stretch>
+        </p:blipFill>
+        <p:spPr>
+          <a:xfrm>
+            <a:off x="467520" y="386719"/>
+            <a:ext cx="2157954" cy="1970106"/>
+          </a:xfrm>
+          <a:prstGeom prst="rect">
+            <a:avLst/>
+          </a:prstGeom>
+        </p:spPr>
+      </p:pic>
+      <p:pic>
+        <p:nvPicPr>
+          <p:cNvPr id="6" name="Obraz 5"/>
+          <p:cNvPicPr>
+            <a:picLocks noChangeAspect="1"/>
+          </p:cNvPicPr>
+          <p:nvPr/>
+        </p:nvPicPr>
+        <p:blipFill>
+          <a:blip r:embed="rId3">
+            <a:extLst>
+              <a:ext uri="{28A0092B-C50C-407E-A947-70E740481C1C}">
+                <a14:useLocalDpi xmlns:a14="http://schemas.microsoft.com/office/drawing/2010/main" val="0"/>
+              </a:ext>
+            </a:extLst>
+          </a:blip>
+          <a:stretch>
+            <a:fillRect/>
+          </a:stretch>
+        </p:blipFill>
+        <p:spPr>
+          <a:xfrm>
+            <a:off x="-848021" y="-885792"/>
+            <a:ext cx="4085389" cy="4085389"/>
+          </a:xfrm>
+          <a:prstGeom prst="rect">
+            <a:avLst/>
+          </a:prstGeom>
+        </p:spPr>
+      </p:pic>
+      <p:pic>
+        <p:nvPicPr>
+          <p:cNvPr id="7" name="Obraz 6"/>
+          <p:cNvPicPr>
+            <a:picLocks noChangeAspect="1"/>
+          </p:cNvPicPr>
+          <p:nvPr/>
+        </p:nvPicPr>
+        <p:blipFill>
+          <a:blip r:embed="rId4">
+            <a:extLst>
+              <a:ext uri="{28A0092B-C50C-407E-A947-70E740481C1C}">
+                <a14:useLocalDpi xmlns:a14="http://schemas.microsoft.com/office/drawing/2010/main" val="0"/>
+              </a:ext>
+            </a:extLst>
+          </a:blip>
+          <a:stretch>
+            <a:fillRect/>
+          </a:stretch>
+        </p:blipFill>
+        <p:spPr>
+          <a:xfrm>
+            <a:off x="15485167" y="6937515"/>
+            <a:ext cx="4196352" cy="4196352"/>
+          </a:xfrm>
+          <a:prstGeom prst="rect">
+            <a:avLst/>
+          </a:prstGeom>
+        </p:spPr>
+      </p:pic>
+      <p:pic>
+        <p:nvPicPr>
+          <p:cNvPr id="2" name="Picture 1">
+            <a:extLst>
+              <a:ext uri="{FF2B5EF4-FFF2-40B4-BE49-F238E27FC236}">
+                <a16:creationId xmlns:a16="http://schemas.microsoft.com/office/drawing/2014/main" id="{BD1B5819-4869-4F8B-B401-0ACD31EAD507}"/>
+              </a:ext>
+            </a:extLst>
+          </p:cNvPr>
+          <p:cNvPicPr>
+            <a:picLocks noChangeAspect="1"/>
+          </p:cNvPicPr>
+          <p:nvPr/>
+        </p:nvPicPr>
+        <p:blipFill>
+          <a:blip r:embed="rId5"/>
+          <a:stretch>
+            <a:fillRect/>
+          </a:stretch>
+        </p:blipFill>
+        <p:spPr>
+          <a:xfrm>
+            <a:off x="7451655" y="8485188"/>
+            <a:ext cx="2695575" cy="1800225"/>
+          </a:xfrm>
+          <a:prstGeom prst="rect">
+            <a:avLst/>
+          </a:prstGeom>
+        </p:spPr>
+      </p:pic>
+      <p:sp>
+        <p:nvSpPr>
+          <p:cNvPr id="3" name="Title 2">
+            <a:extLst>
+              <a:ext uri="{FF2B5EF4-FFF2-40B4-BE49-F238E27FC236}">
+                <a16:creationId xmlns:a16="http://schemas.microsoft.com/office/drawing/2014/main" id="{19CA39E8-6475-43B3-AB30-1BD3DACA14BB}"/>
+              </a:ext>
+            </a:extLst>
+          </p:cNvPr>
+          <p:cNvSpPr>
+            <a:spLocks noGrp="1"/>
+          </p:cNvSpPr>
+          <p:nvPr>
+            <p:ph type="ctrTitle"/>
+          </p:nvPr>
+        </p:nvSpPr>
+        <p:spPr/>
+        <p:txBody>
+          <a:bodyPr/>
+          <a:lstStyle/>
+          <a:p>
+            <a:r>
+              <a:rPr lang="en-GB" dirty="0">
+                <a:latin typeface="Asap" panose="020F0504030102060203" pitchFamily="34" charset="0"/>
+              </a:rPr>
+              <a:t>eWASM</a:t>
+            </a:r>
+          </a:p>
+        </p:txBody>
+      </p:sp>
+      <p:sp>
+        <p:nvSpPr>
+          <p:cNvPr id="4" name="Subtitle 3">
+            <a:extLst>
+              <a:ext uri="{FF2B5EF4-FFF2-40B4-BE49-F238E27FC236}">
+                <a16:creationId xmlns:a16="http://schemas.microsoft.com/office/drawing/2014/main" id="{9DC3C257-BFA8-4755-A47E-DEB0CDBC03F6}"/>
+              </a:ext>
+            </a:extLst>
+          </p:cNvPr>
+          <p:cNvSpPr>
+            <a:spLocks noGrp="1"/>
+          </p:cNvSpPr>
+          <p:nvPr>
+            <p:ph type="subTitle" idx="1"/>
+          </p:nvPr>
+        </p:nvSpPr>
+        <p:spPr>
+          <a:xfrm>
+            <a:off x="2286000" y="5402223"/>
+            <a:ext cx="13716000" cy="2483260"/>
+          </a:xfrm>
+        </p:spPr>
+        <p:txBody>
+          <a:bodyPr>
+            <a:normAutofit/>
+          </a:bodyPr>
+          <a:lstStyle/>
+          <a:p>
+            <a:r>
+              <a:rPr lang="en-GB" sz="3200" dirty="0">
+                <a:latin typeface="Asap" panose="020F0504030102060203" pitchFamily="34" charset="0"/>
+              </a:rPr>
+              <a:t>sentinel contract : WASM : EEI (eth env interface) : transpiler : metering</a:t>
+            </a:r>
           </a:p>
         </p:txBody>
       </p:sp>
